--- a/slide-light.pptx
+++ b/slide-light.pptx
@@ -5,24 +5,26 @@
     <p:sldMasterId id="2147483648" r:id="rId1"/>
   </p:sldMasterIdLst>
   <p:notesMasterIdLst>
-    <p:notesMasterId r:id="rId14"/>
+    <p:notesMasterId r:id="rId16"/>
   </p:notesMasterIdLst>
   <p:handoutMasterIdLst>
-    <p:handoutMasterId r:id="rId15"/>
+    <p:handoutMasterId r:id="rId17"/>
   </p:handoutMasterIdLst>
   <p:sldIdLst>
     <p:sldId id="256" r:id="rId2"/>
     <p:sldId id="258" r:id="rId3"/>
-    <p:sldId id="260" r:id="rId4"/>
-    <p:sldId id="264" r:id="rId5"/>
-    <p:sldId id="261" r:id="rId6"/>
-    <p:sldId id="265" r:id="rId7"/>
+    <p:sldId id="269" r:id="rId4"/>
+    <p:sldId id="260" r:id="rId5"/>
+    <p:sldId id="264" r:id="rId6"/>
+    <p:sldId id="261" r:id="rId7"/>
     <p:sldId id="268" r:id="rId8"/>
-    <p:sldId id="262" r:id="rId9"/>
-    <p:sldId id="263" r:id="rId10"/>
-    <p:sldId id="266" r:id="rId11"/>
-    <p:sldId id="267" r:id="rId12"/>
-    <p:sldId id="259" r:id="rId13"/>
+    <p:sldId id="265" r:id="rId9"/>
+    <p:sldId id="262" r:id="rId10"/>
+    <p:sldId id="270" r:id="rId11"/>
+    <p:sldId id="263" r:id="rId12"/>
+    <p:sldId id="266" r:id="rId13"/>
+    <p:sldId id="267" r:id="rId14"/>
+    <p:sldId id="259" r:id="rId15"/>
   </p:sldIdLst>
   <p:sldSz cx="12192000" cy="6858000"/>
   <p:notesSz cx="6858000" cy="9144000"/>
@@ -228,7 +230,7 @@
                 <a:latin typeface="微软雅黑" panose="020B0503020204020204" charset="-122"/>
                 <a:ea typeface="微软雅黑" panose="020B0503020204020204" charset="-122"/>
               </a:rPr>
-              <a:t>2021/10/13</a:t>
+              <a:t>2021/10/15</a:t>
             </a:fld>
             <a:endParaRPr lang="zh-CN" altLang="en-US">
               <a:latin typeface="微软雅黑" panose="020B0503020204020204" charset="-122"/>
@@ -406,7 +408,7 @@
           <a:p>
             <a:fld id="{1AC49D05-6128-4D0D-A32A-06A5E73B386C}" type="datetimeFigureOut">
               <a:rPr lang="zh-CN" altLang="en-US" smtClean="0"/>
-              <a:t>2021/10/13</a:t>
+              <a:t>2021/10/15</a:t>
             </a:fld>
             <a:endParaRPr lang="zh-CN" altLang="en-US"/>
           </a:p>
@@ -911,7 +913,7 @@
           <a:p>
             <a:fld id="{760FBDFE-C587-4B4C-A407-44438C67B59E}" type="datetimeFigureOut">
               <a:rPr lang="zh-CN" altLang="en-US" smtClean="0"/>
-              <a:t>2021/10/13</a:t>
+              <a:t>2021/10/15</a:t>
             </a:fld>
             <a:endParaRPr lang="zh-CN" altLang="en-US"/>
           </a:p>
@@ -1010,7 +1012,7 @@
           <a:p>
             <a:fld id="{760FBDFE-C587-4B4C-A407-44438C67B59E}" type="datetimeFigureOut">
               <a:rPr lang="zh-CN" altLang="en-US" smtClean="0"/>
-              <a:t>2021/10/13</a:t>
+              <a:t>2021/10/15</a:t>
             </a:fld>
             <a:endParaRPr lang="zh-CN" altLang="en-US"/>
           </a:p>
@@ -1219,7 +1221,7 @@
           <a:p>
             <a:fld id="{760FBDFE-C587-4B4C-A407-44438C67B59E}" type="datetimeFigureOut">
               <a:rPr lang="zh-CN" altLang="en-US" smtClean="0"/>
-              <a:t>2021/10/13</a:t>
+              <a:t>2021/10/15</a:t>
             </a:fld>
             <a:endParaRPr lang="zh-CN" altLang="en-US"/>
           </a:p>
@@ -1634,7 +1636,7 @@
           <a:p>
             <a:fld id="{760FBDFE-C587-4B4C-A407-44438C67B59E}" type="datetimeFigureOut">
               <a:rPr lang="zh-CN" altLang="en-US" smtClean="0"/>
-              <a:t>2021/10/13</a:t>
+              <a:t>2021/10/15</a:t>
             </a:fld>
             <a:endParaRPr lang="zh-CN" altLang="en-US"/>
           </a:p>
@@ -1908,7 +1910,7 @@
           <a:p>
             <a:fld id="{760FBDFE-C587-4B4C-A407-44438C67B59E}" type="datetimeFigureOut">
               <a:rPr lang="zh-CN" altLang="en-US" smtClean="0"/>
-              <a:t>2021/10/13</a:t>
+              <a:t>2021/10/15</a:t>
             </a:fld>
             <a:endParaRPr lang="zh-CN" altLang="en-US"/>
           </a:p>
@@ -2376,7 +2378,7 @@
           <a:p>
             <a:fld id="{760FBDFE-C587-4B4C-A407-44438C67B59E}" type="datetimeFigureOut">
               <a:rPr lang="zh-CN" altLang="en-US" smtClean="0"/>
-              <a:t>2021/10/13</a:t>
+              <a:t>2021/10/15</a:t>
             </a:fld>
             <a:endParaRPr lang="zh-CN" altLang="en-US"/>
           </a:p>
@@ -3109,7 +3111,7 @@
           <a:p>
             <a:fld id="{760FBDFE-C587-4B4C-A407-44438C67B59E}" type="datetimeFigureOut">
               <a:rPr lang="zh-CN" altLang="en-US" smtClean="0"/>
-              <a:t>2021/10/13</a:t>
+              <a:t>2021/10/15</a:t>
             </a:fld>
             <a:endParaRPr lang="zh-CN" altLang="en-US"/>
           </a:p>
@@ -3255,7 +3257,7 @@
           <a:p>
             <a:fld id="{760FBDFE-C587-4B4C-A407-44438C67B59E}" type="datetimeFigureOut">
               <a:rPr lang="zh-CN" altLang="en-US" smtClean="0"/>
-              <a:t>2021/10/13</a:t>
+              <a:t>2021/10/15</a:t>
             </a:fld>
             <a:endParaRPr lang="zh-CN" altLang="en-US"/>
           </a:p>
@@ -3354,7 +3356,7 @@
           <a:p>
             <a:fld id="{760FBDFE-C587-4B4C-A407-44438C67B59E}" type="datetimeFigureOut">
               <a:rPr lang="zh-CN" altLang="en-US" smtClean="0"/>
-              <a:t>2021/10/13</a:t>
+              <a:t>2021/10/15</a:t>
             </a:fld>
             <a:endParaRPr lang="zh-CN" altLang="en-US"/>
           </a:p>
@@ -3669,7 +3671,7 @@
           <a:p>
             <a:fld id="{9EFD9D74-47D9-4702-A33C-335B63B48DBF}" type="datetimeFigureOut">
               <a:rPr lang="zh-CN" altLang="en-US" smtClean="0"/>
-              <a:t>2021/10/13</a:t>
+              <a:t>2021/10/15</a:t>
             </a:fld>
             <a:endParaRPr lang="zh-CN" altLang="en-US" dirty="0"/>
           </a:p>
@@ -3958,7 +3960,7 @@
           <a:p>
             <a:fld id="{760FBDFE-C587-4B4C-A407-44438C67B59E}" type="datetimeFigureOut">
               <a:rPr lang="zh-CN" altLang="en-US" smtClean="0"/>
-              <a:t>2021/10/13</a:t>
+              <a:t>2021/10/15</a:t>
             </a:fld>
             <a:endParaRPr lang="zh-CN" altLang="en-US"/>
           </a:p>
@@ -4187,7 +4189,7 @@
           <a:p>
             <a:fld id="{760FBDFE-C587-4B4C-A407-44438C67B59E}" type="datetimeFigureOut">
               <a:rPr lang="zh-CN" altLang="en-US" smtClean="0"/>
-              <a:t>2021/10/13</a:t>
+              <a:t>2021/10/15</a:t>
             </a:fld>
             <a:endParaRPr lang="zh-CN" altLang="en-US"/>
           </a:p>
@@ -5076,7 +5078,23 @@
                   <a:schemeClr val="bg1"/>
                 </a:solidFill>
               </a:rPr>
-              <a:t>Summary</a:t>
+              <a:t>Design</a:t>
+            </a:r>
+            <a:r>
+              <a:rPr lang="zh-CN" altLang="en-US" dirty="0">
+                <a:solidFill>
+                  <a:schemeClr val="bg1"/>
+                </a:solidFill>
+              </a:rPr>
+              <a:t> </a:t>
+            </a:r>
+            <a:r>
+              <a:rPr lang="en-US" altLang="zh-CN" dirty="0">
+                <a:solidFill>
+                  <a:schemeClr val="bg1"/>
+                </a:solidFill>
+              </a:rPr>
+              <a:t>trick</a:t>
             </a:r>
             <a:endParaRPr lang="zh-CN" altLang="en-US" dirty="0">
               <a:solidFill>
@@ -5088,10 +5106,10 @@
       </p:sp>
       <p:sp>
         <p:nvSpPr>
-          <p:cNvPr id="3" name="文本框 2">
+          <p:cNvPr id="8" name="文本框 7">
             <a:extLst>
               <a:ext uri="{FF2B5EF4-FFF2-40B4-BE49-F238E27FC236}">
-                <a16:creationId xmlns:a16="http://schemas.microsoft.com/office/drawing/2014/main" id="{497DF1A0-C96C-D349-8E39-347DF4C68922}"/>
+                <a16:creationId xmlns:a16="http://schemas.microsoft.com/office/drawing/2014/main" id="{BA7AC00F-1822-1D4E-A1F4-D4BED9E5A62E}"/>
               </a:ext>
             </a:extLst>
           </p:cNvPr>
@@ -5100,8 +5118,8 @@
         </p:nvSpPr>
         <p:spPr>
           <a:xfrm>
-            <a:off x="3398508" y="5366743"/>
-            <a:ext cx="5005137" cy="584775"/>
+            <a:off x="447621" y="1578719"/>
+            <a:ext cx="1708610" cy="461665"/>
           </a:xfrm>
           <a:prstGeom prst="rect">
             <a:avLst/>
@@ -5115,445 +5133,64 @@
           <a:lstStyle/>
           <a:p>
             <a:r>
-              <a:rPr kumimoji="1" lang="en-US" altLang="zh-CN" sz="1600" i="1" dirty="0"/>
-              <a:t>PEG</a:t>
-            </a:r>
-            <a:r>
-              <a:rPr kumimoji="1" lang="zh-CN" altLang="en-US" sz="1600" i="1" dirty="0"/>
-              <a:t> </a:t>
-            </a:r>
-            <a:r>
-              <a:rPr kumimoji="1" lang="en-US" altLang="zh-CN" sz="1600" i="1" dirty="0"/>
-              <a:t>is</a:t>
-            </a:r>
-            <a:r>
-              <a:rPr kumimoji="1" lang="zh-CN" altLang="en-US" sz="1600" i="1" dirty="0"/>
-              <a:t> </a:t>
-            </a:r>
-            <a:r>
-              <a:rPr kumimoji="1" lang="en-US" altLang="zh-CN" sz="1600" i="1" dirty="0"/>
-              <a:t>the</a:t>
-            </a:r>
-            <a:r>
-              <a:rPr kumimoji="1" lang="zh-CN" altLang="en-US" sz="1600" i="1" dirty="0"/>
-              <a:t> </a:t>
-            </a:r>
-            <a:r>
-              <a:rPr kumimoji="1" lang="en-US" altLang="zh-CN" sz="1600" i="1" dirty="0"/>
-              <a:t>future;</a:t>
-            </a:r>
-            <a:r>
-              <a:rPr kumimoji="1" lang="zh-CN" altLang="en-US" sz="1600" i="1" dirty="0"/>
-              <a:t> </a:t>
-            </a:r>
-            <a:r>
-              <a:rPr kumimoji="1" lang="en-US" altLang="zh-CN" sz="1600" i="1" dirty="0"/>
-              <a:t>PEG</a:t>
-            </a:r>
-            <a:r>
-              <a:rPr kumimoji="1" lang="zh-CN" altLang="en-US" sz="1600" i="1" dirty="0"/>
-              <a:t> </a:t>
-            </a:r>
-            <a:r>
-              <a:rPr kumimoji="1" lang="en-US" altLang="zh-CN" sz="1600" i="1" dirty="0"/>
-              <a:t>is</a:t>
-            </a:r>
-            <a:r>
-              <a:rPr kumimoji="1" lang="zh-CN" altLang="en-US" sz="1600" i="1" dirty="0"/>
-              <a:t> </a:t>
-            </a:r>
-            <a:r>
-              <a:rPr kumimoji="1" lang="en-US" altLang="zh-CN" sz="1600" i="1" dirty="0"/>
-              <a:t>all</a:t>
-            </a:r>
-            <a:r>
-              <a:rPr kumimoji="1" lang="zh-CN" altLang="en-US" sz="1600" i="1" dirty="0"/>
-              <a:t> </a:t>
-            </a:r>
-            <a:r>
-              <a:rPr kumimoji="1" lang="en-US" altLang="zh-CN" sz="1600" i="1" dirty="0"/>
-              <a:t>your</a:t>
-            </a:r>
-            <a:r>
-              <a:rPr kumimoji="1" lang="zh-CN" altLang="en-US" sz="1600" i="1" dirty="0"/>
-              <a:t> </a:t>
-            </a:r>
-            <a:r>
-              <a:rPr kumimoji="1" lang="en-US" altLang="zh-CN" sz="1600" i="1" dirty="0"/>
-              <a:t>need;</a:t>
-            </a:r>
-            <a:r>
-              <a:rPr kumimoji="1" lang="zh-CN" altLang="en-US" sz="1600" i="1" dirty="0"/>
-              <a:t> </a:t>
-            </a:r>
-            <a:r>
-              <a:rPr kumimoji="1" lang="en-US" altLang="zh-CN" sz="1600" i="1" dirty="0"/>
-              <a:t>Python</a:t>
-            </a:r>
-            <a:r>
-              <a:rPr kumimoji="1" lang="zh-CN" altLang="en-US" sz="1600" i="1" dirty="0"/>
-              <a:t> </a:t>
-            </a:r>
-            <a:r>
-              <a:rPr kumimoji="1" lang="en-US" altLang="zh-CN" sz="1600" i="1" dirty="0"/>
-              <a:t>and</a:t>
-            </a:r>
-            <a:r>
-              <a:rPr kumimoji="1" lang="zh-CN" altLang="en-US" sz="1600" i="1" dirty="0"/>
-              <a:t> </a:t>
-            </a:r>
-            <a:r>
-              <a:rPr kumimoji="1" lang="en-US" altLang="zh-CN" sz="1600" i="1" dirty="0"/>
-              <a:t>the</a:t>
-            </a:r>
-            <a:r>
-              <a:rPr kumimoji="1" lang="zh-CN" altLang="en-US" sz="1600" i="1" dirty="0"/>
-              <a:t> </a:t>
-            </a:r>
-            <a:r>
-              <a:rPr kumimoji="1" lang="en-US" altLang="zh-CN" sz="1600" i="1" dirty="0"/>
-              <a:t>BDFL</a:t>
-            </a:r>
-            <a:r>
-              <a:rPr kumimoji="1" lang="zh-CN" altLang="en-US" sz="1600" i="1" dirty="0"/>
-              <a:t> </a:t>
-            </a:r>
-            <a:r>
-              <a:rPr kumimoji="1" lang="en-US" altLang="zh-CN" sz="1600" i="1" dirty="0"/>
-              <a:t>choose</a:t>
-            </a:r>
-            <a:r>
-              <a:rPr kumimoji="1" lang="zh-CN" altLang="en-US" sz="1600" i="1" dirty="0"/>
-              <a:t> </a:t>
-            </a:r>
-            <a:r>
-              <a:rPr kumimoji="1" lang="en-US" altLang="zh-CN" sz="1600" i="1" dirty="0"/>
-              <a:t>PEG;</a:t>
-            </a:r>
-            <a:r>
-              <a:rPr kumimoji="1" lang="zh-CN" altLang="en-US" sz="1600" i="1" dirty="0"/>
-              <a:t> </a:t>
-            </a:r>
-            <a:r>
-              <a:rPr kumimoji="1" lang="en-US" altLang="zh-CN" sz="1600" i="1" dirty="0"/>
-              <a:t>Forget</a:t>
-            </a:r>
-            <a:r>
-              <a:rPr kumimoji="1" lang="zh-CN" altLang="en-US" sz="1600" i="1" dirty="0"/>
-              <a:t> </a:t>
-            </a:r>
-            <a:r>
-              <a:rPr kumimoji="1" lang="en-US" altLang="zh-CN" sz="1600" i="1" dirty="0"/>
-              <a:t>CFG.</a:t>
-            </a:r>
-            <a:endParaRPr kumimoji="1" lang="zh-CN" altLang="en-US" sz="1600" i="1" dirty="0"/>
+              <a:rPr kumimoji="1" lang="en-US" altLang="zh-CN" sz="2400" dirty="0">
+                <a:solidFill>
+                  <a:srgbClr val="00B0F0"/>
+                </a:solidFill>
+              </a:rPr>
+              <a:t>Mistake</a:t>
+            </a:r>
+            <a:endParaRPr kumimoji="1" lang="zh-CN" altLang="en-US" sz="2400" dirty="0">
+              <a:solidFill>
+                <a:srgbClr val="00B0F0"/>
+              </a:solidFill>
+            </a:endParaRPr>
           </a:p>
         </p:txBody>
       </p:sp>
-      <p:sp>
-        <p:nvSpPr>
-          <p:cNvPr id="4" name="文本框 3">
+      <p:pic>
+        <p:nvPicPr>
+          <p:cNvPr id="12" name="图片 11">
             <a:extLst>
               <a:ext uri="{FF2B5EF4-FFF2-40B4-BE49-F238E27FC236}">
-                <a16:creationId xmlns:a16="http://schemas.microsoft.com/office/drawing/2014/main" id="{1EAFFCB4-059B-6B4D-A8B7-D9800EC37BFF}"/>
+                <a16:creationId xmlns:a16="http://schemas.microsoft.com/office/drawing/2014/main" id="{8E4048D1-260C-7A43-A1A5-464519BDE5CC}"/>
               </a:ext>
             </a:extLst>
           </p:cNvPr>
-          <p:cNvSpPr txBox="1"/>
+          <p:cNvPicPr>
+            <a:picLocks noChangeAspect="1"/>
+          </p:cNvPicPr>
           <p:nvPr/>
-        </p:nvSpPr>
+        </p:nvPicPr>
+        <p:blipFill>
+          <a:blip r:embed="rId3">
+            <a:extLst>
+              <a:ext uri="{28A0092B-C50C-407E-A947-70E740481C1C}">
+                <a14:useLocalDpi xmlns:a14="http://schemas.microsoft.com/office/drawing/2010/main" val="0"/>
+              </a:ext>
+            </a:extLst>
+          </a:blip>
+          <a:stretch>
+            <a:fillRect/>
+          </a:stretch>
+        </p:blipFill>
         <p:spPr>
           <a:xfrm>
-            <a:off x="2361706" y="2265825"/>
-            <a:ext cx="8212505" cy="923330"/>
+            <a:off x="1857004" y="2614304"/>
+            <a:ext cx="9120209" cy="1945821"/>
           </a:xfrm>
           <a:prstGeom prst="rect">
             <a:avLst/>
           </a:prstGeom>
-          <a:noFill/>
         </p:spPr>
-        <p:txBody>
-          <a:bodyPr wrap="none" rtlCol="0">
-            <a:spAutoFit/>
-          </a:bodyPr>
-          <a:lstStyle/>
-          <a:p>
-            <a:r>
-              <a:rPr kumimoji="1" lang="en-US" altLang="zh-CN" dirty="0"/>
-              <a:t>It</a:t>
-            </a:r>
-            <a:r>
-              <a:rPr kumimoji="1" lang="zh-CN" altLang="en-US" dirty="0"/>
-              <a:t> </a:t>
-            </a:r>
-            <a:r>
-              <a:rPr kumimoji="1" lang="en-US" altLang="zh-CN" dirty="0"/>
-              <a:t>is</a:t>
-            </a:r>
-            <a:r>
-              <a:rPr kumimoji="1" lang="zh-CN" altLang="en-US" dirty="0"/>
-              <a:t> </a:t>
-            </a:r>
-            <a:r>
-              <a:rPr kumimoji="1" lang="en-US" altLang="zh-CN" dirty="0"/>
-              <a:t>recommended</a:t>
-            </a:r>
-            <a:r>
-              <a:rPr kumimoji="1" lang="zh-CN" altLang="en-US" dirty="0"/>
-              <a:t> </a:t>
-            </a:r>
-            <a:r>
-              <a:rPr kumimoji="1" lang="en-US" altLang="zh-CN" dirty="0"/>
-              <a:t>to</a:t>
-            </a:r>
-            <a:r>
-              <a:rPr kumimoji="1" lang="zh-CN" altLang="en-US" dirty="0"/>
-              <a:t> </a:t>
-            </a:r>
-            <a:r>
-              <a:rPr kumimoji="1" lang="en-US" altLang="zh-CN" dirty="0"/>
-              <a:t>implement</a:t>
-            </a:r>
-            <a:r>
-              <a:rPr kumimoji="1" lang="zh-CN" altLang="en-US" dirty="0"/>
-              <a:t> </a:t>
-            </a:r>
-            <a:r>
-              <a:rPr kumimoji="1" lang="en-US" altLang="zh-CN" dirty="0"/>
-              <a:t>PEG</a:t>
-            </a:r>
-            <a:r>
-              <a:rPr kumimoji="1" lang="zh-CN" altLang="en-US" dirty="0"/>
-              <a:t> </a:t>
-            </a:r>
-            <a:r>
-              <a:rPr kumimoji="1" lang="en-US" altLang="zh-CN" dirty="0"/>
-              <a:t>by</a:t>
-            </a:r>
-            <a:r>
-              <a:rPr kumimoji="1" lang="zh-CN" altLang="en-US" dirty="0"/>
-              <a:t> </a:t>
-            </a:r>
-            <a:r>
-              <a:rPr kumimoji="1" lang="en-US" altLang="zh-CN" dirty="0"/>
-              <a:t>your</a:t>
-            </a:r>
-            <a:r>
-              <a:rPr kumimoji="1" lang="zh-CN" altLang="en-US" dirty="0"/>
-              <a:t> </a:t>
-            </a:r>
-            <a:r>
-              <a:rPr kumimoji="1" lang="en-US" altLang="zh-CN" dirty="0"/>
-              <a:t>self</a:t>
-            </a:r>
-            <a:r>
-              <a:rPr kumimoji="1" lang="zh-CN" altLang="en-US" dirty="0"/>
-              <a:t> </a:t>
-            </a:r>
-            <a:r>
-              <a:rPr kumimoji="1" lang="en-US" altLang="zh-CN" dirty="0"/>
-              <a:t>with</a:t>
-            </a:r>
-            <a:r>
-              <a:rPr kumimoji="1" lang="zh-CN" altLang="en-US" dirty="0"/>
-              <a:t> </a:t>
-            </a:r>
-            <a:r>
-              <a:rPr kumimoji="1" lang="en-US" altLang="zh-CN" dirty="0"/>
-              <a:t>your</a:t>
-            </a:r>
-            <a:r>
-              <a:rPr kumimoji="1" lang="zh-CN" altLang="en-US" dirty="0"/>
-              <a:t> </a:t>
-            </a:r>
-            <a:r>
-              <a:rPr kumimoji="1" lang="en-US" altLang="zh-CN" dirty="0"/>
-              <a:t>favorite</a:t>
-            </a:r>
-            <a:r>
-              <a:rPr kumimoji="1" lang="zh-CN" altLang="en-US" dirty="0"/>
-              <a:t> </a:t>
-            </a:r>
-            <a:r>
-              <a:rPr kumimoji="1" lang="en-US" altLang="zh-CN" dirty="0"/>
-              <a:t>language.</a:t>
-            </a:r>
-            <a:r>
-              <a:rPr kumimoji="1" lang="zh-CN" altLang="en-US" dirty="0"/>
-              <a:t> </a:t>
-            </a:r>
-            <a:endParaRPr kumimoji="1" lang="en-US" altLang="zh-CN" dirty="0"/>
-          </a:p>
-          <a:p>
-            <a:r>
-              <a:rPr kumimoji="1" lang="en-US" altLang="zh-CN" dirty="0"/>
-              <a:t>And</a:t>
-            </a:r>
-            <a:r>
-              <a:rPr kumimoji="1" lang="zh-CN" altLang="en-US" dirty="0"/>
-              <a:t> </a:t>
-            </a:r>
-            <a:r>
-              <a:rPr kumimoji="1" lang="en-US" altLang="zh-CN" dirty="0"/>
-              <a:t>try</a:t>
-            </a:r>
-            <a:r>
-              <a:rPr kumimoji="1" lang="zh-CN" altLang="en-US" dirty="0"/>
-              <a:t> </a:t>
-            </a:r>
-            <a:r>
-              <a:rPr kumimoji="1" lang="en-US" altLang="zh-CN" dirty="0"/>
-              <a:t>libs</a:t>
-            </a:r>
-            <a:r>
-              <a:rPr kumimoji="1" lang="zh-CN" altLang="en-US" dirty="0"/>
-              <a:t> </a:t>
-            </a:r>
-            <a:r>
-              <a:rPr kumimoji="1" lang="en-US" altLang="zh-CN" dirty="0"/>
-              <a:t>to</a:t>
-            </a:r>
-            <a:r>
-              <a:rPr kumimoji="1" lang="zh-CN" altLang="en-US" dirty="0"/>
-              <a:t> </a:t>
-            </a:r>
-            <a:r>
-              <a:rPr kumimoji="1" lang="en-US" altLang="zh-CN" dirty="0"/>
-              <a:t>construct</a:t>
-            </a:r>
-            <a:r>
-              <a:rPr kumimoji="1" lang="zh-CN" altLang="en-US" dirty="0"/>
-              <a:t> </a:t>
-            </a:r>
-            <a:r>
-              <a:rPr kumimoji="1" lang="en-US" altLang="zh-CN" dirty="0"/>
-              <a:t>PEG</a:t>
-            </a:r>
-            <a:r>
-              <a:rPr kumimoji="1" lang="zh-CN" altLang="en-US" dirty="0"/>
-              <a:t> </a:t>
-            </a:r>
-            <a:r>
-              <a:rPr kumimoji="1" lang="en-US" altLang="zh-CN" dirty="0"/>
-              <a:t>parser</a:t>
-            </a:r>
-            <a:r>
-              <a:rPr kumimoji="1" lang="zh-CN" altLang="en-US" dirty="0"/>
-              <a:t> </a:t>
-            </a:r>
-            <a:r>
-              <a:rPr kumimoji="1" lang="en-US" altLang="zh-CN" dirty="0"/>
-              <a:t>written</a:t>
-            </a:r>
-            <a:r>
-              <a:rPr kumimoji="1" lang="zh-CN" altLang="en-US" dirty="0"/>
-              <a:t> </a:t>
-            </a:r>
-            <a:r>
-              <a:rPr kumimoji="1" lang="en-US" altLang="zh-CN" dirty="0"/>
-              <a:t>by</a:t>
-            </a:r>
-            <a:r>
-              <a:rPr kumimoji="1" lang="zh-CN" altLang="en-US" dirty="0"/>
-              <a:t> </a:t>
-            </a:r>
-            <a:r>
-              <a:rPr kumimoji="1" lang="en-US" altLang="zh-CN" dirty="0"/>
-              <a:t>other</a:t>
-            </a:r>
-            <a:r>
-              <a:rPr kumimoji="1" lang="zh-CN" altLang="en-US" dirty="0"/>
-              <a:t> </a:t>
-            </a:r>
-            <a:r>
-              <a:rPr kumimoji="1" lang="en-US" altLang="zh-CN" dirty="0"/>
-              <a:t>languages,</a:t>
-            </a:r>
-            <a:r>
-              <a:rPr kumimoji="1" lang="zh-CN" altLang="en-US" dirty="0"/>
-              <a:t> </a:t>
-            </a:r>
-            <a:r>
-              <a:rPr kumimoji="1" lang="en-US" altLang="zh-CN" dirty="0"/>
-              <a:t>such</a:t>
-            </a:r>
-            <a:r>
-              <a:rPr kumimoji="1" lang="zh-CN" altLang="en-US" dirty="0"/>
-              <a:t> </a:t>
-            </a:r>
-            <a:r>
-              <a:rPr kumimoji="1" lang="en-US" altLang="zh-CN" dirty="0"/>
-              <a:t>as</a:t>
-            </a:r>
-            <a:r>
-              <a:rPr kumimoji="1" lang="zh-CN" altLang="en-US" dirty="0"/>
-              <a:t> </a:t>
-            </a:r>
-            <a:endParaRPr kumimoji="1" lang="en-US" altLang="zh-CN" dirty="0"/>
-          </a:p>
-          <a:p>
-            <a:r>
-              <a:rPr kumimoji="1" lang="en-US" altLang="zh-CN" dirty="0"/>
-              <a:t>“PEG/Go”,</a:t>
-            </a:r>
-            <a:r>
-              <a:rPr kumimoji="1" lang="zh-CN" altLang="en-US" dirty="0"/>
-              <a:t> </a:t>
-            </a:r>
-            <a:r>
-              <a:rPr kumimoji="1" lang="en-US" altLang="zh-CN" dirty="0"/>
-              <a:t>“</a:t>
-            </a:r>
-            <a:r>
-              <a:rPr kumimoji="1" lang="en-US" altLang="zh-CN" dirty="0" err="1"/>
-              <a:t>Lpeg</a:t>
-            </a:r>
-            <a:r>
-              <a:rPr kumimoji="1" lang="en-US" altLang="zh-CN" dirty="0"/>
-              <a:t>/Lua”,</a:t>
-            </a:r>
-            <a:r>
-              <a:rPr kumimoji="1" lang="zh-CN" altLang="en-US" dirty="0"/>
-              <a:t> </a:t>
-            </a:r>
-            <a:r>
-              <a:rPr kumimoji="1" lang="en-US" altLang="zh-CN" dirty="0"/>
-              <a:t>“peg/leg/C”,</a:t>
-            </a:r>
-            <a:r>
-              <a:rPr kumimoji="1" lang="zh-CN" altLang="en-US" dirty="0"/>
-              <a:t> </a:t>
-            </a:r>
-            <a:r>
-              <a:rPr kumimoji="1" lang="en-US" altLang="zh-CN" dirty="0"/>
-              <a:t>“Treetop/Ruby”,</a:t>
-            </a:r>
-            <a:r>
-              <a:rPr kumimoji="1" lang="zh-CN" altLang="en-US" dirty="0"/>
-              <a:t> </a:t>
-            </a:r>
-            <a:r>
-              <a:rPr kumimoji="1" lang="en-US" altLang="zh-CN" dirty="0"/>
-              <a:t>“</a:t>
-            </a:r>
-            <a:r>
-              <a:rPr kumimoji="1" lang="en-US" altLang="zh-CN" dirty="0" err="1"/>
-              <a:t>PEG.js</a:t>
-            </a:r>
-            <a:r>
-              <a:rPr kumimoji="1" lang="en-US" altLang="zh-CN" dirty="0"/>
-              <a:t>/JavaScript”.</a:t>
-            </a:r>
-          </a:p>
-        </p:txBody>
-      </p:sp>
+      </p:pic>
     </p:spTree>
     <p:custDataLst>
       <p:tags r:id="rId1"/>
     </p:custDataLst>
     <p:extLst>
       <p:ext uri="{BB962C8B-B14F-4D97-AF65-F5344CB8AC3E}">
-        <p14:creationId xmlns:p14="http://schemas.microsoft.com/office/powerpoint/2010/main" val="1336235308"/>
+        <p14:creationId xmlns:p14="http://schemas.microsoft.com/office/powerpoint/2010/main" val="2142720906"/>
       </p:ext>
     </p:extLst>
   </p:cSld>
@@ -5601,13 +5238,1121 @@
           <a:lstStyle/>
           <a:p>
             <a:r>
+              <a:rPr lang="en-US" altLang="zh-CN" dirty="0">
+                <a:solidFill>
+                  <a:schemeClr val="bg1"/>
+                </a:solidFill>
+              </a:rPr>
+              <a:t>My</a:t>
+            </a:r>
+            <a:r>
               <a:rPr lang="zh-CN" altLang="en-US" dirty="0">
                 <a:solidFill>
                   <a:schemeClr val="bg1"/>
                 </a:solidFill>
               </a:rPr>
-              <a:t>文献</a:t>
-            </a:r>
+              <a:t> </a:t>
+            </a:r>
+            <a:r>
+              <a:rPr lang="en-US" altLang="zh-CN" dirty="0">
+                <a:solidFill>
+                  <a:schemeClr val="bg1"/>
+                </a:solidFill>
+              </a:rPr>
+              <a:t>works</a:t>
+            </a:r>
+            <a:endParaRPr lang="zh-CN" altLang="en-US" dirty="0">
+              <a:solidFill>
+                <a:schemeClr val="bg1"/>
+              </a:solidFill>
+            </a:endParaRPr>
+          </a:p>
+        </p:txBody>
+      </p:sp>
+      <p:sp>
+        <p:nvSpPr>
+          <p:cNvPr id="4" name="文本框 3">
+            <a:extLst>
+              <a:ext uri="{FF2B5EF4-FFF2-40B4-BE49-F238E27FC236}">
+                <a16:creationId xmlns:a16="http://schemas.microsoft.com/office/drawing/2014/main" id="{9EE21F9F-A9C9-FB48-8110-74A056203FD4}"/>
+              </a:ext>
+            </a:extLst>
+          </p:cNvPr>
+          <p:cNvSpPr txBox="1"/>
+          <p:nvPr/>
+        </p:nvSpPr>
+        <p:spPr>
+          <a:xfrm>
+            <a:off x="6560823" y="906601"/>
+            <a:ext cx="4956806" cy="1323439"/>
+          </a:xfrm>
+          <a:prstGeom prst="rect">
+            <a:avLst/>
+          </a:prstGeom>
+          <a:noFill/>
+        </p:spPr>
+        <p:txBody>
+          <a:bodyPr wrap="none" rtlCol="0">
+            <a:spAutoFit/>
+          </a:bodyPr>
+          <a:lstStyle/>
+          <a:p>
+            <a:r>
+              <a:rPr kumimoji="1" lang="en-US" altLang="zh-CN" sz="2000" dirty="0"/>
+              <a:t>Links</a:t>
+            </a:r>
+            <a:r>
+              <a:rPr kumimoji="1" lang="zh-CN" altLang="en-US" sz="2000" dirty="0"/>
+              <a:t>：</a:t>
+            </a:r>
+            <a:endParaRPr kumimoji="1" lang="en-US" altLang="zh-CN" sz="2000" dirty="0"/>
+          </a:p>
+          <a:p>
+            <a:r>
+              <a:rPr kumimoji="1" lang="en-US" altLang="zh-CN" sz="2000" dirty="0">
+                <a:hlinkClick r:id="rId3"/>
+              </a:rPr>
+              <a:t>https://github.com/Freakwill/pyparsing_ext</a:t>
+            </a:r>
+            <a:endParaRPr kumimoji="1" lang="en-US" altLang="zh-CN" sz="2000" dirty="0"/>
+          </a:p>
+          <a:p>
+            <a:r>
+              <a:rPr lang="en-US" altLang="zh-CN" sz="2000" dirty="0">
+                <a:hlinkClick r:id="rId4"/>
+              </a:rPr>
+              <a:t>https://github.com/Freakwill/texparsing</a:t>
+            </a:r>
+            <a:r>
+              <a:rPr lang="zh-CN" altLang="zh-CN" sz="2000" dirty="0"/>
+              <a:t> </a:t>
+            </a:r>
+            <a:endParaRPr lang="en-US" altLang="zh-CN" sz="2000" dirty="0"/>
+          </a:p>
+          <a:p>
+            <a:r>
+              <a:rPr kumimoji="1" lang="en-US" altLang="zh-CN" sz="2000" dirty="0">
+                <a:hlinkClick r:id="rId5"/>
+              </a:rPr>
+              <a:t>https://github.com/Freakwill/already</a:t>
+            </a:r>
+            <a:endParaRPr kumimoji="1" lang="en-US" altLang="zh-CN" sz="2000" dirty="0"/>
+          </a:p>
+        </p:txBody>
+      </p:sp>
+      <p:pic>
+        <p:nvPicPr>
+          <p:cNvPr id="5" name="图片 4">
+            <a:extLst>
+              <a:ext uri="{FF2B5EF4-FFF2-40B4-BE49-F238E27FC236}">
+                <a16:creationId xmlns:a16="http://schemas.microsoft.com/office/drawing/2014/main" id="{389AB841-BACE-8741-ADDC-DFC27BB44D8D}"/>
+              </a:ext>
+            </a:extLst>
+          </p:cNvPr>
+          <p:cNvPicPr>
+            <a:picLocks noChangeAspect="1"/>
+          </p:cNvPicPr>
+          <p:nvPr/>
+        </p:nvPicPr>
+        <p:blipFill>
+          <a:blip r:embed="rId6">
+            <a:extLst>
+              <a:ext uri="{28A0092B-C50C-407E-A947-70E740481C1C}">
+                <a14:useLocalDpi xmlns:a14="http://schemas.microsoft.com/office/drawing/2010/main" val="0"/>
+              </a:ext>
+            </a:extLst>
+          </a:blip>
+          <a:stretch>
+            <a:fillRect/>
+          </a:stretch>
+        </p:blipFill>
+        <p:spPr>
+          <a:xfrm>
+            <a:off x="407438" y="2603005"/>
+            <a:ext cx="5956300" cy="3860800"/>
+          </a:xfrm>
+          <a:prstGeom prst="rect">
+            <a:avLst/>
+          </a:prstGeom>
+        </p:spPr>
+      </p:pic>
+    </p:spTree>
+    <p:custDataLst>
+      <p:tags r:id="rId1"/>
+    </p:custDataLst>
+    <p:extLst>
+      <p:ext uri="{BB962C8B-B14F-4D97-AF65-F5344CB8AC3E}">
+        <p14:creationId xmlns:p14="http://schemas.microsoft.com/office/powerpoint/2010/main" val="634231174"/>
+      </p:ext>
+    </p:extLst>
+  </p:cSld>
+  <p:clrMapOvr>
+    <a:masterClrMapping/>
+  </p:clrMapOvr>
+</p:sld>
+</file>
+
+<file path=ppt/slides/slide12.xml><?xml version="1.0" encoding="utf-8"?>
+<p:sld xmlns:a="http://schemas.openxmlformats.org/drawingml/2006/main" xmlns:r="http://schemas.openxmlformats.org/officeDocument/2006/relationships" xmlns:p="http://schemas.openxmlformats.org/presentationml/2006/main">
+  <p:cSld>
+    <p:spTree>
+      <p:nvGrpSpPr>
+        <p:cNvPr id="1" name=""/>
+        <p:cNvGrpSpPr/>
+        <p:nvPr/>
+      </p:nvGrpSpPr>
+      <p:grpSpPr>
+        <a:xfrm>
+          <a:off x="0" y="0"/>
+          <a:ext cx="0" cy="0"/>
+          <a:chOff x="0" y="0"/>
+          <a:chExt cx="0" cy="0"/>
+        </a:xfrm>
+      </p:grpSpPr>
+      <p:sp>
+        <p:nvSpPr>
+          <p:cNvPr id="2" name="标题 1"/>
+          <p:cNvSpPr>
+            <a:spLocks noGrp="1"/>
+          </p:cNvSpPr>
+          <p:nvPr>
+            <p:ph type="title"/>
+          </p:nvPr>
+        </p:nvSpPr>
+        <p:spPr>
+          <a:xfrm>
+            <a:off x="220937" y="115135"/>
+            <a:ext cx="10852237" cy="648000"/>
+          </a:xfrm>
+        </p:spPr>
+        <p:txBody>
+          <a:bodyPr/>
+          <a:lstStyle/>
+          <a:p>
+            <a:r>
+              <a:rPr lang="en-US" altLang="zh-CN" dirty="0">
+                <a:solidFill>
+                  <a:schemeClr val="bg1"/>
+                </a:solidFill>
+              </a:rPr>
+              <a:t>Summary</a:t>
+            </a:r>
+            <a:endParaRPr lang="zh-CN" altLang="en-US" dirty="0">
+              <a:solidFill>
+                <a:schemeClr val="bg1"/>
+              </a:solidFill>
+            </a:endParaRPr>
+          </a:p>
+        </p:txBody>
+      </p:sp>
+      <p:sp>
+        <p:nvSpPr>
+          <p:cNvPr id="3" name="文本框 2">
+            <a:extLst>
+              <a:ext uri="{FF2B5EF4-FFF2-40B4-BE49-F238E27FC236}">
+                <a16:creationId xmlns:a16="http://schemas.microsoft.com/office/drawing/2014/main" id="{497DF1A0-C96C-D349-8E39-347DF4C68922}"/>
+              </a:ext>
+            </a:extLst>
+          </p:cNvPr>
+          <p:cNvSpPr txBox="1"/>
+          <p:nvPr/>
+        </p:nvSpPr>
+        <p:spPr>
+          <a:xfrm>
+            <a:off x="3398508" y="5366743"/>
+            <a:ext cx="5005137" cy="584775"/>
+          </a:xfrm>
+          <a:prstGeom prst="rect">
+            <a:avLst/>
+          </a:prstGeom>
+          <a:noFill/>
+        </p:spPr>
+        <p:txBody>
+          <a:bodyPr wrap="square" rtlCol="0">
+            <a:spAutoFit/>
+          </a:bodyPr>
+          <a:lstStyle/>
+          <a:p>
+            <a:r>
+              <a:rPr kumimoji="1" lang="en-US" altLang="zh-CN" sz="1600" i="1" dirty="0">
+                <a:solidFill>
+                  <a:schemeClr val="accent5">
+                    <a:lumMod val="60000"/>
+                    <a:lumOff val="40000"/>
+                  </a:schemeClr>
+                </a:solidFill>
+              </a:rPr>
+              <a:t>PEG</a:t>
+            </a:r>
+            <a:r>
+              <a:rPr kumimoji="1" lang="zh-CN" altLang="en-US" sz="1600" i="1" dirty="0">
+                <a:solidFill>
+                  <a:schemeClr val="accent5">
+                    <a:lumMod val="60000"/>
+                    <a:lumOff val="40000"/>
+                  </a:schemeClr>
+                </a:solidFill>
+              </a:rPr>
+              <a:t> </a:t>
+            </a:r>
+            <a:r>
+              <a:rPr kumimoji="1" lang="en-US" altLang="zh-CN" sz="1600" i="1" dirty="0">
+                <a:solidFill>
+                  <a:schemeClr val="accent5">
+                    <a:lumMod val="60000"/>
+                    <a:lumOff val="40000"/>
+                  </a:schemeClr>
+                </a:solidFill>
+              </a:rPr>
+              <a:t>is</a:t>
+            </a:r>
+            <a:r>
+              <a:rPr kumimoji="1" lang="zh-CN" altLang="en-US" sz="1600" i="1" dirty="0">
+                <a:solidFill>
+                  <a:schemeClr val="accent5">
+                    <a:lumMod val="60000"/>
+                    <a:lumOff val="40000"/>
+                  </a:schemeClr>
+                </a:solidFill>
+              </a:rPr>
+              <a:t> </a:t>
+            </a:r>
+            <a:r>
+              <a:rPr kumimoji="1" lang="en-US" altLang="zh-CN" sz="1600" i="1" dirty="0">
+                <a:solidFill>
+                  <a:schemeClr val="accent5">
+                    <a:lumMod val="60000"/>
+                    <a:lumOff val="40000"/>
+                  </a:schemeClr>
+                </a:solidFill>
+              </a:rPr>
+              <a:t>the</a:t>
+            </a:r>
+            <a:r>
+              <a:rPr kumimoji="1" lang="zh-CN" altLang="en-US" sz="1600" i="1" dirty="0">
+                <a:solidFill>
+                  <a:schemeClr val="accent5">
+                    <a:lumMod val="60000"/>
+                    <a:lumOff val="40000"/>
+                  </a:schemeClr>
+                </a:solidFill>
+              </a:rPr>
+              <a:t> </a:t>
+            </a:r>
+            <a:r>
+              <a:rPr kumimoji="1" lang="en-US" altLang="zh-CN" sz="1600" i="1" dirty="0">
+                <a:solidFill>
+                  <a:schemeClr val="accent5">
+                    <a:lumMod val="60000"/>
+                    <a:lumOff val="40000"/>
+                  </a:schemeClr>
+                </a:solidFill>
+              </a:rPr>
+              <a:t>future;</a:t>
+            </a:r>
+            <a:r>
+              <a:rPr kumimoji="1" lang="zh-CN" altLang="en-US" sz="1600" i="1" dirty="0">
+                <a:solidFill>
+                  <a:schemeClr val="accent5">
+                    <a:lumMod val="60000"/>
+                    <a:lumOff val="40000"/>
+                  </a:schemeClr>
+                </a:solidFill>
+              </a:rPr>
+              <a:t> </a:t>
+            </a:r>
+            <a:r>
+              <a:rPr kumimoji="1" lang="en-US" altLang="zh-CN" sz="1600" i="1" dirty="0">
+                <a:solidFill>
+                  <a:schemeClr val="accent5">
+                    <a:lumMod val="60000"/>
+                    <a:lumOff val="40000"/>
+                  </a:schemeClr>
+                </a:solidFill>
+              </a:rPr>
+              <a:t>PEG</a:t>
+            </a:r>
+            <a:r>
+              <a:rPr kumimoji="1" lang="zh-CN" altLang="en-US" sz="1600" i="1" dirty="0">
+                <a:solidFill>
+                  <a:schemeClr val="accent5">
+                    <a:lumMod val="60000"/>
+                    <a:lumOff val="40000"/>
+                  </a:schemeClr>
+                </a:solidFill>
+              </a:rPr>
+              <a:t> </a:t>
+            </a:r>
+            <a:r>
+              <a:rPr kumimoji="1" lang="en-US" altLang="zh-CN" sz="1600" i="1" dirty="0">
+                <a:solidFill>
+                  <a:schemeClr val="accent5">
+                    <a:lumMod val="60000"/>
+                    <a:lumOff val="40000"/>
+                  </a:schemeClr>
+                </a:solidFill>
+              </a:rPr>
+              <a:t>is</a:t>
+            </a:r>
+            <a:r>
+              <a:rPr kumimoji="1" lang="zh-CN" altLang="en-US" sz="1600" i="1" dirty="0">
+                <a:solidFill>
+                  <a:schemeClr val="accent5">
+                    <a:lumMod val="60000"/>
+                    <a:lumOff val="40000"/>
+                  </a:schemeClr>
+                </a:solidFill>
+              </a:rPr>
+              <a:t> </a:t>
+            </a:r>
+            <a:r>
+              <a:rPr kumimoji="1" lang="en-US" altLang="zh-CN" sz="1600" i="1" dirty="0">
+                <a:solidFill>
+                  <a:schemeClr val="accent5">
+                    <a:lumMod val="60000"/>
+                    <a:lumOff val="40000"/>
+                  </a:schemeClr>
+                </a:solidFill>
+              </a:rPr>
+              <a:t>all</a:t>
+            </a:r>
+            <a:r>
+              <a:rPr kumimoji="1" lang="zh-CN" altLang="en-US" sz="1600" i="1" dirty="0">
+                <a:solidFill>
+                  <a:schemeClr val="accent5">
+                    <a:lumMod val="60000"/>
+                    <a:lumOff val="40000"/>
+                  </a:schemeClr>
+                </a:solidFill>
+              </a:rPr>
+              <a:t> </a:t>
+            </a:r>
+            <a:r>
+              <a:rPr kumimoji="1" lang="en-US" altLang="zh-CN" sz="1600" i="1" dirty="0">
+                <a:solidFill>
+                  <a:schemeClr val="accent5">
+                    <a:lumMod val="60000"/>
+                    <a:lumOff val="40000"/>
+                  </a:schemeClr>
+                </a:solidFill>
+              </a:rPr>
+              <a:t>your</a:t>
+            </a:r>
+            <a:r>
+              <a:rPr kumimoji="1" lang="zh-CN" altLang="en-US" sz="1600" i="1" dirty="0">
+                <a:solidFill>
+                  <a:schemeClr val="accent5">
+                    <a:lumMod val="60000"/>
+                    <a:lumOff val="40000"/>
+                  </a:schemeClr>
+                </a:solidFill>
+              </a:rPr>
+              <a:t> </a:t>
+            </a:r>
+            <a:r>
+              <a:rPr kumimoji="1" lang="en-US" altLang="zh-CN" sz="1600" i="1" dirty="0">
+                <a:solidFill>
+                  <a:schemeClr val="accent5">
+                    <a:lumMod val="60000"/>
+                    <a:lumOff val="40000"/>
+                  </a:schemeClr>
+                </a:solidFill>
+              </a:rPr>
+              <a:t>need;</a:t>
+            </a:r>
+            <a:r>
+              <a:rPr kumimoji="1" lang="zh-CN" altLang="en-US" sz="1600" i="1" dirty="0">
+                <a:solidFill>
+                  <a:schemeClr val="accent5">
+                    <a:lumMod val="60000"/>
+                    <a:lumOff val="40000"/>
+                  </a:schemeClr>
+                </a:solidFill>
+              </a:rPr>
+              <a:t> </a:t>
+            </a:r>
+            <a:r>
+              <a:rPr kumimoji="1" lang="en-US" altLang="zh-CN" sz="1600" i="1" dirty="0">
+                <a:solidFill>
+                  <a:schemeClr val="accent5">
+                    <a:lumMod val="60000"/>
+                    <a:lumOff val="40000"/>
+                  </a:schemeClr>
+                </a:solidFill>
+              </a:rPr>
+              <a:t>Python</a:t>
+            </a:r>
+            <a:r>
+              <a:rPr kumimoji="1" lang="zh-CN" altLang="en-US" sz="1600" i="1" dirty="0">
+                <a:solidFill>
+                  <a:schemeClr val="accent5">
+                    <a:lumMod val="60000"/>
+                    <a:lumOff val="40000"/>
+                  </a:schemeClr>
+                </a:solidFill>
+              </a:rPr>
+              <a:t> </a:t>
+            </a:r>
+            <a:r>
+              <a:rPr kumimoji="1" lang="en-US" altLang="zh-CN" sz="1600" i="1" dirty="0">
+                <a:solidFill>
+                  <a:schemeClr val="accent5">
+                    <a:lumMod val="60000"/>
+                    <a:lumOff val="40000"/>
+                  </a:schemeClr>
+                </a:solidFill>
+              </a:rPr>
+              <a:t>and</a:t>
+            </a:r>
+            <a:r>
+              <a:rPr kumimoji="1" lang="zh-CN" altLang="en-US" sz="1600" i="1" dirty="0">
+                <a:solidFill>
+                  <a:schemeClr val="accent5">
+                    <a:lumMod val="60000"/>
+                    <a:lumOff val="40000"/>
+                  </a:schemeClr>
+                </a:solidFill>
+              </a:rPr>
+              <a:t> </a:t>
+            </a:r>
+            <a:r>
+              <a:rPr kumimoji="1" lang="en-US" altLang="zh-CN" sz="1600" i="1" dirty="0">
+                <a:solidFill>
+                  <a:schemeClr val="accent5">
+                    <a:lumMod val="60000"/>
+                    <a:lumOff val="40000"/>
+                  </a:schemeClr>
+                </a:solidFill>
+              </a:rPr>
+              <a:t>the</a:t>
+            </a:r>
+            <a:r>
+              <a:rPr kumimoji="1" lang="zh-CN" altLang="en-US" sz="1600" i="1" dirty="0">
+                <a:solidFill>
+                  <a:schemeClr val="accent5">
+                    <a:lumMod val="60000"/>
+                    <a:lumOff val="40000"/>
+                  </a:schemeClr>
+                </a:solidFill>
+              </a:rPr>
+              <a:t> </a:t>
+            </a:r>
+            <a:r>
+              <a:rPr kumimoji="1" lang="en-US" altLang="zh-CN" sz="1600" i="1" dirty="0">
+                <a:solidFill>
+                  <a:schemeClr val="accent5">
+                    <a:lumMod val="60000"/>
+                    <a:lumOff val="40000"/>
+                  </a:schemeClr>
+                </a:solidFill>
+              </a:rPr>
+              <a:t>BDFL</a:t>
+            </a:r>
+            <a:r>
+              <a:rPr kumimoji="1" lang="zh-CN" altLang="en-US" sz="1600" i="1" dirty="0">
+                <a:solidFill>
+                  <a:schemeClr val="accent5">
+                    <a:lumMod val="60000"/>
+                    <a:lumOff val="40000"/>
+                  </a:schemeClr>
+                </a:solidFill>
+              </a:rPr>
+              <a:t> </a:t>
+            </a:r>
+            <a:r>
+              <a:rPr kumimoji="1" lang="en-US" altLang="zh-CN" sz="1600" i="1" dirty="0">
+                <a:solidFill>
+                  <a:schemeClr val="accent5">
+                    <a:lumMod val="60000"/>
+                    <a:lumOff val="40000"/>
+                  </a:schemeClr>
+                </a:solidFill>
+              </a:rPr>
+              <a:t>choose</a:t>
+            </a:r>
+            <a:r>
+              <a:rPr kumimoji="1" lang="zh-CN" altLang="en-US" sz="1600" i="1" dirty="0">
+                <a:solidFill>
+                  <a:schemeClr val="accent5">
+                    <a:lumMod val="60000"/>
+                    <a:lumOff val="40000"/>
+                  </a:schemeClr>
+                </a:solidFill>
+              </a:rPr>
+              <a:t> </a:t>
+            </a:r>
+            <a:r>
+              <a:rPr kumimoji="1" lang="en-US" altLang="zh-CN" sz="1600" i="1" dirty="0">
+                <a:solidFill>
+                  <a:schemeClr val="accent5">
+                    <a:lumMod val="60000"/>
+                    <a:lumOff val="40000"/>
+                  </a:schemeClr>
+                </a:solidFill>
+              </a:rPr>
+              <a:t>PEG;</a:t>
+            </a:r>
+            <a:r>
+              <a:rPr kumimoji="1" lang="zh-CN" altLang="en-US" sz="1600" i="1" dirty="0">
+                <a:solidFill>
+                  <a:schemeClr val="accent5">
+                    <a:lumMod val="60000"/>
+                    <a:lumOff val="40000"/>
+                  </a:schemeClr>
+                </a:solidFill>
+              </a:rPr>
+              <a:t> </a:t>
+            </a:r>
+            <a:r>
+              <a:rPr kumimoji="1" lang="en-US" altLang="zh-CN" sz="1600" i="1" dirty="0">
+                <a:solidFill>
+                  <a:schemeClr val="accent5">
+                    <a:lumMod val="60000"/>
+                    <a:lumOff val="40000"/>
+                  </a:schemeClr>
+                </a:solidFill>
+              </a:rPr>
+              <a:t>Forget</a:t>
+            </a:r>
+            <a:r>
+              <a:rPr kumimoji="1" lang="zh-CN" altLang="en-US" sz="1600" i="1" dirty="0">
+                <a:solidFill>
+                  <a:schemeClr val="accent5">
+                    <a:lumMod val="60000"/>
+                    <a:lumOff val="40000"/>
+                  </a:schemeClr>
+                </a:solidFill>
+              </a:rPr>
+              <a:t> </a:t>
+            </a:r>
+            <a:r>
+              <a:rPr kumimoji="1" lang="en-US" altLang="zh-CN" sz="1600" i="1" dirty="0">
+                <a:solidFill>
+                  <a:schemeClr val="accent5">
+                    <a:lumMod val="60000"/>
+                    <a:lumOff val="40000"/>
+                  </a:schemeClr>
+                </a:solidFill>
+              </a:rPr>
+              <a:t>CFG.</a:t>
+            </a:r>
+            <a:endParaRPr kumimoji="1" lang="zh-CN" altLang="en-US" sz="1600" i="1" dirty="0">
+              <a:solidFill>
+                <a:schemeClr val="accent5">
+                  <a:lumMod val="60000"/>
+                  <a:lumOff val="40000"/>
+                </a:schemeClr>
+              </a:solidFill>
+            </a:endParaRPr>
+          </a:p>
+        </p:txBody>
+      </p:sp>
+      <p:sp>
+        <p:nvSpPr>
+          <p:cNvPr id="4" name="文本框 3">
+            <a:extLst>
+              <a:ext uri="{FF2B5EF4-FFF2-40B4-BE49-F238E27FC236}">
+                <a16:creationId xmlns:a16="http://schemas.microsoft.com/office/drawing/2014/main" id="{1EAFFCB4-059B-6B4D-A8B7-D9800EC37BFF}"/>
+              </a:ext>
+            </a:extLst>
+          </p:cNvPr>
+          <p:cNvSpPr txBox="1"/>
+          <p:nvPr/>
+        </p:nvSpPr>
+        <p:spPr>
+          <a:xfrm>
+            <a:off x="1720438" y="2313326"/>
+            <a:ext cx="9275488" cy="2246769"/>
+          </a:xfrm>
+          <a:prstGeom prst="rect">
+            <a:avLst/>
+          </a:prstGeom>
+          <a:noFill/>
+        </p:spPr>
+        <p:txBody>
+          <a:bodyPr wrap="none" rtlCol="0">
+            <a:spAutoFit/>
+          </a:bodyPr>
+          <a:lstStyle/>
+          <a:p>
+            <a:r>
+              <a:rPr kumimoji="1" lang="en-US" altLang="zh-CN" sz="2000" dirty="0"/>
+              <a:t>PEG</a:t>
+            </a:r>
+            <a:r>
+              <a:rPr kumimoji="1" lang="zh-CN" altLang="en-US" sz="2000" dirty="0"/>
+              <a:t> </a:t>
+            </a:r>
+            <a:r>
+              <a:rPr kumimoji="1" lang="en-US" altLang="zh-CN" sz="2000" dirty="0"/>
+              <a:t>is</a:t>
+            </a:r>
+            <a:r>
+              <a:rPr kumimoji="1" lang="zh-CN" altLang="en-US" sz="2000" dirty="0"/>
+              <a:t> </a:t>
+            </a:r>
+            <a:r>
+              <a:rPr kumimoji="1" lang="en-US" altLang="zh-CN" sz="2000" dirty="0"/>
+              <a:t>more</a:t>
+            </a:r>
+            <a:r>
+              <a:rPr kumimoji="1" lang="zh-CN" altLang="en-US" sz="2000" dirty="0"/>
+              <a:t> </a:t>
+            </a:r>
+            <a:r>
+              <a:rPr kumimoji="1" lang="en-US" altLang="zh-CN" sz="2000" dirty="0"/>
+              <a:t>efficient</a:t>
+            </a:r>
+            <a:r>
+              <a:rPr kumimoji="1" lang="zh-CN" altLang="en-US" sz="2000" dirty="0"/>
+              <a:t> </a:t>
+            </a:r>
+            <a:r>
+              <a:rPr kumimoji="1" lang="en-US" altLang="zh-CN" sz="2000" dirty="0"/>
+              <a:t>then</a:t>
+            </a:r>
+            <a:r>
+              <a:rPr kumimoji="1" lang="zh-CN" altLang="en-US" sz="2000" dirty="0"/>
+              <a:t> </a:t>
+            </a:r>
+            <a:r>
+              <a:rPr kumimoji="1" lang="en-US" altLang="zh-CN" sz="2000" dirty="0"/>
+              <a:t>CFG</a:t>
+            </a:r>
+            <a:r>
+              <a:rPr kumimoji="1" lang="zh-CN" altLang="en-US" sz="2000" dirty="0"/>
+              <a:t> </a:t>
+            </a:r>
+            <a:r>
+              <a:rPr kumimoji="1" lang="en-US" altLang="zh-CN" sz="2000" dirty="0"/>
+              <a:t>in</a:t>
+            </a:r>
+            <a:r>
+              <a:rPr kumimoji="1" lang="zh-CN" altLang="en-US" sz="2000" dirty="0"/>
+              <a:t> </a:t>
+            </a:r>
+            <a:r>
+              <a:rPr kumimoji="1" lang="en-US" altLang="zh-CN" sz="2000" dirty="0"/>
+              <a:t>most</a:t>
+            </a:r>
+            <a:r>
+              <a:rPr kumimoji="1" lang="zh-CN" altLang="en-US" sz="2000" dirty="0"/>
+              <a:t> </a:t>
+            </a:r>
+            <a:r>
+              <a:rPr kumimoji="1" lang="en-US" altLang="zh-CN" sz="2000" dirty="0"/>
+              <a:t>aspects.</a:t>
+            </a:r>
+            <a:r>
+              <a:rPr kumimoji="1" lang="zh-CN" altLang="en-US" sz="2000" dirty="0"/>
+              <a:t> </a:t>
+            </a:r>
+            <a:endParaRPr kumimoji="1" lang="en-US" altLang="zh-CN" sz="2000" dirty="0"/>
+          </a:p>
+          <a:p>
+            <a:endParaRPr kumimoji="1" lang="en-US" altLang="zh-CN" sz="2000" dirty="0"/>
+          </a:p>
+          <a:p>
+            <a:r>
+              <a:rPr kumimoji="1" lang="en-US" altLang="zh-CN" sz="2000" dirty="0" err="1"/>
+              <a:t>Pyparsing</a:t>
+            </a:r>
+            <a:r>
+              <a:rPr kumimoji="1" lang="zh-CN" altLang="en-US" sz="2000" dirty="0"/>
+              <a:t> </a:t>
+            </a:r>
+            <a:r>
+              <a:rPr kumimoji="1" lang="en-US" altLang="zh-CN" sz="2000" dirty="0"/>
+              <a:t>is</a:t>
+            </a:r>
+            <a:r>
+              <a:rPr kumimoji="1" lang="zh-CN" altLang="en-US" sz="2000" dirty="0"/>
+              <a:t> </a:t>
+            </a:r>
+            <a:r>
+              <a:rPr kumimoji="1" lang="en-US" altLang="zh-CN" sz="2000" dirty="0"/>
+              <a:t>a</a:t>
+            </a:r>
+            <a:r>
+              <a:rPr kumimoji="1" lang="zh-CN" altLang="en-US" sz="2000" dirty="0"/>
+              <a:t> </a:t>
+            </a:r>
+            <a:r>
+              <a:rPr kumimoji="1" lang="en-US" altLang="zh-CN" sz="2000" dirty="0"/>
+              <a:t>mellifluous</a:t>
+            </a:r>
+            <a:r>
+              <a:rPr kumimoji="1" lang="zh-CN" altLang="en-US" sz="2000" dirty="0"/>
+              <a:t> </a:t>
+            </a:r>
+            <a:r>
+              <a:rPr kumimoji="1" lang="en-US" altLang="zh-CN" sz="2000" dirty="0"/>
+              <a:t>tool</a:t>
+            </a:r>
+            <a:r>
+              <a:rPr kumimoji="1" lang="zh-CN" altLang="en-US" sz="2000" dirty="0"/>
+              <a:t> </a:t>
+            </a:r>
+            <a:r>
+              <a:rPr kumimoji="1" lang="en-US" altLang="zh-CN" sz="2000" dirty="0"/>
+              <a:t>to</a:t>
+            </a:r>
+            <a:r>
+              <a:rPr kumimoji="1" lang="zh-CN" altLang="en-US" sz="2000" dirty="0"/>
+              <a:t> </a:t>
+            </a:r>
+            <a:r>
+              <a:rPr kumimoji="1" lang="en-US" altLang="zh-CN" sz="2000" dirty="0"/>
+              <a:t>design</a:t>
+            </a:r>
+            <a:r>
+              <a:rPr kumimoji="1" lang="zh-CN" altLang="en-US" sz="2000" dirty="0"/>
+              <a:t> </a:t>
+            </a:r>
+            <a:r>
+              <a:rPr kumimoji="1" lang="en-US" altLang="zh-CN" sz="2000" dirty="0"/>
+              <a:t>PEG.</a:t>
+            </a:r>
+          </a:p>
+          <a:p>
+            <a:endParaRPr kumimoji="1" lang="en-US" altLang="zh-CN" sz="2000" dirty="0"/>
+          </a:p>
+          <a:p>
+            <a:r>
+              <a:rPr kumimoji="1" lang="en-US" altLang="zh-CN" sz="2000" dirty="0"/>
+              <a:t>It</a:t>
+            </a:r>
+            <a:r>
+              <a:rPr kumimoji="1" lang="zh-CN" altLang="en-US" sz="2000" dirty="0"/>
+              <a:t> </a:t>
+            </a:r>
+            <a:r>
+              <a:rPr kumimoji="1" lang="en-US" altLang="zh-CN" sz="2000" dirty="0"/>
+              <a:t>is</a:t>
+            </a:r>
+            <a:r>
+              <a:rPr kumimoji="1" lang="zh-CN" altLang="en-US" sz="2000" dirty="0"/>
+              <a:t> </a:t>
+            </a:r>
+            <a:r>
+              <a:rPr kumimoji="1" lang="en-US" altLang="zh-CN" sz="2000" dirty="0"/>
+              <a:t>recommended</a:t>
+            </a:r>
+            <a:r>
+              <a:rPr kumimoji="1" lang="zh-CN" altLang="en-US" sz="2000" dirty="0"/>
+              <a:t> </a:t>
+            </a:r>
+            <a:r>
+              <a:rPr kumimoji="1" lang="en-US" altLang="zh-CN" sz="2000" dirty="0"/>
+              <a:t>to</a:t>
+            </a:r>
+            <a:r>
+              <a:rPr kumimoji="1" lang="zh-CN" altLang="en-US" sz="2000" dirty="0"/>
+              <a:t> </a:t>
+            </a:r>
+            <a:r>
+              <a:rPr kumimoji="1" lang="en-US" altLang="zh-CN" sz="2000" dirty="0"/>
+              <a:t>implement</a:t>
+            </a:r>
+            <a:r>
+              <a:rPr kumimoji="1" lang="zh-CN" altLang="en-US" sz="2000" dirty="0"/>
+              <a:t> </a:t>
+            </a:r>
+            <a:r>
+              <a:rPr kumimoji="1" lang="en-US" altLang="zh-CN" sz="2000" dirty="0"/>
+              <a:t>PEG</a:t>
+            </a:r>
+            <a:r>
+              <a:rPr kumimoji="1" lang="zh-CN" altLang="en-US" sz="2000" dirty="0"/>
+              <a:t> </a:t>
+            </a:r>
+            <a:r>
+              <a:rPr kumimoji="1" lang="en-US" altLang="zh-CN" sz="2000" dirty="0"/>
+              <a:t>by</a:t>
+            </a:r>
+            <a:r>
+              <a:rPr kumimoji="1" lang="zh-CN" altLang="en-US" sz="2000" dirty="0"/>
+              <a:t> </a:t>
+            </a:r>
+            <a:r>
+              <a:rPr kumimoji="1" lang="en-US" altLang="zh-CN" sz="2000" dirty="0"/>
+              <a:t>your</a:t>
+            </a:r>
+            <a:r>
+              <a:rPr kumimoji="1" lang="zh-CN" altLang="en-US" sz="2000" dirty="0"/>
+              <a:t> </a:t>
+            </a:r>
+            <a:r>
+              <a:rPr kumimoji="1" lang="en-US" altLang="zh-CN" sz="2000" dirty="0"/>
+              <a:t>self</a:t>
+            </a:r>
+            <a:r>
+              <a:rPr kumimoji="1" lang="zh-CN" altLang="en-US" sz="2000" dirty="0"/>
+              <a:t> </a:t>
+            </a:r>
+            <a:r>
+              <a:rPr kumimoji="1" lang="en-US" altLang="zh-CN" sz="2000" dirty="0"/>
+              <a:t>with</a:t>
+            </a:r>
+            <a:r>
+              <a:rPr kumimoji="1" lang="zh-CN" altLang="en-US" sz="2000" dirty="0"/>
+              <a:t> </a:t>
+            </a:r>
+            <a:r>
+              <a:rPr kumimoji="1" lang="en-US" altLang="zh-CN" sz="2000" dirty="0"/>
+              <a:t>your</a:t>
+            </a:r>
+            <a:r>
+              <a:rPr kumimoji="1" lang="zh-CN" altLang="en-US" sz="2000" dirty="0"/>
+              <a:t> </a:t>
+            </a:r>
+            <a:r>
+              <a:rPr kumimoji="1" lang="en-US" altLang="zh-CN" sz="2000" dirty="0"/>
+              <a:t>favorite</a:t>
+            </a:r>
+            <a:r>
+              <a:rPr kumimoji="1" lang="zh-CN" altLang="en-US" sz="2000" dirty="0"/>
+              <a:t> </a:t>
+            </a:r>
+            <a:r>
+              <a:rPr kumimoji="1" lang="en-US" altLang="zh-CN" sz="2000" dirty="0"/>
+              <a:t>language.</a:t>
+            </a:r>
+            <a:r>
+              <a:rPr kumimoji="1" lang="zh-CN" altLang="en-US" sz="2000" dirty="0"/>
+              <a:t> </a:t>
+            </a:r>
+            <a:endParaRPr kumimoji="1" lang="en-US" altLang="zh-CN" sz="2000" dirty="0"/>
+          </a:p>
+          <a:p>
+            <a:r>
+              <a:rPr kumimoji="1" lang="en-US" altLang="zh-CN" sz="2000" dirty="0"/>
+              <a:t>There</a:t>
+            </a:r>
+            <a:r>
+              <a:rPr kumimoji="1" lang="zh-CN" altLang="en-US" sz="2000" dirty="0"/>
+              <a:t> </a:t>
+            </a:r>
+            <a:r>
+              <a:rPr kumimoji="1" lang="en-US" altLang="zh-CN" sz="2000" dirty="0"/>
+              <a:t>are</a:t>
+            </a:r>
+            <a:r>
+              <a:rPr kumimoji="1" lang="zh-CN" altLang="en-US" sz="2000" dirty="0"/>
+              <a:t> </a:t>
+            </a:r>
+            <a:r>
+              <a:rPr kumimoji="1" lang="en-US" altLang="zh-CN" sz="2000" dirty="0"/>
+              <a:t>many</a:t>
+            </a:r>
+            <a:r>
+              <a:rPr kumimoji="1" lang="zh-CN" altLang="en-US" sz="2000" dirty="0"/>
+              <a:t> </a:t>
+            </a:r>
+            <a:r>
+              <a:rPr kumimoji="1" lang="en-US" altLang="zh-CN" sz="2000" dirty="0"/>
+              <a:t>libs</a:t>
+            </a:r>
+            <a:r>
+              <a:rPr kumimoji="1" lang="zh-CN" altLang="en-US" sz="2000" dirty="0"/>
+              <a:t> </a:t>
+            </a:r>
+            <a:r>
+              <a:rPr kumimoji="1" lang="en-US" altLang="zh-CN" sz="2000" dirty="0"/>
+              <a:t>written</a:t>
+            </a:r>
+            <a:r>
+              <a:rPr kumimoji="1" lang="zh-CN" altLang="en-US" sz="2000" dirty="0"/>
+              <a:t> </a:t>
+            </a:r>
+            <a:r>
+              <a:rPr kumimoji="1" lang="en-US" altLang="zh-CN" sz="2000" dirty="0"/>
+              <a:t>by</a:t>
+            </a:r>
+            <a:r>
+              <a:rPr kumimoji="1" lang="zh-CN" altLang="en-US" sz="2000" dirty="0"/>
+              <a:t> </a:t>
+            </a:r>
+            <a:r>
+              <a:rPr kumimoji="1" lang="en-US" altLang="zh-CN" sz="2000" dirty="0"/>
+              <a:t>different</a:t>
+            </a:r>
+            <a:r>
+              <a:rPr kumimoji="1" lang="zh-CN" altLang="en-US" sz="2000" dirty="0"/>
+              <a:t> </a:t>
+            </a:r>
+            <a:r>
+              <a:rPr kumimoji="1" lang="en-US" altLang="zh-CN" sz="2000" dirty="0"/>
+              <a:t>languages</a:t>
+            </a:r>
+            <a:r>
+              <a:rPr kumimoji="1" lang="zh-CN" altLang="en-US" sz="2000" dirty="0"/>
+              <a:t> </a:t>
+            </a:r>
+            <a:r>
+              <a:rPr kumimoji="1" lang="en-US" altLang="zh-CN" sz="2000" dirty="0"/>
+              <a:t>to</a:t>
+            </a:r>
+            <a:r>
+              <a:rPr kumimoji="1" lang="zh-CN" altLang="en-US" sz="2000" dirty="0"/>
+              <a:t> </a:t>
+            </a:r>
+            <a:r>
+              <a:rPr kumimoji="1" lang="en-US" altLang="zh-CN" sz="2000" dirty="0"/>
+              <a:t>construct</a:t>
+            </a:r>
+            <a:r>
+              <a:rPr kumimoji="1" lang="zh-CN" altLang="en-US" sz="2000" dirty="0"/>
+              <a:t> </a:t>
+            </a:r>
+            <a:r>
+              <a:rPr kumimoji="1" lang="en-US" altLang="zh-CN" sz="2000" dirty="0"/>
+              <a:t>parsers,</a:t>
+            </a:r>
+            <a:r>
+              <a:rPr kumimoji="1" lang="zh-CN" altLang="en-US" sz="2000" dirty="0"/>
+              <a:t> </a:t>
+            </a:r>
+            <a:r>
+              <a:rPr kumimoji="1" lang="en-US" altLang="zh-CN" sz="2000" dirty="0"/>
+              <a:t>such</a:t>
+            </a:r>
+            <a:r>
+              <a:rPr kumimoji="1" lang="zh-CN" altLang="en-US" sz="2000" dirty="0"/>
+              <a:t> </a:t>
+            </a:r>
+            <a:r>
+              <a:rPr kumimoji="1" lang="en-US" altLang="zh-CN" sz="2000" dirty="0"/>
+              <a:t>as</a:t>
+            </a:r>
+            <a:r>
+              <a:rPr kumimoji="1" lang="zh-CN" altLang="en-US" sz="2000" dirty="0"/>
+              <a:t> </a:t>
+            </a:r>
+            <a:endParaRPr kumimoji="1" lang="en-US" altLang="zh-CN" sz="2000" dirty="0"/>
+          </a:p>
+          <a:p>
+            <a:r>
+              <a:rPr kumimoji="1" lang="en-US" altLang="zh-CN" sz="2000" dirty="0"/>
+              <a:t>“PEG/Go”,</a:t>
+            </a:r>
+            <a:r>
+              <a:rPr kumimoji="1" lang="zh-CN" altLang="en-US" sz="2000" dirty="0"/>
+              <a:t> </a:t>
+            </a:r>
+            <a:r>
+              <a:rPr kumimoji="1" lang="en-US" altLang="zh-CN" sz="2000" dirty="0"/>
+              <a:t>“</a:t>
+            </a:r>
+            <a:r>
+              <a:rPr kumimoji="1" lang="en-US" altLang="zh-CN" sz="2000" dirty="0" err="1"/>
+              <a:t>Lpeg</a:t>
+            </a:r>
+            <a:r>
+              <a:rPr kumimoji="1" lang="en-US" altLang="zh-CN" sz="2000" dirty="0"/>
+              <a:t>/Lua”,</a:t>
+            </a:r>
+            <a:r>
+              <a:rPr kumimoji="1" lang="zh-CN" altLang="en-US" sz="2000" dirty="0"/>
+              <a:t> </a:t>
+            </a:r>
+            <a:r>
+              <a:rPr kumimoji="1" lang="en-US" altLang="zh-CN" sz="2000" dirty="0"/>
+              <a:t>“peg/leg/C”,</a:t>
+            </a:r>
+            <a:r>
+              <a:rPr kumimoji="1" lang="zh-CN" altLang="en-US" sz="2000" dirty="0"/>
+              <a:t> </a:t>
+            </a:r>
+            <a:r>
+              <a:rPr kumimoji="1" lang="en-US" altLang="zh-CN" sz="2000" dirty="0"/>
+              <a:t>“Treetop/Ruby”,</a:t>
+            </a:r>
+            <a:r>
+              <a:rPr kumimoji="1" lang="zh-CN" altLang="en-US" sz="2000" dirty="0"/>
+              <a:t> </a:t>
+            </a:r>
+            <a:r>
+              <a:rPr kumimoji="1" lang="en-US" altLang="zh-CN" sz="2000" dirty="0"/>
+              <a:t>“</a:t>
+            </a:r>
+            <a:r>
+              <a:rPr kumimoji="1" lang="en-US" altLang="zh-CN" sz="2000" dirty="0" err="1"/>
+              <a:t>PEG.js</a:t>
+            </a:r>
+            <a:r>
+              <a:rPr kumimoji="1" lang="en-US" altLang="zh-CN" sz="2000" dirty="0"/>
+              <a:t>/JavaScript”.</a:t>
+            </a:r>
+          </a:p>
+        </p:txBody>
+      </p:sp>
+    </p:spTree>
+    <p:custDataLst>
+      <p:tags r:id="rId1"/>
+    </p:custDataLst>
+    <p:extLst>
+      <p:ext uri="{BB962C8B-B14F-4D97-AF65-F5344CB8AC3E}">
+        <p14:creationId xmlns:p14="http://schemas.microsoft.com/office/powerpoint/2010/main" val="1336235308"/>
+      </p:ext>
+    </p:extLst>
+  </p:cSld>
+  <p:clrMapOvr>
+    <a:masterClrMapping/>
+  </p:clrMapOvr>
+</p:sld>
+</file>
+
+<file path=ppt/slides/slide13.xml><?xml version="1.0" encoding="utf-8"?>
+<p:sld xmlns:a="http://schemas.openxmlformats.org/drawingml/2006/main" xmlns:r="http://schemas.openxmlformats.org/officeDocument/2006/relationships" xmlns:p="http://schemas.openxmlformats.org/presentationml/2006/main">
+  <p:cSld>
+    <p:spTree>
+      <p:nvGrpSpPr>
+        <p:cNvPr id="1" name=""/>
+        <p:cNvGrpSpPr/>
+        <p:nvPr/>
+      </p:nvGrpSpPr>
+      <p:grpSpPr>
+        <a:xfrm>
+          <a:off x="0" y="0"/>
+          <a:ext cx="0" cy="0"/>
+          <a:chOff x="0" y="0"/>
+          <a:chExt cx="0" cy="0"/>
+        </a:xfrm>
+      </p:grpSpPr>
+      <p:sp>
+        <p:nvSpPr>
+          <p:cNvPr id="2" name="标题 1"/>
+          <p:cNvSpPr>
+            <a:spLocks noGrp="1"/>
+          </p:cNvSpPr>
+          <p:nvPr>
+            <p:ph type="title"/>
+          </p:nvPr>
+        </p:nvSpPr>
+        <p:spPr>
+          <a:xfrm>
+            <a:off x="220937" y="115135"/>
+            <a:ext cx="10852237" cy="648000"/>
+          </a:xfrm>
+        </p:spPr>
+        <p:txBody>
+          <a:bodyPr/>
+          <a:lstStyle/>
+          <a:p>
+            <a:r>
+              <a:rPr lang="en-US" altLang="zh-CN" dirty="0">
+                <a:solidFill>
+                  <a:schemeClr val="bg1"/>
+                </a:solidFill>
+              </a:rPr>
+              <a:t>References</a:t>
+            </a:r>
+            <a:endParaRPr lang="zh-CN" altLang="en-US" dirty="0">
+              <a:solidFill>
+                <a:schemeClr val="bg1"/>
+              </a:solidFill>
+            </a:endParaRPr>
           </a:p>
         </p:txBody>
       </p:sp>
@@ -5626,7 +6371,7 @@
         <p:spPr>
           <a:xfrm>
             <a:off x="1139584" y="1838900"/>
-            <a:ext cx="10431527" cy="2308324"/>
+            <a:ext cx="10431527" cy="2585323"/>
           </a:xfrm>
           <a:prstGeom prst="rect">
             <a:avLst/>
@@ -5830,6 +6575,40 @@
             <a:r>
               <a:rPr lang="en-US" altLang="zh-CN" dirty="0"/>
               <a:t>2012.</a:t>
+            </a:r>
+          </a:p>
+          <a:p>
+            <a:r>
+              <a:rPr lang="en-US" altLang="zh-CN" dirty="0"/>
+              <a:t>[5] https://</a:t>
+            </a:r>
+            <a:r>
+              <a:rPr lang="en-US" altLang="zh-CN" dirty="0" err="1"/>
+              <a:t>github.com</a:t>
+            </a:r>
+            <a:r>
+              <a:rPr lang="en-US" altLang="zh-CN" dirty="0"/>
+              <a:t>/</a:t>
+            </a:r>
+            <a:r>
+              <a:rPr lang="en-US" altLang="zh-CN" dirty="0" err="1"/>
+              <a:t>yiyuezhuo</a:t>
+            </a:r>
+            <a:r>
+              <a:rPr lang="en-US" altLang="zh-CN" dirty="0"/>
+              <a:t>/</a:t>
+            </a:r>
+            <a:r>
+              <a:rPr lang="en-US" altLang="zh-CN" dirty="0" err="1"/>
+              <a:t>pyparsing</a:t>
+            </a:r>
+            <a:r>
+              <a:rPr lang="en-US" altLang="zh-CN" dirty="0"/>
+              <a:t>-doc-</a:t>
+            </a:r>
+            <a:r>
+              <a:rPr lang="en-US" altLang="zh-CN" dirty="0" err="1"/>
+              <a:t>zh</a:t>
             </a:r>
             <a:endParaRPr lang="zh-CN" altLang="zh-CN" dirty="0"/>
           </a:p>
@@ -5854,7 +6633,7 @@
 </p:sld>
 </file>
 
-<file path=ppt/slides/slide12.xml><?xml version="1.0" encoding="utf-8"?>
+<file path=ppt/slides/slide14.xml><?xml version="1.0" encoding="utf-8"?>
 <p:sld xmlns:a="http://schemas.openxmlformats.org/drawingml/2006/main" xmlns:r="http://schemas.openxmlformats.org/officeDocument/2006/relationships" xmlns:p="http://schemas.openxmlformats.org/presentationml/2006/main">
   <p:cSld>
     <p:bg>
@@ -5895,7 +6674,7 @@
         <p:spPr>
           <a:xfrm>
             <a:off x="669882" y="4159271"/>
-            <a:ext cx="10852237" cy="899167"/>
+            <a:ext cx="10852237" cy="1988311"/>
           </a:xfrm>
         </p:spPr>
         <p:txBody>
@@ -5913,9 +6692,148 @@
               </a:rPr>
               <a:t>Thanks!</a:t>
             </a:r>
+            <a:br>
+              <a:rPr lang="en-US" altLang="zh-CN" sz="3200" dirty="0">
+                <a:solidFill>
+                  <a:schemeClr val="bg1"/>
+                </a:solidFill>
+                <a:effectLst/>
+                <a:latin typeface="思源黑体 CN Heavy" panose="020B0A00000000000000" charset="-122"/>
+                <a:ea typeface="思源黑体 CN Heavy" panose="020B0A00000000000000" charset="-122"/>
+              </a:rPr>
+            </a:br>
+            <a:br>
+              <a:rPr lang="en-US" altLang="zh-CN" sz="3200" dirty="0">
+                <a:solidFill>
+                  <a:schemeClr val="bg1"/>
+                </a:solidFill>
+                <a:effectLst/>
+                <a:latin typeface="思源黑体 CN Heavy" panose="020B0A00000000000000" charset="-122"/>
+                <a:ea typeface="思源黑体 CN Heavy" panose="020B0A00000000000000" charset="-122"/>
+              </a:rPr>
+            </a:br>
+            <a:r>
+              <a:rPr lang="en-US" altLang="zh-CN" sz="1800" dirty="0">
+                <a:solidFill>
+                  <a:schemeClr val="accent5">
+                    <a:lumMod val="75000"/>
+                  </a:schemeClr>
+                </a:solidFill>
+                <a:effectLst/>
+                <a:latin typeface="思源黑体 CN Heavy" panose="020B0A00000000000000" charset="-122"/>
+                <a:ea typeface="思源黑体 CN Heavy" panose="020B0A00000000000000" charset="-122"/>
+              </a:rPr>
+              <a:t>ppt</a:t>
+            </a:r>
+            <a:r>
+              <a:rPr lang="zh-CN" altLang="en-US" sz="1800" dirty="0">
+                <a:solidFill>
+                  <a:schemeClr val="accent5">
+                    <a:lumMod val="75000"/>
+                  </a:schemeClr>
+                </a:solidFill>
+                <a:effectLst/>
+                <a:latin typeface="思源黑体 CN Heavy" panose="020B0A00000000000000" charset="-122"/>
+                <a:ea typeface="思源黑体 CN Heavy" panose="020B0A00000000000000" charset="-122"/>
+              </a:rPr>
+              <a:t> </a:t>
+            </a:r>
+            <a:r>
+              <a:rPr lang="en-US" altLang="zh-CN" sz="1800" dirty="0">
+                <a:solidFill>
+                  <a:schemeClr val="accent5">
+                    <a:lumMod val="75000"/>
+                  </a:schemeClr>
+                </a:solidFill>
+                <a:effectLst/>
+                <a:latin typeface="思源黑体 CN Heavy" panose="020B0A00000000000000" charset="-122"/>
+                <a:ea typeface="思源黑体 CN Heavy" panose="020B0A00000000000000" charset="-122"/>
+              </a:rPr>
+              <a:t>link:</a:t>
+            </a:r>
+            <a:r>
+              <a:rPr lang="zh-CN" altLang="en-US" sz="1800" dirty="0">
+                <a:solidFill>
+                  <a:schemeClr val="accent5">
+                    <a:lumMod val="75000"/>
+                  </a:schemeClr>
+                </a:solidFill>
+                <a:effectLst/>
+                <a:latin typeface="思源黑体 CN Heavy" panose="020B0A00000000000000" charset="-122"/>
+                <a:ea typeface="思源黑体 CN Heavy" panose="020B0A00000000000000" charset="-122"/>
+              </a:rPr>
+              <a:t> </a:t>
+            </a:r>
+            <a:r>
+              <a:rPr lang="en-US" altLang="zh-CN" sz="1800" dirty="0">
+                <a:solidFill>
+                  <a:schemeClr val="accent5">
+                    <a:lumMod val="75000"/>
+                  </a:schemeClr>
+                </a:solidFill>
+                <a:effectLst/>
+                <a:latin typeface="思源黑体 CN Heavy" panose="020B0A00000000000000" charset="-122"/>
+                <a:ea typeface="思源黑体 CN Heavy" panose="020B0A00000000000000" charset="-122"/>
+              </a:rPr>
+              <a:t>https://</a:t>
+            </a:r>
+            <a:r>
+              <a:rPr lang="en-US" altLang="zh-CN" sz="1800" dirty="0" err="1">
+                <a:solidFill>
+                  <a:schemeClr val="accent5">
+                    <a:lumMod val="75000"/>
+                  </a:schemeClr>
+                </a:solidFill>
+                <a:effectLst/>
+                <a:latin typeface="思源黑体 CN Heavy" panose="020B0A00000000000000" charset="-122"/>
+                <a:ea typeface="思源黑体 CN Heavy" panose="020B0A00000000000000" charset="-122"/>
+              </a:rPr>
+              <a:t>github.com</a:t>
+            </a:r>
+            <a:r>
+              <a:rPr lang="en-US" altLang="zh-CN" sz="1800" dirty="0">
+                <a:solidFill>
+                  <a:schemeClr val="accent5">
+                    <a:lumMod val="75000"/>
+                  </a:schemeClr>
+                </a:solidFill>
+                <a:effectLst/>
+                <a:latin typeface="思源黑体 CN Heavy" panose="020B0A00000000000000" charset="-122"/>
+                <a:ea typeface="思源黑体 CN Heavy" panose="020B0A00000000000000" charset="-122"/>
+              </a:rPr>
+              <a:t>/</a:t>
+            </a:r>
+            <a:r>
+              <a:rPr lang="en-US" altLang="zh-CN" sz="1800" dirty="0" err="1">
+                <a:solidFill>
+                  <a:schemeClr val="accent5">
+                    <a:lumMod val="75000"/>
+                  </a:schemeClr>
+                </a:solidFill>
+                <a:effectLst/>
+                <a:latin typeface="思源黑体 CN Heavy" panose="020B0A00000000000000" charset="-122"/>
+                <a:ea typeface="思源黑体 CN Heavy" panose="020B0A00000000000000" charset="-122"/>
+              </a:rPr>
+              <a:t>Freakwill</a:t>
+            </a:r>
+            <a:r>
+              <a:rPr lang="en-US" altLang="zh-CN" sz="1800" dirty="0">
+                <a:solidFill>
+                  <a:schemeClr val="accent5">
+                    <a:lumMod val="75000"/>
+                  </a:schemeClr>
+                </a:solidFill>
+                <a:effectLst/>
+                <a:latin typeface="思源黑体 CN Heavy" panose="020B0A00000000000000" charset="-122"/>
+                <a:ea typeface="思源黑体 CN Heavy" panose="020B0A00000000000000" charset="-122"/>
+              </a:rPr>
+              <a:t>/pycon2021-ppt</a:t>
+            </a:r>
             <a:endParaRPr lang="zh-CN" altLang="en-US" sz="1800" dirty="0">
               <a:solidFill>
-                <a:schemeClr val="bg1"/>
+                <a:schemeClr val="accent5">
+                  <a:lumMod val="75000"/>
+                </a:schemeClr>
               </a:solidFill>
               <a:effectLst/>
               <a:latin typeface="微软雅黑" panose="020B0503020204020204" charset="-122"/>
@@ -5973,13 +6891,18 @@
           <a:lstStyle/>
           <a:p>
             <a:r>
-              <a:rPr lang="zh-CN" altLang="en-US" dirty="0">
+              <a:rPr lang="en-US" altLang="zh-CN" dirty="0">
                 <a:solidFill>
                   <a:schemeClr val="bg1"/>
                 </a:solidFill>
               </a:rPr>
-              <a:t>介绍</a:t>
-            </a:r>
+              <a:t>Content</a:t>
+            </a:r>
+            <a:endParaRPr lang="zh-CN" altLang="en-US" dirty="0">
+              <a:solidFill>
+                <a:schemeClr val="bg1"/>
+              </a:solidFill>
+            </a:endParaRPr>
           </a:p>
         </p:txBody>
       </p:sp>
@@ -5998,7 +6921,7 @@
         <p:spPr>
           <a:xfrm>
             <a:off x="1828800" y="2105525"/>
-            <a:ext cx="3681663" cy="2862322"/>
+            <a:ext cx="7427742" cy="2246769"/>
           </a:xfrm>
           <a:prstGeom prst="rect">
             <a:avLst/>
@@ -6012,47 +6935,224 @@
           <a:lstStyle/>
           <a:p>
             <a:r>
-              <a:rPr kumimoji="1" lang="zh-CN" altLang="en-US" dirty="0"/>
-              <a:t>动机：</a:t>
-            </a:r>
-            <a:endParaRPr kumimoji="1" lang="en-US" altLang="zh-CN" dirty="0"/>
-          </a:p>
-          <a:p>
-            <a:endParaRPr kumimoji="1" lang="en-US" altLang="zh-CN" dirty="0"/>
-          </a:p>
-          <a:p>
-            <a:endParaRPr kumimoji="1" lang="en-US" altLang="zh-CN" dirty="0"/>
-          </a:p>
-          <a:p>
-            <a:r>
-              <a:rPr kumimoji="1" lang="zh-CN" altLang="en-US" dirty="0"/>
-              <a:t>原理：</a:t>
-            </a:r>
-            <a:endParaRPr kumimoji="1" lang="en-US" altLang="zh-CN" dirty="0"/>
-          </a:p>
-          <a:p>
-            <a:endParaRPr kumimoji="1" lang="en-US" altLang="zh-CN" dirty="0"/>
-          </a:p>
-          <a:p>
-            <a:endParaRPr kumimoji="1" lang="en-US" altLang="zh-CN" dirty="0"/>
-          </a:p>
-          <a:p>
-            <a:r>
-              <a:rPr kumimoji="1" lang="zh-CN" altLang="en-US" dirty="0"/>
-              <a:t>工具：</a:t>
-            </a:r>
-            <a:endParaRPr kumimoji="1" lang="en-US" altLang="zh-CN" dirty="0"/>
-          </a:p>
-          <a:p>
-            <a:endParaRPr kumimoji="1" lang="en-US" altLang="zh-CN" dirty="0"/>
-          </a:p>
-          <a:p>
-            <a:endParaRPr kumimoji="1" lang="en-US" altLang="zh-CN" dirty="0"/>
-          </a:p>
-          <a:p>
-            <a:r>
-              <a:rPr kumimoji="1" lang="zh-CN" altLang="en-US" dirty="0"/>
-              <a:t>作品</a:t>
+              <a:rPr kumimoji="1" lang="en-US" altLang="zh-CN" sz="2000" b="1" dirty="0">
+                <a:solidFill>
+                  <a:schemeClr val="accent6">
+                    <a:lumMod val="75000"/>
+                  </a:schemeClr>
+                </a:solidFill>
+              </a:rPr>
+              <a:t>Introduction</a:t>
+            </a:r>
+            <a:r>
+              <a:rPr kumimoji="1" lang="zh-CN" altLang="en-US" sz="2000" b="1" dirty="0">
+                <a:solidFill>
+                  <a:schemeClr val="accent6">
+                    <a:lumMod val="75000"/>
+                  </a:schemeClr>
+                </a:solidFill>
+              </a:rPr>
+              <a:t> </a:t>
+            </a:r>
+            <a:r>
+              <a:rPr kumimoji="1" lang="en-US" altLang="zh-CN" sz="2000" b="1" dirty="0">
+                <a:solidFill>
+                  <a:schemeClr val="accent6">
+                    <a:lumMod val="75000"/>
+                  </a:schemeClr>
+                </a:solidFill>
+              </a:rPr>
+              <a:t>to</a:t>
+            </a:r>
+            <a:r>
+              <a:rPr kumimoji="1" lang="zh-CN" altLang="en-US" sz="2000" b="1" dirty="0">
+                <a:solidFill>
+                  <a:schemeClr val="accent6">
+                    <a:lumMod val="75000"/>
+                  </a:schemeClr>
+                </a:solidFill>
+              </a:rPr>
+              <a:t> </a:t>
+            </a:r>
+            <a:r>
+              <a:rPr kumimoji="1" lang="en-US" altLang="zh-CN" sz="2000" b="1" dirty="0">
+                <a:solidFill>
+                  <a:schemeClr val="accent6">
+                    <a:lumMod val="75000"/>
+                  </a:schemeClr>
+                </a:solidFill>
+              </a:rPr>
+              <a:t>PEG</a:t>
+            </a:r>
+          </a:p>
+          <a:p>
+            <a:endParaRPr kumimoji="1" lang="en-US" altLang="zh-CN" sz="2000" b="1" dirty="0">
+              <a:solidFill>
+                <a:schemeClr val="accent6">
+                  <a:lumMod val="75000"/>
+                </a:schemeClr>
+              </a:solidFill>
+            </a:endParaRPr>
+          </a:p>
+          <a:p>
+            <a:r>
+              <a:rPr kumimoji="1" lang="en-US" altLang="zh-CN" sz="2000" b="1" dirty="0">
+                <a:solidFill>
+                  <a:schemeClr val="accent6">
+                    <a:lumMod val="75000"/>
+                  </a:schemeClr>
+                </a:solidFill>
+              </a:rPr>
+              <a:t>Implement</a:t>
+            </a:r>
+            <a:r>
+              <a:rPr kumimoji="1" lang="zh-CN" altLang="en-US" sz="2000" b="1" dirty="0">
+                <a:solidFill>
+                  <a:schemeClr val="accent6">
+                    <a:lumMod val="75000"/>
+                  </a:schemeClr>
+                </a:solidFill>
+              </a:rPr>
+              <a:t> </a:t>
+            </a:r>
+            <a:r>
+              <a:rPr kumimoji="1" lang="en-US" altLang="zh-CN" sz="2000" b="1" dirty="0">
+                <a:solidFill>
+                  <a:schemeClr val="accent6">
+                    <a:lumMod val="75000"/>
+                  </a:schemeClr>
+                </a:solidFill>
+              </a:rPr>
+              <a:t>PEG</a:t>
+            </a:r>
+            <a:r>
+              <a:rPr kumimoji="1" lang="zh-CN" altLang="en-US" sz="2000" b="1" dirty="0">
+                <a:solidFill>
+                  <a:schemeClr val="accent6">
+                    <a:lumMod val="75000"/>
+                  </a:schemeClr>
+                </a:solidFill>
+              </a:rPr>
+              <a:t> </a:t>
+            </a:r>
+            <a:r>
+              <a:rPr kumimoji="1" lang="en-US" altLang="zh-CN" sz="2000" b="1" dirty="0">
+                <a:solidFill>
+                  <a:schemeClr val="accent6">
+                    <a:lumMod val="75000"/>
+                  </a:schemeClr>
+                </a:solidFill>
+              </a:rPr>
+              <a:t>by</a:t>
+            </a:r>
+            <a:r>
+              <a:rPr kumimoji="1" lang="zh-CN" altLang="en-US" sz="2000" b="1" dirty="0">
+                <a:solidFill>
+                  <a:schemeClr val="accent6">
+                    <a:lumMod val="75000"/>
+                  </a:schemeClr>
+                </a:solidFill>
+              </a:rPr>
+              <a:t> </a:t>
+            </a:r>
+            <a:r>
+              <a:rPr kumimoji="1" lang="en-US" altLang="zh-CN" sz="2000" b="1" dirty="0" err="1">
+                <a:solidFill>
+                  <a:schemeClr val="accent6">
+                    <a:lumMod val="75000"/>
+                  </a:schemeClr>
+                </a:solidFill>
+              </a:rPr>
+              <a:t>pyparsing</a:t>
+            </a:r>
+            <a:endParaRPr kumimoji="1" lang="en-US" altLang="zh-CN" sz="2000" b="1" dirty="0">
+              <a:solidFill>
+                <a:schemeClr val="accent6">
+                  <a:lumMod val="75000"/>
+                </a:schemeClr>
+              </a:solidFill>
+            </a:endParaRPr>
+          </a:p>
+          <a:p>
+            <a:endParaRPr kumimoji="1" lang="en-US" altLang="zh-CN" sz="2000" b="1" dirty="0">
+              <a:solidFill>
+                <a:schemeClr val="accent6">
+                  <a:lumMod val="75000"/>
+                </a:schemeClr>
+              </a:solidFill>
+            </a:endParaRPr>
+          </a:p>
+          <a:p>
+            <a:r>
+              <a:rPr kumimoji="1" lang="en-US" altLang="zh-CN" sz="2000" b="1" dirty="0">
+                <a:solidFill>
+                  <a:schemeClr val="accent6">
+                    <a:lumMod val="75000"/>
+                  </a:schemeClr>
+                </a:solidFill>
+              </a:rPr>
+              <a:t>DIY</a:t>
+            </a:r>
+          </a:p>
+          <a:p>
+            <a:endParaRPr kumimoji="1" lang="en-US" altLang="zh-CN" sz="2000" b="1" dirty="0">
+              <a:solidFill>
+                <a:schemeClr val="accent6">
+                  <a:lumMod val="75000"/>
+                </a:schemeClr>
+              </a:solidFill>
+            </a:endParaRPr>
+          </a:p>
+          <a:p>
+            <a:r>
+              <a:rPr kumimoji="1" lang="en-US" altLang="zh-CN" sz="2000" b="1" dirty="0">
+                <a:solidFill>
+                  <a:schemeClr val="accent6">
+                    <a:lumMod val="75000"/>
+                  </a:schemeClr>
+                </a:solidFill>
+              </a:rPr>
+              <a:t>Show</a:t>
+            </a:r>
+            <a:r>
+              <a:rPr kumimoji="1" lang="zh-CN" altLang="en-US" sz="2000" b="1" dirty="0">
+                <a:solidFill>
+                  <a:schemeClr val="accent6">
+                    <a:lumMod val="75000"/>
+                  </a:schemeClr>
+                </a:solidFill>
+              </a:rPr>
+              <a:t> </a:t>
+            </a:r>
+            <a:r>
+              <a:rPr kumimoji="1" lang="en-US" altLang="zh-CN" sz="2000" b="1" dirty="0">
+                <a:solidFill>
+                  <a:schemeClr val="accent6">
+                    <a:lumMod val="75000"/>
+                  </a:schemeClr>
+                </a:solidFill>
+              </a:rPr>
+              <a:t>my</a:t>
+            </a:r>
+            <a:r>
+              <a:rPr kumimoji="1" lang="zh-CN" altLang="en-US" sz="2000" b="1" dirty="0">
+                <a:solidFill>
+                  <a:schemeClr val="accent6">
+                    <a:lumMod val="75000"/>
+                  </a:schemeClr>
+                </a:solidFill>
+              </a:rPr>
+              <a:t> </a:t>
+            </a:r>
+            <a:r>
+              <a:rPr kumimoji="1" lang="en-US" altLang="zh-CN" sz="2000" b="1" dirty="0">
+                <a:solidFill>
+                  <a:schemeClr val="accent6">
+                    <a:lumMod val="75000"/>
+                  </a:schemeClr>
+                </a:solidFill>
+              </a:rPr>
+              <a:t>works</a:t>
             </a:r>
           </a:p>
         </p:txBody>
@@ -6113,38 +7213,6 @@
               </a:rPr>
               <a:t>Introduction</a:t>
             </a:r>
-            <a:r>
-              <a:rPr lang="zh-CN" altLang="en-US" dirty="0">
-                <a:solidFill>
-                  <a:schemeClr val="bg1"/>
-                </a:solidFill>
-              </a:rPr>
-              <a:t> </a:t>
-            </a:r>
-            <a:r>
-              <a:rPr lang="en-US" altLang="zh-CN" dirty="0">
-                <a:solidFill>
-                  <a:schemeClr val="bg1"/>
-                </a:solidFill>
-              </a:rPr>
-              <a:t>to</a:t>
-            </a:r>
-            <a:r>
-              <a:rPr lang="zh-CN" altLang="en-US" dirty="0">
-                <a:solidFill>
-                  <a:schemeClr val="bg1"/>
-                </a:solidFill>
-              </a:rPr>
-              <a:t> </a:t>
-            </a:r>
-            <a:r>
-              <a:rPr lang="en-US" altLang="zh-CN" dirty="0">
-                <a:solidFill>
-                  <a:schemeClr val="bg1"/>
-                </a:solidFill>
-              </a:rPr>
-              <a:t>PEG</a:t>
-            </a:r>
             <a:endParaRPr lang="zh-CN" altLang="en-US" dirty="0">
               <a:solidFill>
                 <a:schemeClr val="bg1"/>
@@ -6155,10 +7223,10 @@
       </p:sp>
       <p:sp>
         <p:nvSpPr>
-          <p:cNvPr id="4" name="文本框 3">
+          <p:cNvPr id="3" name="文本框 2">
             <a:extLst>
               <a:ext uri="{FF2B5EF4-FFF2-40B4-BE49-F238E27FC236}">
-                <a16:creationId xmlns:a16="http://schemas.microsoft.com/office/drawing/2014/main" id="{ACFC14D7-6D42-EA48-B551-49B700FBBA0E}"/>
+                <a16:creationId xmlns:a16="http://schemas.microsoft.com/office/drawing/2014/main" id="{9DA0E428-1D73-3C40-8F07-9B263EF84385}"/>
               </a:ext>
             </a:extLst>
           </p:cNvPr>
@@ -6167,8 +7235,8 @@
         </p:nvSpPr>
         <p:spPr>
           <a:xfrm>
-            <a:off x="625642" y="1179096"/>
-            <a:ext cx="5149516" cy="369332"/>
+            <a:off x="1828800" y="2105525"/>
+            <a:ext cx="7427742" cy="2215991"/>
           </a:xfrm>
           <a:prstGeom prst="rect">
             <a:avLst/>
@@ -6182,384 +7250,244 @@
           <a:lstStyle/>
           <a:p>
             <a:r>
-              <a:rPr kumimoji="1" lang="en-US" altLang="zh-CN" dirty="0">
-                <a:solidFill>
-                  <a:srgbClr val="00B0F0"/>
-                </a:solidFill>
-              </a:rPr>
-              <a:t>Features</a:t>
-            </a:r>
-            <a:endParaRPr kumimoji="1" lang="zh-CN" altLang="en-US" dirty="0">
-              <a:solidFill>
-                <a:srgbClr val="00B0F0"/>
-              </a:solidFill>
-            </a:endParaRPr>
-          </a:p>
-        </p:txBody>
-      </p:sp>
-      <p:sp>
-        <p:nvSpPr>
-          <p:cNvPr id="5" name="矩形 4">
-            <a:extLst>
-              <a:ext uri="{FF2B5EF4-FFF2-40B4-BE49-F238E27FC236}">
-                <a16:creationId xmlns:a16="http://schemas.microsoft.com/office/drawing/2014/main" id="{FC23A16D-77ED-2E44-A6CD-30FCB9B309A9}"/>
-              </a:ext>
-            </a:extLst>
-          </p:cNvPr>
-          <p:cNvSpPr/>
-          <p:nvPr/>
-        </p:nvSpPr>
-        <p:spPr>
-          <a:xfrm>
-            <a:off x="2081461" y="1548428"/>
-            <a:ext cx="4896853" cy="3139321"/>
-          </a:xfrm>
-          <a:prstGeom prst="rect">
-            <a:avLst/>
-          </a:prstGeom>
-        </p:spPr>
-        <p:txBody>
-          <a:bodyPr wrap="square">
-            <a:spAutoFit/>
-          </a:bodyPr>
-          <a:lstStyle/>
-          <a:p>
-            <a:pPr marL="342900" indent="-342900">
-              <a:buAutoNum type="arabicPeriod"/>
-            </a:pPr>
-            <a:r>
-              <a:rPr lang="en-US" altLang="zh-CN" dirty="0"/>
-              <a:t>Behavior:</a:t>
-            </a:r>
-            <a:r>
-              <a:rPr lang="zh-CN" altLang="en-US" dirty="0"/>
-              <a:t> </a:t>
-            </a:r>
-            <a:r>
-              <a:rPr lang="en-US" altLang="zh-CN" dirty="0"/>
-              <a:t>no</a:t>
-            </a:r>
-            <a:r>
-              <a:rPr lang="zh-CN" altLang="en-US" dirty="0"/>
-              <a:t> </a:t>
-            </a:r>
-            <a:r>
-              <a:rPr lang="en-US" altLang="zh-CN" dirty="0"/>
-              <a:t>backtrack</a:t>
-            </a:r>
-          </a:p>
-          <a:p>
-            <a:pPr marL="342900" indent="-342900">
-              <a:buAutoNum type="arabicPeriod"/>
-            </a:pPr>
-            <a:r>
-              <a:rPr lang="en-US" altLang="zh-CN" dirty="0"/>
-              <a:t>Implementation:</a:t>
-            </a:r>
-            <a:r>
-              <a:rPr lang="zh-CN" altLang="en-US" dirty="0"/>
-              <a:t> </a:t>
-            </a:r>
-            <a:r>
-              <a:rPr lang="en-US" altLang="zh-CN" dirty="0"/>
-              <a:t>Recursive</a:t>
-            </a:r>
-            <a:r>
-              <a:rPr lang="zh-CN" altLang="en-US" dirty="0"/>
-              <a:t> </a:t>
-            </a:r>
-            <a:r>
-              <a:rPr lang="en-US" altLang="zh-CN" dirty="0"/>
-              <a:t>descent</a:t>
-            </a:r>
-            <a:r>
-              <a:rPr lang="zh-CN" altLang="en-US" dirty="0"/>
-              <a:t> </a:t>
-            </a:r>
-            <a:r>
-              <a:rPr lang="en-US" altLang="zh-CN" dirty="0"/>
-              <a:t>algorithm</a:t>
-            </a:r>
-            <a:r>
-              <a:rPr lang="zh-CN" altLang="en-US" dirty="0"/>
-              <a:t>，</a:t>
-            </a:r>
-            <a:r>
-              <a:rPr lang="en-US" altLang="zh-CN" dirty="0"/>
-              <a:t>easily</a:t>
-            </a:r>
-            <a:r>
-              <a:rPr lang="zh-CN" altLang="en-US" dirty="0"/>
-              <a:t> </a:t>
-            </a:r>
-            <a:r>
-              <a:rPr lang="en-US" altLang="zh-CN" dirty="0"/>
-              <a:t>implementing</a:t>
-            </a:r>
-            <a:r>
-              <a:rPr lang="zh-CN" altLang="en-US" dirty="0"/>
-              <a:t> </a:t>
-            </a:r>
-            <a:r>
-              <a:rPr lang="en-US" altLang="zh-CN" dirty="0"/>
-              <a:t>by</a:t>
-            </a:r>
-            <a:r>
-              <a:rPr lang="zh-CN" altLang="en-US" dirty="0"/>
-              <a:t> </a:t>
-            </a:r>
-            <a:r>
-              <a:rPr lang="en-US" altLang="zh-CN" dirty="0"/>
-              <a:t>functional</a:t>
-            </a:r>
-            <a:r>
-              <a:rPr lang="zh-CN" altLang="en-US" dirty="0"/>
-              <a:t> </a:t>
-            </a:r>
-            <a:r>
-              <a:rPr lang="en-US" altLang="zh-CN" dirty="0"/>
-              <a:t>language(such</a:t>
-            </a:r>
-            <a:r>
-              <a:rPr lang="zh-CN" altLang="en-US" dirty="0"/>
-              <a:t> </a:t>
-            </a:r>
-            <a:r>
-              <a:rPr lang="en-US" altLang="zh-CN" dirty="0"/>
-              <a:t>as</a:t>
-            </a:r>
-            <a:r>
-              <a:rPr lang="zh-CN" altLang="en-US" dirty="0"/>
-              <a:t> </a:t>
-            </a:r>
-            <a:r>
-              <a:rPr lang="en-US" altLang="zh-CN" dirty="0"/>
-              <a:t>Haskell)</a:t>
-            </a:r>
-          </a:p>
-          <a:p>
-            <a:pPr marL="342900" indent="-342900">
-              <a:buAutoNum type="arabicPeriod"/>
-            </a:pPr>
-            <a:r>
-              <a:rPr lang="en-US" altLang="zh-CN" dirty="0"/>
-              <a:t>Definition:</a:t>
-            </a:r>
-            <a:r>
-              <a:rPr lang="zh-CN" altLang="en-US" dirty="0"/>
-              <a:t> </a:t>
-            </a:r>
-            <a:r>
-              <a:rPr lang="en-US" altLang="zh-CN" dirty="0"/>
-              <a:t>Strict</a:t>
-            </a:r>
-            <a:r>
-              <a:rPr lang="zh-CN" altLang="en-US" dirty="0"/>
-              <a:t> </a:t>
-            </a:r>
-            <a:r>
-              <a:rPr lang="en-US" altLang="zh-CN" dirty="0"/>
-              <a:t>definition</a:t>
-            </a:r>
-            <a:r>
-              <a:rPr lang="zh-CN" altLang="en-US" dirty="0"/>
-              <a:t> </a:t>
-            </a:r>
-            <a:r>
-              <a:rPr lang="en-US" altLang="zh-CN" dirty="0"/>
+              <a:rPr kumimoji="1" lang="en-US" altLang="zh-CN" sz="2000" dirty="0"/>
+              <a:t>Motivate</a:t>
+            </a:r>
+            <a:r>
+              <a:rPr kumimoji="1" lang="zh-CN" altLang="en-US" sz="2000" dirty="0"/>
+              <a:t>：</a:t>
+            </a:r>
+            <a:r>
+              <a:rPr kumimoji="1" lang="en-US" altLang="zh-CN" sz="2000" dirty="0"/>
+              <a:t>invent</a:t>
+            </a:r>
+            <a:r>
+              <a:rPr kumimoji="1" lang="zh-CN" altLang="en-US" sz="2000" dirty="0"/>
+              <a:t> </a:t>
+            </a:r>
+            <a:r>
+              <a:rPr kumimoji="1" lang="en-US" altLang="zh-CN" sz="2000" dirty="0"/>
+              <a:t>DSL</a:t>
+            </a:r>
+            <a:r>
+              <a:rPr kumimoji="1" lang="zh-CN" altLang="en-US" sz="2000" dirty="0"/>
+              <a:t> </a:t>
+            </a:r>
+            <a:r>
+              <a:rPr kumimoji="1" lang="en-US" altLang="zh-CN" sz="2000" dirty="0"/>
+              <a:t>to</a:t>
+            </a:r>
+            <a:r>
+              <a:rPr kumimoji="1" lang="zh-CN" altLang="en-US" sz="2000" dirty="0"/>
+              <a:t> </a:t>
+            </a:r>
+            <a:r>
+              <a:rPr kumimoji="1" lang="en-US" altLang="zh-CN" sz="2000" dirty="0"/>
+              <a:t>make</a:t>
+            </a:r>
+            <a:r>
+              <a:rPr kumimoji="1" lang="zh-CN" altLang="en-US" sz="2000" dirty="0"/>
+              <a:t> </a:t>
+            </a:r>
+            <a:r>
+              <a:rPr kumimoji="1" lang="en-US" altLang="zh-CN" sz="2000" dirty="0"/>
+              <a:t>life</a:t>
+            </a:r>
+            <a:r>
+              <a:rPr kumimoji="1" lang="zh-CN" altLang="en-US" sz="2000" dirty="0"/>
+              <a:t>  </a:t>
+            </a:r>
+            <a:r>
+              <a:rPr kumimoji="1" lang="en-US" altLang="zh-CN" sz="2000" dirty="0"/>
+              <a:t>and</a:t>
+            </a:r>
+            <a:r>
+              <a:rPr kumimoji="1" lang="zh-CN" altLang="en-US" sz="2000" dirty="0"/>
+              <a:t> </a:t>
+            </a:r>
+            <a:r>
+              <a:rPr kumimoji="1" lang="en-US" altLang="zh-CN" sz="2000" dirty="0"/>
+              <a:t>work</a:t>
+            </a:r>
+            <a:r>
+              <a:rPr kumimoji="1" lang="zh-CN" altLang="en-US" sz="2000" dirty="0"/>
+              <a:t> </a:t>
+            </a:r>
+            <a:r>
+              <a:rPr kumimoji="1" lang="en-US" altLang="zh-CN" sz="2000" dirty="0"/>
+              <a:t>convenient,</a:t>
+            </a:r>
+            <a:r>
+              <a:rPr kumimoji="1" lang="zh-CN" altLang="en-US" sz="2000" dirty="0"/>
+              <a:t> </a:t>
+            </a:r>
+            <a:r>
+              <a:rPr kumimoji="1" lang="en-US" altLang="zh-CN" sz="2000" dirty="0"/>
+              <a:t>curious</a:t>
+            </a:r>
+            <a:r>
+              <a:rPr kumimoji="1" lang="zh-CN" altLang="en-US" sz="2000" dirty="0"/>
+              <a:t> </a:t>
+            </a:r>
+            <a:r>
+              <a:rPr kumimoji="1" lang="en-US" altLang="zh-CN" sz="2000" dirty="0"/>
+              <a:t>to</a:t>
+            </a:r>
+            <a:r>
+              <a:rPr kumimoji="1" lang="zh-CN" altLang="en-US" sz="2000" dirty="0"/>
+              <a:t> </a:t>
+            </a:r>
+            <a:r>
+              <a:rPr kumimoji="1" lang="en-US" altLang="zh-CN" sz="2000" dirty="0"/>
+              <a:t>the</a:t>
+            </a:r>
+            <a:r>
+              <a:rPr kumimoji="1" lang="zh-CN" altLang="en-US" sz="2000" dirty="0"/>
+              <a:t> </a:t>
+            </a:r>
+            <a:r>
+              <a:rPr kumimoji="1" lang="en-US" altLang="zh-CN" sz="2000" dirty="0"/>
+              <a:t>implementation</a:t>
+            </a:r>
+            <a:r>
+              <a:rPr kumimoji="1" lang="zh-CN" altLang="en-US" sz="2000" dirty="0"/>
+              <a:t> </a:t>
+            </a:r>
+            <a:r>
+              <a:rPr kumimoji="1" lang="en-US" altLang="zh-CN" sz="2000" dirty="0"/>
               <a:t>of</a:t>
             </a:r>
             <a:r>
-              <a:rPr lang="zh-CN" altLang="en-US" dirty="0"/>
-              <a:t> </a:t>
-            </a:r>
-            <a:r>
-              <a:rPr lang="en-US" altLang="zh-CN" dirty="0"/>
-              <a:t>functions</a:t>
-            </a:r>
-          </a:p>
-          <a:p>
-            <a:pPr marL="342900" indent="-342900">
-              <a:buAutoNum type="arabicPeriod"/>
-            </a:pPr>
-            <a:r>
-              <a:rPr lang="en-US" altLang="zh-CN" dirty="0"/>
-              <a:t>Expression:</a:t>
-            </a:r>
-            <a:r>
-              <a:rPr lang="zh-CN" altLang="en-US" dirty="0"/>
-              <a:t> </a:t>
-            </a:r>
-            <a:r>
-              <a:rPr lang="en-US" altLang="zh-CN" dirty="0"/>
-              <a:t>No</a:t>
-            </a:r>
-            <a:r>
-              <a:rPr lang="zh-CN" altLang="en-US" dirty="0"/>
-              <a:t> </a:t>
-            </a:r>
-            <a:r>
-              <a:rPr lang="en-US" altLang="zh-CN" dirty="0"/>
-              <a:t>(direct)</a:t>
-            </a:r>
-            <a:r>
-              <a:rPr lang="zh-CN" altLang="en-US" dirty="0"/>
-              <a:t> </a:t>
-            </a:r>
-            <a:r>
-              <a:rPr lang="en-US" altLang="zh-CN" dirty="0"/>
-              <a:t>left-recursive</a:t>
-            </a:r>
-            <a:r>
-              <a:rPr lang="zh-CN" altLang="en-US" dirty="0"/>
-              <a:t> </a:t>
-            </a:r>
-            <a:r>
-              <a:rPr lang="en-US" altLang="zh-CN" dirty="0"/>
-              <a:t>rule,</a:t>
-            </a:r>
-            <a:r>
-              <a:rPr lang="zh-CN" altLang="en-US" dirty="0"/>
-              <a:t> </a:t>
-            </a:r>
-            <a:r>
-              <a:rPr lang="en-US" altLang="zh-CN" dirty="0"/>
-              <a:t>uncommunicated</a:t>
-            </a:r>
-            <a:r>
-              <a:rPr lang="zh-CN" altLang="en-US" dirty="0"/>
-              <a:t> </a:t>
-            </a:r>
-            <a:r>
-              <a:rPr lang="en-US" altLang="zh-CN" dirty="0"/>
-              <a:t>`|`</a:t>
-            </a:r>
-          </a:p>
-          <a:p>
-            <a:pPr marL="342900" indent="-342900">
-              <a:buAutoNum type="arabicPeriod"/>
-            </a:pPr>
-            <a:r>
-              <a:rPr lang="en-US" altLang="zh-CN" dirty="0"/>
-              <a:t>Performance:</a:t>
-            </a:r>
-            <a:r>
-              <a:rPr lang="zh-CN" altLang="en-US" dirty="0"/>
-              <a:t> </a:t>
-            </a:r>
-            <a:r>
-              <a:rPr lang="en-US" altLang="zh-CN" dirty="0"/>
-              <a:t>parsing</a:t>
-            </a:r>
-            <a:r>
-              <a:rPr lang="zh-CN" altLang="en-US" dirty="0"/>
-              <a:t> </a:t>
-            </a:r>
-            <a:r>
-              <a:rPr lang="en-US" altLang="zh-CN" dirty="0"/>
-              <a:t>fast</a:t>
-            </a:r>
-          </a:p>
-          <a:p>
-            <a:pPr marL="342900" indent="-342900">
-              <a:buAutoNum type="arabicPeriod"/>
-            </a:pPr>
-            <a:r>
-              <a:rPr lang="en-US" altLang="zh-CN" dirty="0"/>
-              <a:t>Power:</a:t>
-            </a:r>
-            <a:r>
-              <a:rPr lang="zh-CN" altLang="en-US" dirty="0"/>
-              <a:t> </a:t>
-            </a:r>
-            <a:r>
-              <a:rPr lang="en-US" altLang="zh-CN" dirty="0"/>
-              <a:t>almost</a:t>
-            </a:r>
-            <a:r>
-              <a:rPr lang="zh-CN" altLang="en-US" dirty="0"/>
-              <a:t> </a:t>
-            </a:r>
-            <a:r>
-              <a:rPr lang="en-US" altLang="zh-CN" dirty="0"/>
-              <a:t>equivalent</a:t>
-            </a:r>
-            <a:r>
-              <a:rPr lang="zh-CN" altLang="en-US" dirty="0"/>
-              <a:t> </a:t>
-            </a:r>
-            <a:r>
-              <a:rPr lang="en-US" altLang="zh-CN" dirty="0"/>
+              <a:rPr kumimoji="1" lang="zh-CN" altLang="en-US" sz="2000" dirty="0"/>
+              <a:t> </a:t>
+            </a:r>
+            <a:r>
+              <a:rPr kumimoji="1" lang="en-US" altLang="zh-CN" sz="2000" dirty="0"/>
+              <a:t>computer</a:t>
+            </a:r>
+            <a:r>
+              <a:rPr kumimoji="1" lang="zh-CN" altLang="en-US" sz="2000" dirty="0"/>
+              <a:t> </a:t>
+            </a:r>
+            <a:r>
+              <a:rPr kumimoji="1" lang="en-US" altLang="zh-CN" sz="2000" dirty="0"/>
+              <a:t>languages.</a:t>
+            </a:r>
+            <a:r>
+              <a:rPr kumimoji="1" lang="zh-CN" altLang="en-US" sz="2000" dirty="0"/>
+              <a:t> </a:t>
+            </a:r>
+            <a:r>
+              <a:rPr kumimoji="1" lang="en-US" altLang="zh-CN" sz="2000" dirty="0"/>
+              <a:t>PEG</a:t>
+            </a:r>
+            <a:r>
+              <a:rPr kumimoji="1" lang="zh-CN" altLang="en-US" sz="2000" dirty="0"/>
+              <a:t> </a:t>
+            </a:r>
+            <a:r>
+              <a:rPr kumimoji="1" lang="en-US" altLang="zh-CN" sz="2000" dirty="0"/>
+              <a:t>is</a:t>
+            </a:r>
+            <a:r>
+              <a:rPr kumimoji="1" lang="zh-CN" altLang="en-US" sz="2000" dirty="0"/>
+              <a:t> </a:t>
+            </a:r>
+            <a:r>
+              <a:rPr kumimoji="1" lang="en-US" altLang="zh-CN" sz="2000" dirty="0"/>
+              <a:t>more</a:t>
+            </a:r>
+            <a:r>
+              <a:rPr kumimoji="1" lang="zh-CN" altLang="en-US" sz="2000" dirty="0"/>
+              <a:t> </a:t>
+            </a:r>
+            <a:r>
+              <a:rPr kumimoji="1" lang="en-US" altLang="zh-CN" sz="2000" dirty="0"/>
+              <a:t>easy</a:t>
+            </a:r>
+            <a:r>
+              <a:rPr kumimoji="1" lang="zh-CN" altLang="en-US" sz="2000" dirty="0"/>
+              <a:t> </a:t>
+            </a:r>
+            <a:r>
+              <a:rPr kumimoji="1" lang="en-US" altLang="zh-CN" sz="2000" dirty="0"/>
               <a:t>to</a:t>
             </a:r>
             <a:r>
-              <a:rPr lang="zh-CN" altLang="en-US" dirty="0"/>
-              <a:t> </a:t>
-            </a:r>
-            <a:r>
-              <a:rPr lang="en-US" altLang="zh-CN" dirty="0"/>
-              <a:t>CFG</a:t>
-            </a:r>
-            <a:r>
-              <a:rPr lang="zh-CN" altLang="en-US" dirty="0"/>
-              <a:t> </a:t>
-            </a:r>
-            <a:r>
-              <a:rPr lang="en-US" altLang="zh-CN" dirty="0"/>
-              <a:t>but</a:t>
-            </a:r>
-            <a:r>
-              <a:rPr lang="zh-CN" altLang="en-US" dirty="0"/>
-              <a:t> </a:t>
-            </a:r>
-            <a:r>
-              <a:rPr lang="en-US" altLang="zh-CN" dirty="0" err="1"/>
-              <a:t>disambiguous</a:t>
-            </a:r>
-            <a:r>
-              <a:rPr lang="en-US" altLang="zh-CN" dirty="0"/>
-              <a:t>,</a:t>
-            </a:r>
-            <a:r>
-              <a:rPr lang="zh-CN" altLang="en-US" dirty="0"/>
-              <a:t> </a:t>
-            </a:r>
-            <a:r>
-              <a:rPr lang="en-US" altLang="zh-CN" dirty="0"/>
-              <a:t>could</a:t>
-            </a:r>
-            <a:r>
-              <a:rPr lang="zh-CN" altLang="en-US" dirty="0"/>
-              <a:t> </a:t>
-            </a:r>
-            <a:r>
-              <a:rPr lang="en-US" altLang="zh-CN" dirty="0"/>
-              <a:t>design</a:t>
-            </a:r>
-            <a:r>
-              <a:rPr lang="zh-CN" altLang="en-US" dirty="0"/>
-              <a:t> </a:t>
-            </a:r>
-            <a:r>
-              <a:rPr lang="en-US" altLang="zh-CN" dirty="0"/>
-              <a:t>any</a:t>
-            </a:r>
-            <a:r>
-              <a:rPr lang="zh-CN" altLang="en-US" dirty="0"/>
-              <a:t> </a:t>
-            </a:r>
-            <a:r>
-              <a:rPr lang="en-US" altLang="zh-CN" dirty="0"/>
-              <a:t>computer</a:t>
-            </a:r>
-            <a:r>
-              <a:rPr lang="zh-CN" altLang="en-US" dirty="0"/>
-              <a:t> </a:t>
-            </a:r>
-            <a:r>
-              <a:rPr lang="en-US" altLang="zh-CN" dirty="0"/>
-              <a:t>language</a:t>
-            </a:r>
+              <a:rPr kumimoji="1" lang="zh-CN" altLang="en-US" sz="2000" dirty="0"/>
+              <a:t> </a:t>
+            </a:r>
+            <a:r>
+              <a:rPr kumimoji="1" lang="en-US" altLang="zh-CN" sz="2000" dirty="0"/>
+              <a:t>understand</a:t>
+            </a:r>
+            <a:r>
+              <a:rPr kumimoji="1" lang="zh-CN" altLang="en-US" sz="2000" dirty="0"/>
+              <a:t> </a:t>
+            </a:r>
+            <a:r>
+              <a:rPr kumimoji="1" lang="en-US" altLang="zh-CN" sz="2000" dirty="0"/>
+              <a:t>and</a:t>
+            </a:r>
+            <a:r>
+              <a:rPr kumimoji="1" lang="zh-CN" altLang="en-US" sz="2000" dirty="0"/>
+              <a:t> </a:t>
+            </a:r>
+            <a:r>
+              <a:rPr kumimoji="1" lang="en-US" altLang="zh-CN" sz="2000" dirty="0"/>
+              <a:t>applied</a:t>
+            </a:r>
+            <a:r>
+              <a:rPr kumimoji="1" lang="zh-CN" altLang="en-US" sz="2000" dirty="0"/>
+              <a:t> </a:t>
+            </a:r>
+            <a:r>
+              <a:rPr kumimoji="1" lang="en-US" altLang="zh-CN" sz="2000" dirty="0"/>
+              <a:t>to</a:t>
+            </a:r>
+            <a:r>
+              <a:rPr kumimoji="1" lang="zh-CN" altLang="en-US" sz="2000" dirty="0"/>
+              <a:t> </a:t>
+            </a:r>
+            <a:r>
+              <a:rPr kumimoji="1" lang="en-US" altLang="zh-CN" sz="2000" dirty="0"/>
+              <a:t>develop</a:t>
+            </a:r>
+            <a:r>
+              <a:rPr kumimoji="1" lang="zh-CN" altLang="en-US" sz="2000" dirty="0"/>
+              <a:t> </a:t>
+            </a:r>
+            <a:r>
+              <a:rPr kumimoji="1" lang="en-US" altLang="zh-CN" sz="2000" dirty="0"/>
+              <a:t>DSL</a:t>
+            </a:r>
+          </a:p>
+          <a:p>
+            <a:endParaRPr kumimoji="1" lang="en-US" altLang="zh-CN" sz="2000" dirty="0"/>
+          </a:p>
+          <a:p>
+            <a:endParaRPr kumimoji="1" lang="en-US" altLang="zh-CN" sz="2000" dirty="0"/>
+          </a:p>
+          <a:p>
+            <a:r>
+              <a:rPr kumimoji="1" lang="en-US" altLang="zh-CN" sz="2000" dirty="0"/>
+              <a:t>Tools</a:t>
+            </a:r>
+            <a:r>
+              <a:rPr kumimoji="1" lang="zh-CN" altLang="en-US" sz="2000" dirty="0"/>
+              <a:t>：</a:t>
+            </a:r>
+            <a:r>
+              <a:rPr kumimoji="1" lang="en-US" altLang="zh-CN" sz="2000" dirty="0" err="1"/>
+              <a:t>pyparsing</a:t>
+            </a:r>
+            <a:r>
+              <a:rPr kumimoji="1" lang="en-US" altLang="zh-CN" sz="2000" dirty="0"/>
+              <a:t>/Python</a:t>
+            </a:r>
+          </a:p>
+          <a:p>
+            <a:endParaRPr kumimoji="1" lang="en-US" altLang="zh-CN" dirty="0"/>
           </a:p>
         </p:txBody>
       </p:sp>
@@ -6569,7 +7497,7 @@
     </p:custDataLst>
     <p:extLst>
       <p:ext uri="{BB962C8B-B14F-4D97-AF65-F5344CB8AC3E}">
-        <p14:creationId xmlns:p14="http://schemas.microsoft.com/office/powerpoint/2010/main" val="3318111004"/>
+        <p14:creationId xmlns:p14="http://schemas.microsoft.com/office/powerpoint/2010/main" val="356486293"/>
       </p:ext>
     </p:extLst>
   </p:cSld>
@@ -6678,8 +7606,8 @@
         </p:nvSpPr>
         <p:spPr>
           <a:xfrm>
-            <a:off x="741947" y="1155032"/>
-            <a:ext cx="5149516" cy="369332"/>
+            <a:off x="344460" y="1131596"/>
+            <a:ext cx="5149516" cy="461665"/>
           </a:xfrm>
           <a:prstGeom prst="rect">
             <a:avLst/>
@@ -6693,14 +7621,14 @@
           <a:lstStyle/>
           <a:p>
             <a:r>
-              <a:rPr kumimoji="1" lang="en-US" altLang="zh-CN" dirty="0">
+              <a:rPr kumimoji="1" lang="en-US" altLang="zh-CN" sz="2400" dirty="0">
                 <a:solidFill>
                   <a:srgbClr val="00B0F0"/>
                 </a:solidFill>
               </a:rPr>
-              <a:t>Definition</a:t>
-            </a:r>
-            <a:endParaRPr kumimoji="1" lang="zh-CN" altLang="en-US" dirty="0">
+              <a:t>Features</a:t>
+            </a:r>
+            <a:endParaRPr kumimoji="1" lang="zh-CN" altLang="en-US" sz="2400" dirty="0">
               <a:solidFill>
                 <a:srgbClr val="00B0F0"/>
               </a:solidFill>
@@ -6708,49 +7636,375 @@
           </a:p>
         </p:txBody>
       </p:sp>
-      <p:pic>
-        <p:nvPicPr>
-          <p:cNvPr id="6" name="图片 5">
+      <p:sp>
+        <p:nvSpPr>
+          <p:cNvPr id="5" name="矩形 4">
             <a:extLst>
               <a:ext uri="{FF2B5EF4-FFF2-40B4-BE49-F238E27FC236}">
-                <a16:creationId xmlns:a16="http://schemas.microsoft.com/office/drawing/2014/main" id="{2AD9603E-576C-E54F-B7F6-1AFF2243F37C}"/>
+                <a16:creationId xmlns:a16="http://schemas.microsoft.com/office/drawing/2014/main" id="{FC23A16D-77ED-2E44-A6CD-30FCB9B309A9}"/>
               </a:ext>
             </a:extLst>
           </p:cNvPr>
-          <p:cNvPicPr>
-            <a:picLocks noChangeAspect="1"/>
-          </p:cNvPicPr>
+          <p:cNvSpPr/>
           <p:nvPr/>
-        </p:nvPicPr>
-        <p:blipFill>
-          <a:blip r:embed="rId3">
-            <a:extLst>
-              <a:ext uri="{28A0092B-C50C-407E-A947-70E740481C1C}">
-                <a14:useLocalDpi xmlns:a14="http://schemas.microsoft.com/office/drawing/2010/main" val="0"/>
-              </a:ext>
-            </a:extLst>
-          </a:blip>
-          <a:stretch>
-            <a:fillRect/>
-          </a:stretch>
-        </p:blipFill>
+        </p:nvSpPr>
         <p:spPr>
           <a:xfrm>
-            <a:off x="2821305" y="1676734"/>
-            <a:ext cx="5651500" cy="3721100"/>
+            <a:off x="2259590" y="1961722"/>
+            <a:ext cx="6468773" cy="3170099"/>
           </a:xfrm>
           <a:prstGeom prst="rect">
             <a:avLst/>
           </a:prstGeom>
         </p:spPr>
-      </p:pic>
+        <p:txBody>
+          <a:bodyPr wrap="square">
+            <a:spAutoFit/>
+          </a:bodyPr>
+          <a:lstStyle/>
+          <a:p>
+            <a:pPr marL="342900" indent="-342900">
+              <a:buAutoNum type="arabicPeriod"/>
+            </a:pPr>
+            <a:r>
+              <a:rPr lang="en-US" altLang="zh-CN" sz="2000" dirty="0"/>
+              <a:t>Behavior:</a:t>
+            </a:r>
+            <a:r>
+              <a:rPr lang="zh-CN" altLang="en-US" sz="2000" dirty="0"/>
+              <a:t> </a:t>
+            </a:r>
+            <a:r>
+              <a:rPr lang="en-US" altLang="zh-CN" sz="2000" dirty="0"/>
+              <a:t>no</a:t>
+            </a:r>
+            <a:r>
+              <a:rPr lang="zh-CN" altLang="en-US" sz="2000" dirty="0"/>
+              <a:t> </a:t>
+            </a:r>
+            <a:r>
+              <a:rPr lang="en-US" altLang="zh-CN" sz="2000" dirty="0"/>
+              <a:t>backtrack</a:t>
+            </a:r>
+          </a:p>
+          <a:p>
+            <a:pPr marL="342900" indent="-342900">
+              <a:buAutoNum type="arabicPeriod"/>
+            </a:pPr>
+            <a:r>
+              <a:rPr lang="en-US" altLang="zh-CN" sz="2000" dirty="0"/>
+              <a:t>Algorithm:</a:t>
+            </a:r>
+            <a:r>
+              <a:rPr lang="zh-CN" altLang="en-US" sz="2000" dirty="0"/>
+              <a:t> </a:t>
+            </a:r>
+            <a:r>
+              <a:rPr lang="en-US" altLang="zh-CN" sz="2000" dirty="0"/>
+              <a:t>Recursive</a:t>
+            </a:r>
+            <a:r>
+              <a:rPr lang="zh-CN" altLang="en-US" sz="2000" dirty="0"/>
+              <a:t> </a:t>
+            </a:r>
+            <a:r>
+              <a:rPr lang="en-US" altLang="zh-CN" sz="2000" dirty="0"/>
+              <a:t>descent</a:t>
+            </a:r>
+            <a:r>
+              <a:rPr lang="zh-CN" altLang="en-US" sz="2000" dirty="0"/>
+              <a:t> </a:t>
+            </a:r>
+            <a:r>
+              <a:rPr lang="en-US" altLang="zh-CN" sz="2000" dirty="0"/>
+              <a:t>algorithm</a:t>
+            </a:r>
+            <a:r>
+              <a:rPr lang="zh-CN" altLang="en-US" sz="2000" dirty="0"/>
+              <a:t>，</a:t>
+            </a:r>
+            <a:r>
+              <a:rPr lang="en-US" altLang="zh-CN" sz="2000" dirty="0"/>
+              <a:t>easily</a:t>
+            </a:r>
+            <a:r>
+              <a:rPr lang="zh-CN" altLang="en-US" sz="2000" dirty="0"/>
+              <a:t> </a:t>
+            </a:r>
+            <a:r>
+              <a:rPr lang="en-US" altLang="zh-CN" sz="2000" dirty="0"/>
+              <a:t>implementing</a:t>
+            </a:r>
+            <a:r>
+              <a:rPr lang="zh-CN" altLang="en-US" sz="2000" dirty="0"/>
+              <a:t> </a:t>
+            </a:r>
+            <a:r>
+              <a:rPr lang="en-US" altLang="zh-CN" sz="2000" dirty="0"/>
+              <a:t>by</a:t>
+            </a:r>
+            <a:r>
+              <a:rPr lang="zh-CN" altLang="en-US" sz="2000" dirty="0"/>
+              <a:t> </a:t>
+            </a:r>
+            <a:r>
+              <a:rPr lang="en-US" altLang="zh-CN" sz="2000" dirty="0"/>
+              <a:t>functional</a:t>
+            </a:r>
+            <a:r>
+              <a:rPr lang="zh-CN" altLang="en-US" sz="2000" dirty="0"/>
+              <a:t> </a:t>
+            </a:r>
+            <a:r>
+              <a:rPr lang="en-US" altLang="zh-CN" sz="2000" dirty="0"/>
+              <a:t>language(such</a:t>
+            </a:r>
+            <a:r>
+              <a:rPr lang="zh-CN" altLang="en-US" sz="2000" dirty="0"/>
+              <a:t> </a:t>
+            </a:r>
+            <a:r>
+              <a:rPr lang="en-US" altLang="zh-CN" sz="2000" dirty="0"/>
+              <a:t>as</a:t>
+            </a:r>
+            <a:r>
+              <a:rPr lang="zh-CN" altLang="en-US" sz="2000" dirty="0"/>
+              <a:t> </a:t>
+            </a:r>
+            <a:r>
+              <a:rPr lang="en-US" altLang="zh-CN" sz="2000" dirty="0"/>
+              <a:t>Haskell)</a:t>
+            </a:r>
+          </a:p>
+          <a:p>
+            <a:pPr marL="342900" indent="-342900">
+              <a:buAutoNum type="arabicPeriod"/>
+            </a:pPr>
+            <a:r>
+              <a:rPr lang="en-US" altLang="zh-CN" sz="2000" dirty="0"/>
+              <a:t>Definition:</a:t>
+            </a:r>
+            <a:r>
+              <a:rPr lang="zh-CN" altLang="en-US" sz="2000" dirty="0"/>
+              <a:t> </a:t>
+            </a:r>
+            <a:r>
+              <a:rPr lang="en-US" altLang="zh-CN" sz="2000" dirty="0"/>
+              <a:t>Strict</a:t>
+            </a:r>
+            <a:r>
+              <a:rPr lang="zh-CN" altLang="en-US" sz="2000" dirty="0"/>
+              <a:t> </a:t>
+            </a:r>
+            <a:r>
+              <a:rPr lang="en-US" altLang="zh-CN" sz="2000" dirty="0"/>
+              <a:t>definition</a:t>
+            </a:r>
+            <a:r>
+              <a:rPr lang="zh-CN" altLang="en-US" sz="2000" dirty="0"/>
+              <a:t> </a:t>
+            </a:r>
+            <a:r>
+              <a:rPr lang="en-US" altLang="zh-CN" sz="2000" dirty="0"/>
+              <a:t>of</a:t>
+            </a:r>
+            <a:r>
+              <a:rPr lang="zh-CN" altLang="en-US" sz="2000" dirty="0"/>
+              <a:t> </a:t>
+            </a:r>
+            <a:r>
+              <a:rPr lang="en-US" altLang="zh-CN" sz="2000" dirty="0"/>
+              <a:t>functions</a:t>
+            </a:r>
+          </a:p>
+          <a:p>
+            <a:pPr marL="342900" indent="-342900">
+              <a:buAutoNum type="arabicPeriod"/>
+            </a:pPr>
+            <a:r>
+              <a:rPr lang="en-US" altLang="zh-CN" sz="2000" dirty="0"/>
+              <a:t>Expression:</a:t>
+            </a:r>
+            <a:r>
+              <a:rPr lang="zh-CN" altLang="en-US" sz="2000" dirty="0"/>
+              <a:t> </a:t>
+            </a:r>
+            <a:r>
+              <a:rPr lang="en-US" altLang="zh-CN" sz="2000" dirty="0"/>
+              <a:t>No</a:t>
+            </a:r>
+            <a:r>
+              <a:rPr lang="zh-CN" altLang="en-US" sz="2000" dirty="0"/>
+              <a:t> </a:t>
+            </a:r>
+            <a:r>
+              <a:rPr lang="en-US" altLang="zh-CN" sz="2000" dirty="0"/>
+              <a:t>(direct)</a:t>
+            </a:r>
+            <a:r>
+              <a:rPr lang="zh-CN" altLang="en-US" sz="2000" dirty="0"/>
+              <a:t> </a:t>
+            </a:r>
+            <a:r>
+              <a:rPr lang="en-US" altLang="zh-CN" sz="2000" dirty="0"/>
+              <a:t>left-recursive</a:t>
+            </a:r>
+            <a:r>
+              <a:rPr lang="zh-CN" altLang="en-US" sz="2000" dirty="0"/>
+              <a:t> </a:t>
+            </a:r>
+            <a:r>
+              <a:rPr lang="en-US" altLang="zh-CN" sz="2000" dirty="0"/>
+              <a:t>rule,</a:t>
+            </a:r>
+            <a:r>
+              <a:rPr lang="zh-CN" altLang="en-US" sz="2000" dirty="0"/>
+              <a:t> </a:t>
+            </a:r>
+            <a:r>
+              <a:rPr lang="en-US" altLang="zh-CN" sz="2000" dirty="0"/>
+              <a:t>uncommunicated</a:t>
+            </a:r>
+            <a:r>
+              <a:rPr lang="zh-CN" altLang="en-US" sz="2000" dirty="0"/>
+              <a:t> </a:t>
+            </a:r>
+            <a:r>
+              <a:rPr lang="en-US" altLang="zh-CN" sz="2000" dirty="0"/>
+              <a:t>`|`</a:t>
+            </a:r>
+          </a:p>
+          <a:p>
+            <a:pPr marL="342900" indent="-342900">
+              <a:buAutoNum type="arabicPeriod"/>
+            </a:pPr>
+            <a:r>
+              <a:rPr lang="en-US" altLang="zh-CN" sz="2000" dirty="0"/>
+              <a:t>Performance:</a:t>
+            </a:r>
+            <a:r>
+              <a:rPr lang="zh-CN" altLang="en-US" sz="2000" dirty="0"/>
+              <a:t> </a:t>
+            </a:r>
+            <a:r>
+              <a:rPr lang="en-US" altLang="zh-CN" sz="2000" dirty="0"/>
+              <a:t>parsing</a:t>
+            </a:r>
+            <a:r>
+              <a:rPr lang="zh-CN" altLang="en-US" sz="2000" dirty="0"/>
+              <a:t> </a:t>
+            </a:r>
+            <a:r>
+              <a:rPr lang="en-US" altLang="zh-CN" sz="2000" dirty="0"/>
+              <a:t>fast</a:t>
+            </a:r>
+          </a:p>
+          <a:p>
+            <a:pPr marL="342900" indent="-342900">
+              <a:buAutoNum type="arabicPeriod"/>
+            </a:pPr>
+            <a:r>
+              <a:rPr lang="en-US" altLang="zh-CN" sz="2000" dirty="0"/>
+              <a:t>Power:</a:t>
+            </a:r>
+            <a:r>
+              <a:rPr lang="zh-CN" altLang="en-US" sz="2000" dirty="0"/>
+              <a:t> </a:t>
+            </a:r>
+            <a:r>
+              <a:rPr lang="en-US" altLang="zh-CN" sz="2000" dirty="0"/>
+              <a:t>almost</a:t>
+            </a:r>
+            <a:r>
+              <a:rPr lang="zh-CN" altLang="en-US" sz="2000" dirty="0"/>
+              <a:t> </a:t>
+            </a:r>
+            <a:r>
+              <a:rPr lang="en-US" altLang="zh-CN" sz="2000" dirty="0"/>
+              <a:t>equivalent</a:t>
+            </a:r>
+            <a:r>
+              <a:rPr lang="zh-CN" altLang="en-US" sz="2000" dirty="0"/>
+              <a:t> </a:t>
+            </a:r>
+            <a:r>
+              <a:rPr lang="en-US" altLang="zh-CN" sz="2000" dirty="0"/>
+              <a:t>to</a:t>
+            </a:r>
+            <a:r>
+              <a:rPr lang="zh-CN" altLang="en-US" sz="2000" dirty="0"/>
+              <a:t> </a:t>
+            </a:r>
+            <a:r>
+              <a:rPr lang="en-US" altLang="zh-CN" sz="2000" dirty="0"/>
+              <a:t>CFG</a:t>
+            </a:r>
+            <a:r>
+              <a:rPr lang="zh-CN" altLang="en-US" sz="2000" dirty="0"/>
+              <a:t> </a:t>
+            </a:r>
+            <a:r>
+              <a:rPr lang="en-US" altLang="zh-CN" sz="2000" dirty="0"/>
+              <a:t>but</a:t>
+            </a:r>
+            <a:r>
+              <a:rPr lang="zh-CN" altLang="en-US" sz="2000" dirty="0"/>
+              <a:t> </a:t>
+            </a:r>
+            <a:r>
+              <a:rPr lang="en-US" altLang="zh-CN" sz="2000" dirty="0"/>
+              <a:t>unambiguous,</a:t>
+            </a:r>
+            <a:r>
+              <a:rPr lang="zh-CN" altLang="en-US" sz="2000" dirty="0"/>
+              <a:t> </a:t>
+            </a:r>
+            <a:r>
+              <a:rPr lang="en-US" altLang="zh-CN" sz="2000" dirty="0"/>
+              <a:t>could</a:t>
+            </a:r>
+            <a:r>
+              <a:rPr lang="zh-CN" altLang="en-US" sz="2000" dirty="0"/>
+              <a:t> </a:t>
+            </a:r>
+            <a:r>
+              <a:rPr lang="en-US" altLang="zh-CN" sz="2000" dirty="0"/>
+              <a:t>design</a:t>
+            </a:r>
+            <a:r>
+              <a:rPr lang="zh-CN" altLang="en-US" sz="2000" dirty="0"/>
+              <a:t> </a:t>
+            </a:r>
+            <a:r>
+              <a:rPr lang="en-US" altLang="zh-CN" sz="2000" dirty="0"/>
+              <a:t>any</a:t>
+            </a:r>
+            <a:r>
+              <a:rPr lang="zh-CN" altLang="en-US" sz="2000" dirty="0"/>
+              <a:t> </a:t>
+            </a:r>
+            <a:r>
+              <a:rPr lang="en-US" altLang="zh-CN" sz="2000" dirty="0"/>
+              <a:t>computer</a:t>
+            </a:r>
+            <a:r>
+              <a:rPr lang="zh-CN" altLang="en-US" sz="2000" dirty="0"/>
+              <a:t> </a:t>
+            </a:r>
+            <a:r>
+              <a:rPr lang="en-US" altLang="zh-CN" sz="2000" dirty="0"/>
+              <a:t>language</a:t>
+            </a:r>
+          </a:p>
+        </p:txBody>
+      </p:sp>
     </p:spTree>
     <p:custDataLst>
       <p:tags r:id="rId1"/>
     </p:custDataLst>
     <p:extLst>
       <p:ext uri="{BB962C8B-B14F-4D97-AF65-F5344CB8AC3E}">
-        <p14:creationId xmlns:p14="http://schemas.microsoft.com/office/powerpoint/2010/main" val="3333140233"/>
+        <p14:creationId xmlns:p14="http://schemas.microsoft.com/office/powerpoint/2010/main" val="3318111004"/>
       </p:ext>
     </p:extLst>
   </p:cSld>
@@ -6803,6 +8057,187 @@
                   <a:schemeClr val="bg1"/>
                 </a:solidFill>
               </a:rPr>
+              <a:t>Introduction</a:t>
+            </a:r>
+            <a:r>
+              <a:rPr lang="zh-CN" altLang="en-US" dirty="0">
+                <a:solidFill>
+                  <a:schemeClr val="bg1"/>
+                </a:solidFill>
+              </a:rPr>
+              <a:t> </a:t>
+            </a:r>
+            <a:r>
+              <a:rPr lang="en-US" altLang="zh-CN" dirty="0">
+                <a:solidFill>
+                  <a:schemeClr val="bg1"/>
+                </a:solidFill>
+              </a:rPr>
+              <a:t>to</a:t>
+            </a:r>
+            <a:r>
+              <a:rPr lang="zh-CN" altLang="en-US" dirty="0">
+                <a:solidFill>
+                  <a:schemeClr val="bg1"/>
+                </a:solidFill>
+              </a:rPr>
+              <a:t> </a:t>
+            </a:r>
+            <a:r>
+              <a:rPr lang="en-US" altLang="zh-CN" dirty="0">
+                <a:solidFill>
+                  <a:schemeClr val="bg1"/>
+                </a:solidFill>
+              </a:rPr>
+              <a:t>PEG</a:t>
+            </a:r>
+            <a:endParaRPr lang="zh-CN" altLang="en-US" dirty="0">
+              <a:solidFill>
+                <a:schemeClr val="bg1"/>
+              </a:solidFill>
+            </a:endParaRPr>
+          </a:p>
+        </p:txBody>
+      </p:sp>
+      <p:sp>
+        <p:nvSpPr>
+          <p:cNvPr id="4" name="文本框 3">
+            <a:extLst>
+              <a:ext uri="{FF2B5EF4-FFF2-40B4-BE49-F238E27FC236}">
+                <a16:creationId xmlns:a16="http://schemas.microsoft.com/office/drawing/2014/main" id="{ACFC14D7-6D42-EA48-B551-49B700FBBA0E}"/>
+              </a:ext>
+            </a:extLst>
+          </p:cNvPr>
+          <p:cNvSpPr txBox="1"/>
+          <p:nvPr/>
+        </p:nvSpPr>
+        <p:spPr>
+          <a:xfrm>
+            <a:off x="741947" y="1155032"/>
+            <a:ext cx="5149516" cy="461665"/>
+          </a:xfrm>
+          <a:prstGeom prst="rect">
+            <a:avLst/>
+          </a:prstGeom>
+          <a:noFill/>
+        </p:spPr>
+        <p:txBody>
+          <a:bodyPr wrap="square" rtlCol="0">
+            <a:spAutoFit/>
+          </a:bodyPr>
+          <a:lstStyle/>
+          <a:p>
+            <a:r>
+              <a:rPr kumimoji="1" lang="en-US" altLang="zh-CN" sz="2400" dirty="0">
+                <a:solidFill>
+                  <a:srgbClr val="00B0F0"/>
+                </a:solidFill>
+              </a:rPr>
+              <a:t>Definition</a:t>
+            </a:r>
+            <a:endParaRPr kumimoji="1" lang="zh-CN" altLang="en-US" sz="2400" dirty="0">
+              <a:solidFill>
+                <a:srgbClr val="00B0F0"/>
+              </a:solidFill>
+            </a:endParaRPr>
+          </a:p>
+        </p:txBody>
+      </p:sp>
+      <p:pic>
+        <p:nvPicPr>
+          <p:cNvPr id="6" name="图片 5">
+            <a:extLst>
+              <a:ext uri="{FF2B5EF4-FFF2-40B4-BE49-F238E27FC236}">
+                <a16:creationId xmlns:a16="http://schemas.microsoft.com/office/drawing/2014/main" id="{2AD9603E-576C-E54F-B7F6-1AFF2243F37C}"/>
+              </a:ext>
+            </a:extLst>
+          </p:cNvPr>
+          <p:cNvPicPr>
+            <a:picLocks noChangeAspect="1"/>
+          </p:cNvPicPr>
+          <p:nvPr/>
+        </p:nvPicPr>
+        <p:blipFill>
+          <a:blip r:embed="rId3">
+            <a:extLst>
+              <a:ext uri="{28A0092B-C50C-407E-A947-70E740481C1C}">
+                <a14:useLocalDpi xmlns:a14="http://schemas.microsoft.com/office/drawing/2010/main" val="0"/>
+              </a:ext>
+            </a:extLst>
+          </a:blip>
+          <a:stretch>
+            <a:fillRect/>
+          </a:stretch>
+        </p:blipFill>
+        <p:spPr>
+          <a:xfrm>
+            <a:off x="2902889" y="1755758"/>
+            <a:ext cx="5977148" cy="3935516"/>
+          </a:xfrm>
+          <a:prstGeom prst="rect">
+            <a:avLst/>
+          </a:prstGeom>
+        </p:spPr>
+      </p:pic>
+    </p:spTree>
+    <p:custDataLst>
+      <p:tags r:id="rId1"/>
+    </p:custDataLst>
+    <p:extLst>
+      <p:ext uri="{BB962C8B-B14F-4D97-AF65-F5344CB8AC3E}">
+        <p14:creationId xmlns:p14="http://schemas.microsoft.com/office/powerpoint/2010/main" val="3333140233"/>
+      </p:ext>
+    </p:extLst>
+  </p:cSld>
+  <p:clrMapOvr>
+    <a:masterClrMapping/>
+  </p:clrMapOvr>
+</p:sld>
+</file>
+
+<file path=ppt/slides/slide6.xml><?xml version="1.0" encoding="utf-8"?>
+<p:sld xmlns:a="http://schemas.openxmlformats.org/drawingml/2006/main" xmlns:r="http://schemas.openxmlformats.org/officeDocument/2006/relationships" xmlns:p="http://schemas.openxmlformats.org/presentationml/2006/main">
+  <p:cSld>
+    <p:spTree>
+      <p:nvGrpSpPr>
+        <p:cNvPr id="1" name=""/>
+        <p:cNvGrpSpPr/>
+        <p:nvPr/>
+      </p:nvGrpSpPr>
+      <p:grpSpPr>
+        <a:xfrm>
+          <a:off x="0" y="0"/>
+          <a:ext cx="0" cy="0"/>
+          <a:chOff x="0" y="0"/>
+          <a:chExt cx="0" cy="0"/>
+        </a:xfrm>
+      </p:grpSpPr>
+      <p:sp>
+        <p:nvSpPr>
+          <p:cNvPr id="2" name="标题 1"/>
+          <p:cNvSpPr>
+            <a:spLocks noGrp="1"/>
+          </p:cNvSpPr>
+          <p:nvPr>
+            <p:ph type="title"/>
+          </p:nvPr>
+        </p:nvSpPr>
+        <p:spPr>
+          <a:xfrm>
+            <a:off x="220937" y="115135"/>
+            <a:ext cx="10852237" cy="648000"/>
+          </a:xfrm>
+        </p:spPr>
+        <p:txBody>
+          <a:bodyPr/>
+          <a:lstStyle/>
+          <a:p>
+            <a:r>
+              <a:rPr lang="en-US" altLang="zh-CN" dirty="0">
+                <a:solidFill>
+                  <a:schemeClr val="bg1"/>
+                </a:solidFill>
+              </a:rPr>
               <a:t>Implement</a:t>
             </a:r>
             <a:r>
@@ -6875,8 +8310,8 @@
         </p:nvSpPr>
         <p:spPr>
           <a:xfrm>
-            <a:off x="689318" y="1391472"/>
-            <a:ext cx="1560588" cy="369332"/>
+            <a:off x="220937" y="1320050"/>
+            <a:ext cx="2028969" cy="461665"/>
           </a:xfrm>
           <a:prstGeom prst="rect">
             <a:avLst/>
@@ -6889,7 +8324,7 @@
           <a:lstStyle/>
           <a:p>
             <a:r>
-              <a:rPr lang="en-US" altLang="zh-CN" dirty="0">
+              <a:rPr lang="en-US" altLang="zh-CN" sz="2400" dirty="0">
                 <a:solidFill>
                   <a:srgbClr val="00B0F0"/>
                 </a:solidFill>
@@ -6897,7 +8332,7 @@
               <a:t>Source</a:t>
             </a:r>
             <a:r>
-              <a:rPr lang="zh-CN" altLang="en-US" dirty="0">
+              <a:rPr lang="zh-CN" altLang="en-US" sz="2400" dirty="0">
                 <a:solidFill>
                   <a:srgbClr val="00B0F0"/>
                 </a:solidFill>
@@ -6905,14 +8340,14 @@
               <a:t> </a:t>
             </a:r>
             <a:r>
-              <a:rPr lang="en-US" altLang="zh-CN" dirty="0">
+              <a:rPr lang="en-US" altLang="zh-CN" sz="2400" dirty="0">
                 <a:solidFill>
                   <a:srgbClr val="00B0F0"/>
                 </a:solidFill>
               </a:rPr>
               <a:t>code</a:t>
             </a:r>
-            <a:endParaRPr lang="zh-CN" altLang="en-US" dirty="0">
+            <a:endParaRPr lang="zh-CN" altLang="en-US" sz="2400" dirty="0">
               <a:solidFill>
                 <a:srgbClr val="00B0F0"/>
               </a:solidFill>
@@ -6934,8 +8369,8 @@
         </p:nvSpPr>
         <p:spPr>
           <a:xfrm>
-            <a:off x="689318" y="2979871"/>
-            <a:ext cx="1448047" cy="369332"/>
+            <a:off x="254714" y="2979871"/>
+            <a:ext cx="1882651" cy="461665"/>
           </a:xfrm>
           <a:prstGeom prst="rect">
             <a:avLst/>
@@ -6948,7 +8383,7 @@
           <a:lstStyle/>
           <a:p>
             <a:r>
-              <a:rPr lang="en-US" altLang="zh-CN" dirty="0">
+              <a:rPr lang="en-US" altLang="zh-CN" sz="2400" dirty="0">
                 <a:solidFill>
                   <a:srgbClr val="00B0F0"/>
                 </a:solidFill>
@@ -6956,7 +8391,7 @@
               <a:t>A</a:t>
             </a:r>
             <a:r>
-              <a:rPr lang="zh-CN" altLang="en-US" dirty="0">
+              <a:rPr lang="zh-CN" altLang="en-US" sz="2400" dirty="0">
                 <a:solidFill>
                   <a:srgbClr val="00B0F0"/>
                 </a:solidFill>
@@ -6964,14 +8399,14 @@
               <a:t> </a:t>
             </a:r>
             <a:r>
-              <a:rPr lang="en-US" altLang="zh-CN" dirty="0">
+              <a:rPr lang="en-US" altLang="zh-CN" sz="2400" dirty="0">
                 <a:solidFill>
                   <a:srgbClr val="00B0F0"/>
                 </a:solidFill>
               </a:rPr>
               <a:t>subclass</a:t>
             </a:r>
-            <a:endParaRPr lang="zh-CN" altLang="en-US" dirty="0">
+            <a:endParaRPr lang="zh-CN" altLang="en-US" sz="2400" dirty="0">
               <a:solidFill>
                 <a:srgbClr val="00B0F0"/>
               </a:solidFill>
@@ -6993,8 +8428,8 @@
         </p:nvSpPr>
         <p:spPr>
           <a:xfrm>
-            <a:off x="2249905" y="1614517"/>
-            <a:ext cx="5177837" cy="1200329"/>
+            <a:off x="2249906" y="1338759"/>
+            <a:ext cx="5670936" cy="1231106"/>
           </a:xfrm>
           <a:prstGeom prst="rect">
             <a:avLst/>
@@ -7017,7 +8452,7 @@
             </a:r>
             <a:r>
               <a:rPr kumimoji="1" lang="en-US" altLang="zh-CN" dirty="0"/>
-              <a:t>class:</a:t>
+              <a:t>classes:</a:t>
             </a:r>
             <a:r>
               <a:rPr kumimoji="1" lang="zh-CN" altLang="en-US" dirty="0"/>
@@ -7082,10 +8517,10 @@
               <a:t> </a:t>
             </a:r>
             <a:r>
-              <a:rPr kumimoji="1" lang="en-US" altLang="zh-CN" dirty="0" err="1"/>
+              <a:rPr kumimoji="1" lang="en-US" altLang="zh-CN" sz="2000" dirty="0" err="1"/>
               <a:t>parseImpl</a:t>
             </a:r>
-            <a:endParaRPr kumimoji="1" lang="en-US" altLang="zh-CN" dirty="0"/>
+            <a:endParaRPr kumimoji="1" lang="en-US" altLang="zh-CN" sz="2000" dirty="0"/>
           </a:p>
           <a:p>
             <a:r>
@@ -7163,218 +8598,6 @@
 </p:sld>
 </file>
 
-<file path=ppt/slides/slide6.xml><?xml version="1.0" encoding="utf-8"?>
-<p:sld xmlns:a="http://schemas.openxmlformats.org/drawingml/2006/main" xmlns:r="http://schemas.openxmlformats.org/officeDocument/2006/relationships" xmlns:p="http://schemas.openxmlformats.org/presentationml/2006/main">
-  <p:cSld>
-    <p:spTree>
-      <p:nvGrpSpPr>
-        <p:cNvPr id="1" name=""/>
-        <p:cNvGrpSpPr/>
-        <p:nvPr/>
-      </p:nvGrpSpPr>
-      <p:grpSpPr>
-        <a:xfrm>
-          <a:off x="0" y="0"/>
-          <a:ext cx="0" cy="0"/>
-          <a:chOff x="0" y="0"/>
-          <a:chExt cx="0" cy="0"/>
-        </a:xfrm>
-      </p:grpSpPr>
-      <p:sp>
-        <p:nvSpPr>
-          <p:cNvPr id="2" name="标题 1"/>
-          <p:cNvSpPr>
-            <a:spLocks noGrp="1"/>
-          </p:cNvSpPr>
-          <p:nvPr>
-            <p:ph type="title"/>
-          </p:nvPr>
-        </p:nvSpPr>
-        <p:spPr>
-          <a:xfrm>
-            <a:off x="220937" y="115135"/>
-            <a:ext cx="10852237" cy="648000"/>
-          </a:xfrm>
-        </p:spPr>
-        <p:txBody>
-          <a:bodyPr/>
-          <a:lstStyle/>
-          <a:p>
-            <a:r>
-              <a:rPr lang="en-US" altLang="zh-CN" dirty="0">
-                <a:solidFill>
-                  <a:schemeClr val="bg1"/>
-                </a:solidFill>
-              </a:rPr>
-              <a:t>Implement</a:t>
-            </a:r>
-            <a:r>
-              <a:rPr lang="zh-CN" altLang="en-US" dirty="0">
-                <a:solidFill>
-                  <a:schemeClr val="bg1"/>
-                </a:solidFill>
-              </a:rPr>
-              <a:t> </a:t>
-            </a:r>
-            <a:r>
-              <a:rPr lang="en-US" altLang="zh-CN" dirty="0">
-                <a:solidFill>
-                  <a:schemeClr val="bg1"/>
-                </a:solidFill>
-              </a:rPr>
-              <a:t>PEG</a:t>
-            </a:r>
-            <a:r>
-              <a:rPr lang="zh-CN" altLang="en-US" dirty="0">
-                <a:solidFill>
-                  <a:schemeClr val="bg1"/>
-                </a:solidFill>
-              </a:rPr>
-              <a:t> </a:t>
-            </a:r>
-            <a:r>
-              <a:rPr lang="en-US" altLang="zh-CN" dirty="0">
-                <a:solidFill>
-                  <a:schemeClr val="bg1"/>
-                </a:solidFill>
-              </a:rPr>
-              <a:t>by</a:t>
-            </a:r>
-            <a:r>
-              <a:rPr lang="zh-CN" altLang="en-US" dirty="0">
-                <a:solidFill>
-                  <a:schemeClr val="bg1"/>
-                </a:solidFill>
-              </a:rPr>
-              <a:t> </a:t>
-            </a:r>
-            <a:r>
-              <a:rPr lang="en-US" altLang="zh-CN" dirty="0" err="1">
-                <a:solidFill>
-                  <a:schemeClr val="bg1"/>
-                </a:solidFill>
-              </a:rPr>
-              <a:t>pyparsing</a:t>
-            </a:r>
-            <a:endParaRPr lang="zh-CN" altLang="en-US" dirty="0">
-              <a:solidFill>
-                <a:schemeClr val="bg1"/>
-              </a:solidFill>
-            </a:endParaRPr>
-          </a:p>
-        </p:txBody>
-      </p:sp>
-      <p:sp>
-        <p:nvSpPr>
-          <p:cNvPr id="3" name="矩形 2">
-            <a:extLst>
-              <a:ext uri="{FF2B5EF4-FFF2-40B4-BE49-F238E27FC236}">
-                <a16:creationId xmlns:a16="http://schemas.microsoft.com/office/drawing/2014/main" id="{220AC65E-5711-4D41-AE10-C86CBA113E21}"/>
-              </a:ext>
-            </a:extLst>
-          </p:cNvPr>
-          <p:cNvSpPr/>
-          <p:nvPr/>
-        </p:nvSpPr>
-        <p:spPr>
-          <a:xfrm>
-            <a:off x="518495" y="1252560"/>
-            <a:ext cx="1283365" cy="369332"/>
-          </a:xfrm>
-          <a:prstGeom prst="rect">
-            <a:avLst/>
-          </a:prstGeom>
-        </p:spPr>
-        <p:txBody>
-          <a:bodyPr wrap="none">
-            <a:spAutoFit/>
-          </a:bodyPr>
-          <a:lstStyle/>
-          <a:p>
-            <a:r>
-              <a:rPr lang="en-US" altLang="zh-CN" dirty="0">
-                <a:solidFill>
-                  <a:srgbClr val="00B0F0"/>
-                </a:solidFill>
-              </a:rPr>
-              <a:t>DIY</a:t>
-            </a:r>
-            <a:r>
-              <a:rPr lang="zh-CN" altLang="en-US" dirty="0">
-                <a:solidFill>
-                  <a:srgbClr val="00B0F0"/>
-                </a:solidFill>
-              </a:rPr>
-              <a:t> </a:t>
-            </a:r>
-            <a:r>
-              <a:rPr lang="en-US" altLang="zh-CN" dirty="0">
-                <a:solidFill>
-                  <a:srgbClr val="00B0F0"/>
-                </a:solidFill>
-              </a:rPr>
-              <a:t>parser</a:t>
-            </a:r>
-            <a:endParaRPr lang="zh-CN" altLang="en-US" dirty="0">
-              <a:solidFill>
-                <a:srgbClr val="00B0F0"/>
-              </a:solidFill>
-            </a:endParaRPr>
-          </a:p>
-        </p:txBody>
-      </p:sp>
-      <p:pic>
-        <p:nvPicPr>
-          <p:cNvPr id="5" name="图片 4">
-            <a:extLst>
-              <a:ext uri="{FF2B5EF4-FFF2-40B4-BE49-F238E27FC236}">
-                <a16:creationId xmlns:a16="http://schemas.microsoft.com/office/drawing/2014/main" id="{AD6D5209-CFF7-D649-86C6-F5DF3DC9BBA9}"/>
-              </a:ext>
-            </a:extLst>
-          </p:cNvPr>
-          <p:cNvPicPr>
-            <a:picLocks noChangeAspect="1"/>
-          </p:cNvPicPr>
-          <p:nvPr/>
-        </p:nvPicPr>
-        <p:blipFill>
-          <a:blip r:embed="rId3">
-            <a:extLst>
-              <a:ext uri="{28A0092B-C50C-407E-A947-70E740481C1C}">
-                <a14:useLocalDpi xmlns:a14="http://schemas.microsoft.com/office/drawing/2010/main" val="0"/>
-              </a:ext>
-            </a:extLst>
-          </a:blip>
-          <a:stretch>
-            <a:fillRect/>
-          </a:stretch>
-        </p:blipFill>
-        <p:spPr>
-          <a:xfrm>
-            <a:off x="2057400" y="1252560"/>
-            <a:ext cx="7594934" cy="5039956"/>
-          </a:xfrm>
-          <a:prstGeom prst="rect">
-            <a:avLst/>
-          </a:prstGeom>
-        </p:spPr>
-      </p:pic>
-    </p:spTree>
-    <p:custDataLst>
-      <p:tags r:id="rId1"/>
-    </p:custDataLst>
-    <p:extLst>
-      <p:ext uri="{BB962C8B-B14F-4D97-AF65-F5344CB8AC3E}">
-        <p14:creationId xmlns:p14="http://schemas.microsoft.com/office/powerpoint/2010/main" val="2666682547"/>
-      </p:ext>
-    </p:extLst>
-  </p:cSld>
-  <p:clrMapOvr>
-    <a:masterClrMapping/>
-  </p:clrMapOvr>
-</p:sld>
-</file>
-
 <file path=ppt/slides/slide7.xml><?xml version="1.0" encoding="utf-8"?>
 <p:sld xmlns:a="http://schemas.openxmlformats.org/drawingml/2006/main" xmlns:r="http://schemas.openxmlformats.org/officeDocument/2006/relationships" xmlns:p="http://schemas.openxmlformats.org/presentationml/2006/main">
   <p:cSld>
@@ -7499,7 +8722,7 @@
         <p:spPr>
           <a:xfrm>
             <a:off x="2194561" y="3317241"/>
-            <a:ext cx="6126795" cy="646331"/>
+            <a:ext cx="6126795" cy="707886"/>
           </a:xfrm>
           <a:prstGeom prst="rect">
             <a:avLst/>
@@ -7513,7 +8736,7 @@
           <a:lstStyle/>
           <a:p>
             <a:r>
-              <a:rPr kumimoji="1" lang="en-US" altLang="zh-CN" dirty="0" err="1">
+              <a:rPr kumimoji="1" lang="en-US" altLang="zh-CN" sz="2000" dirty="0" err="1">
                 <a:solidFill>
                   <a:schemeClr val="accent2"/>
                 </a:solidFill>
@@ -7521,7 +8744,7 @@
               <a:t>PrecededBy</a:t>
             </a:r>
             <a:r>
-              <a:rPr kumimoji="1" lang="en-US" altLang="zh-CN" dirty="0">
+              <a:rPr kumimoji="1" lang="en-US" altLang="zh-CN" sz="2000" dirty="0">
                 <a:solidFill>
                   <a:schemeClr val="accent2"/>
                 </a:solidFill>
@@ -7529,7 +8752,7 @@
               <a:t>:</a:t>
             </a:r>
             <a:r>
-              <a:rPr kumimoji="1" lang="zh-CN" altLang="en-US" dirty="0">
+              <a:rPr kumimoji="1" lang="zh-CN" altLang="en-US" sz="2000" dirty="0">
                 <a:solidFill>
                   <a:schemeClr val="accent2"/>
                 </a:solidFill>
@@ -7537,7 +8760,7 @@
               <a:t> </a:t>
             </a:r>
             <a:r>
-              <a:rPr kumimoji="1" lang="en-US" altLang="zh-CN" dirty="0">
+              <a:rPr kumimoji="1" lang="en-US" altLang="zh-CN" sz="2000" dirty="0">
                 <a:solidFill>
                   <a:schemeClr val="accent2"/>
                 </a:solidFill>
@@ -7545,7 +8768,7 @@
               <a:t>is</a:t>
             </a:r>
             <a:r>
-              <a:rPr kumimoji="1" lang="zh-CN" altLang="en-US" dirty="0">
+              <a:rPr kumimoji="1" lang="zh-CN" altLang="en-US" sz="2000" dirty="0">
                 <a:solidFill>
                   <a:schemeClr val="accent2"/>
                 </a:solidFill>
@@ -7553,7 +8776,7 @@
               <a:t> </a:t>
             </a:r>
             <a:r>
-              <a:rPr kumimoji="1" lang="en-US" altLang="zh-CN" dirty="0">
+              <a:rPr kumimoji="1" lang="en-US" altLang="zh-CN" sz="2000" dirty="0">
                 <a:solidFill>
                   <a:schemeClr val="accent2"/>
                 </a:solidFill>
@@ -7561,7 +8784,7 @@
               <a:t>suggested</a:t>
             </a:r>
             <a:r>
-              <a:rPr kumimoji="1" lang="zh-CN" altLang="en-US" dirty="0">
+              <a:rPr kumimoji="1" lang="zh-CN" altLang="en-US" sz="2000" dirty="0">
                 <a:solidFill>
                   <a:schemeClr val="accent2"/>
                 </a:solidFill>
@@ -7569,7 +8792,7 @@
               <a:t> </a:t>
             </a:r>
             <a:r>
-              <a:rPr kumimoji="1" lang="en-US" altLang="zh-CN" dirty="0">
+              <a:rPr kumimoji="1" lang="en-US" altLang="zh-CN" sz="2000" dirty="0">
                 <a:solidFill>
                   <a:schemeClr val="accent2"/>
                 </a:solidFill>
@@ -7577,7 +8800,7 @@
               <a:t>by</a:t>
             </a:r>
             <a:r>
-              <a:rPr kumimoji="1" lang="zh-CN" altLang="en-US" dirty="0">
+              <a:rPr kumimoji="1" lang="zh-CN" altLang="en-US" sz="2000" dirty="0">
                 <a:solidFill>
                   <a:schemeClr val="accent2"/>
                 </a:solidFill>
@@ -7585,7 +8808,7 @@
               <a:t> </a:t>
             </a:r>
             <a:r>
-              <a:rPr kumimoji="1" lang="en-US" altLang="zh-CN" dirty="0">
+              <a:rPr kumimoji="1" lang="en-US" altLang="zh-CN" sz="2000" dirty="0">
                 <a:solidFill>
                   <a:schemeClr val="accent2"/>
                 </a:solidFill>
@@ -7595,7 +8818,7 @@
           </a:p>
           <a:p>
             <a:r>
-              <a:rPr kumimoji="1" lang="en-US" altLang="zh-CN" dirty="0">
+              <a:rPr kumimoji="1" lang="en-US" altLang="zh-CN" sz="2000" dirty="0">
                 <a:solidFill>
                   <a:schemeClr val="accent2"/>
                 </a:solidFill>
@@ -7603,7 +8826,7 @@
               <a:t>Parsers</a:t>
             </a:r>
             <a:r>
-              <a:rPr kumimoji="1" lang="zh-CN" altLang="en-US" dirty="0">
+              <a:rPr kumimoji="1" lang="zh-CN" altLang="en-US" sz="2000" dirty="0">
                 <a:solidFill>
                   <a:schemeClr val="accent2"/>
                 </a:solidFill>
@@ -7611,7 +8834,7 @@
               <a:t> </a:t>
             </a:r>
             <a:r>
-              <a:rPr kumimoji="1" lang="en-US" altLang="zh-CN" dirty="0">
+              <a:rPr kumimoji="1" lang="en-US" altLang="zh-CN" sz="2000" dirty="0">
                 <a:solidFill>
                   <a:schemeClr val="accent2"/>
                 </a:solidFill>
@@ -7619,7 +8842,7 @@
               <a:t>for</a:t>
             </a:r>
             <a:r>
-              <a:rPr kumimoji="1" lang="zh-CN" altLang="en-US" dirty="0">
+              <a:rPr kumimoji="1" lang="zh-CN" altLang="en-US" sz="2000" dirty="0">
                 <a:solidFill>
                   <a:schemeClr val="accent2"/>
                 </a:solidFill>
@@ -7627,7 +8850,7 @@
               <a:t> </a:t>
             </a:r>
             <a:r>
-              <a:rPr kumimoji="1" lang="en-US" altLang="zh-CN" dirty="0">
+              <a:rPr kumimoji="1" lang="en-US" altLang="zh-CN" sz="2000" dirty="0">
                 <a:solidFill>
                   <a:schemeClr val="accent2"/>
                 </a:solidFill>
@@ -7635,7 +8858,7 @@
               <a:t>CJK</a:t>
             </a:r>
             <a:r>
-              <a:rPr kumimoji="1" lang="zh-CN" altLang="en-US" dirty="0">
+              <a:rPr kumimoji="1" lang="zh-CN" altLang="en-US" sz="2000" dirty="0">
                 <a:solidFill>
                   <a:schemeClr val="accent2"/>
                 </a:solidFill>
@@ -7643,7 +8866,7 @@
               <a:t> </a:t>
             </a:r>
             <a:r>
-              <a:rPr kumimoji="1" lang="en-US" altLang="zh-CN" dirty="0">
+              <a:rPr kumimoji="1" lang="en-US" altLang="zh-CN" sz="2000" dirty="0">
                 <a:solidFill>
                   <a:schemeClr val="accent2"/>
                 </a:solidFill>
@@ -7651,7 +8874,7 @@
               <a:t>characters</a:t>
             </a:r>
             <a:r>
-              <a:rPr kumimoji="1" lang="zh-CN" altLang="en-US" dirty="0">
+              <a:rPr kumimoji="1" lang="zh-CN" altLang="en-US" sz="2000" dirty="0">
                 <a:solidFill>
                   <a:schemeClr val="accent2"/>
                 </a:solidFill>
@@ -7659,7 +8882,7 @@
               <a:t> </a:t>
             </a:r>
             <a:r>
-              <a:rPr kumimoji="1" lang="en-US" altLang="zh-CN" dirty="0">
+              <a:rPr kumimoji="1" lang="en-US" altLang="zh-CN" sz="2000" dirty="0">
                 <a:solidFill>
                   <a:schemeClr val="accent2"/>
                 </a:solidFill>
@@ -7667,7 +8890,7 @@
               <a:t>are</a:t>
             </a:r>
             <a:r>
-              <a:rPr kumimoji="1" lang="zh-CN" altLang="en-US" dirty="0">
+              <a:rPr kumimoji="1" lang="zh-CN" altLang="en-US" sz="2000" dirty="0">
                 <a:solidFill>
                   <a:schemeClr val="accent2"/>
                 </a:solidFill>
@@ -7675,7 +8898,7 @@
               <a:t> </a:t>
             </a:r>
             <a:r>
-              <a:rPr kumimoji="1" lang="en-US" altLang="zh-CN" dirty="0">
+              <a:rPr kumimoji="1" lang="en-US" altLang="zh-CN" sz="2000" dirty="0">
                 <a:solidFill>
                   <a:schemeClr val="accent2"/>
                 </a:solidFill>
@@ -7683,7 +8906,7 @@
               <a:t>also</a:t>
             </a:r>
             <a:r>
-              <a:rPr kumimoji="1" lang="zh-CN" altLang="en-US" dirty="0">
+              <a:rPr kumimoji="1" lang="zh-CN" altLang="en-US" sz="2000" dirty="0">
                 <a:solidFill>
                   <a:schemeClr val="accent2"/>
                 </a:solidFill>
@@ -7691,7 +8914,7 @@
               <a:t> </a:t>
             </a:r>
             <a:r>
-              <a:rPr kumimoji="1" lang="en-US" altLang="zh-CN" dirty="0">
+              <a:rPr kumimoji="1" lang="en-US" altLang="zh-CN" sz="2000" dirty="0">
                 <a:solidFill>
                   <a:schemeClr val="accent2"/>
                 </a:solidFill>
@@ -7699,7 +8922,7 @@
               <a:t>proposed</a:t>
             </a:r>
             <a:r>
-              <a:rPr kumimoji="1" lang="zh-CN" altLang="en-US" dirty="0">
+              <a:rPr kumimoji="1" lang="zh-CN" altLang="en-US" sz="2000" dirty="0">
                 <a:solidFill>
                   <a:schemeClr val="accent2"/>
                 </a:solidFill>
@@ -7707,7 +8930,7 @@
               <a:t> </a:t>
             </a:r>
             <a:r>
-              <a:rPr kumimoji="1" lang="en-US" altLang="zh-CN" dirty="0">
+              <a:rPr kumimoji="1" lang="en-US" altLang="zh-CN" sz="2000" dirty="0">
                 <a:solidFill>
                   <a:schemeClr val="accent2"/>
                 </a:solidFill>
@@ -7715,7 +8938,7 @@
               <a:t>by</a:t>
             </a:r>
             <a:r>
-              <a:rPr kumimoji="1" lang="zh-CN" altLang="en-US" dirty="0">
+              <a:rPr kumimoji="1" lang="zh-CN" altLang="en-US" sz="2000" dirty="0">
                 <a:solidFill>
                   <a:schemeClr val="accent2"/>
                 </a:solidFill>
@@ -7723,7 +8946,7 @@
               <a:t> </a:t>
             </a:r>
             <a:r>
-              <a:rPr kumimoji="1" lang="en-US" altLang="zh-CN" dirty="0">
+              <a:rPr kumimoji="1" lang="en-US" altLang="zh-CN" sz="2000" dirty="0">
                 <a:solidFill>
                   <a:schemeClr val="accent2"/>
                 </a:solidFill>
@@ -7820,41 +9043,56 @@
       </p:sp>
       <p:sp>
         <p:nvSpPr>
-          <p:cNvPr id="3" name="文本框 2">
+          <p:cNvPr id="3" name="矩形 2">
             <a:extLst>
               <a:ext uri="{FF2B5EF4-FFF2-40B4-BE49-F238E27FC236}">
-                <a16:creationId xmlns:a16="http://schemas.microsoft.com/office/drawing/2014/main" id="{C8DA4A90-B371-D743-BF2C-EA7513FB0813}"/>
+                <a16:creationId xmlns:a16="http://schemas.microsoft.com/office/drawing/2014/main" id="{220AC65E-5711-4D41-AE10-C86CBA113E21}"/>
               </a:ext>
             </a:extLst>
           </p:cNvPr>
-          <p:cNvSpPr txBox="1"/>
+          <p:cNvSpPr/>
           <p:nvPr/>
         </p:nvSpPr>
         <p:spPr>
           <a:xfrm>
-            <a:off x="858130" y="1983545"/>
-            <a:ext cx="1336430" cy="369332"/>
+            <a:off x="423493" y="1007847"/>
+            <a:ext cx="1650645" cy="461665"/>
           </a:xfrm>
           <a:prstGeom prst="rect">
             <a:avLst/>
           </a:prstGeom>
-          <a:noFill/>
         </p:spPr>
         <p:txBody>
-          <a:bodyPr wrap="square" rtlCol="0">
+          <a:bodyPr wrap="none">
             <a:spAutoFit/>
           </a:bodyPr>
           <a:lstStyle/>
           <a:p>
             <a:r>
-              <a:rPr kumimoji="1" lang="en-US" altLang="zh-CN" dirty="0">
+              <a:rPr lang="en-US" altLang="zh-CN" sz="2400" dirty="0">
                 <a:solidFill>
                   <a:srgbClr val="00B0F0"/>
                 </a:solidFill>
               </a:rPr>
-              <a:t>Cascading</a:t>
-            </a:r>
-            <a:endParaRPr kumimoji="1" lang="zh-CN" altLang="en-US" dirty="0">
+              <a:t>DIY</a:t>
+            </a:r>
+            <a:r>
+              <a:rPr lang="zh-CN" altLang="en-US" sz="2400" dirty="0">
+                <a:solidFill>
+                  <a:srgbClr val="00B0F0"/>
+                </a:solidFill>
+              </a:rPr>
+              <a:t> </a:t>
+            </a:r>
+            <a:r>
+              <a:rPr lang="en-US" altLang="zh-CN" sz="2400" dirty="0">
+                <a:solidFill>
+                  <a:srgbClr val="00B0F0"/>
+                </a:solidFill>
+              </a:rPr>
+              <a:t>parser</a:t>
+            </a:r>
+            <a:endParaRPr lang="zh-CN" altLang="en-US" sz="2400" dirty="0">
               <a:solidFill>
                 <a:srgbClr val="00B0F0"/>
               </a:solidFill>
@@ -7864,14 +9102,16 @@
       </p:sp>
       <p:pic>
         <p:nvPicPr>
-          <p:cNvPr id="5" name="图片 4">
+          <p:cNvPr id="8" name="图片 7">
             <a:extLst>
               <a:ext uri="{FF2B5EF4-FFF2-40B4-BE49-F238E27FC236}">
-                <a16:creationId xmlns:a16="http://schemas.microsoft.com/office/drawing/2014/main" id="{D89F069D-C044-ED46-B62C-DAE3C818AAAE}"/>
+                <a16:creationId xmlns:a16="http://schemas.microsoft.com/office/drawing/2014/main" id="{E27F3CDE-78C9-5741-8D7C-E73C6E38F370}"/>
               </a:ext>
             </a:extLst>
           </p:cNvPr>
-          <p:cNvPicPr/>
+          <p:cNvPicPr>
+            <a:picLocks noChangeAspect="1"/>
+          </p:cNvPicPr>
           <p:nvPr/>
         </p:nvPicPr>
         <p:blipFill>
@@ -7882,23 +9122,18 @@
               </a:ext>
             </a:extLst>
           </a:blip>
-          <a:srcRect/>
           <a:stretch>
             <a:fillRect/>
           </a:stretch>
         </p:blipFill>
-        <p:spPr bwMode="auto">
+        <p:spPr>
           <a:xfrm>
-            <a:off x="2845898" y="1983545"/>
-            <a:ext cx="4054866" cy="1980760"/>
+            <a:off x="2254333" y="1571721"/>
+            <a:ext cx="8229600" cy="4381500"/>
           </a:xfrm>
           <a:prstGeom prst="rect">
             <a:avLst/>
           </a:prstGeom>
-          <a:noFill/>
-          <a:ln>
-            <a:noFill/>
-          </a:ln>
         </p:spPr>
       </p:pic>
     </p:spTree>
@@ -7907,7 +9142,7 @@
     </p:custDataLst>
     <p:extLst>
       <p:ext uri="{BB962C8B-B14F-4D97-AF65-F5344CB8AC3E}">
-        <p14:creationId xmlns:p14="http://schemas.microsoft.com/office/powerpoint/2010/main" val="435689227"/>
+        <p14:creationId xmlns:p14="http://schemas.microsoft.com/office/powerpoint/2010/main" val="2666682547"/>
       </p:ext>
     </p:extLst>
   </p:cSld>
@@ -7960,7 +9195,7 @@
                   <a:schemeClr val="bg1"/>
                 </a:solidFill>
               </a:rPr>
-              <a:t>My</a:t>
+              <a:t>Design</a:t>
             </a:r>
             <a:r>
               <a:rPr lang="zh-CN" altLang="en-US" dirty="0">
@@ -7976,7 +9211,7 @@
                   <a:schemeClr val="bg1"/>
                 </a:solidFill>
               </a:rPr>
-              <a:t>works</a:t>
+              <a:t>trick</a:t>
             </a:r>
             <a:endParaRPr lang="zh-CN" altLang="en-US" dirty="0">
               <a:solidFill>
@@ -7988,10 +9223,10 @@
       </p:sp>
       <p:sp>
         <p:nvSpPr>
-          <p:cNvPr id="4" name="文本框 3">
+          <p:cNvPr id="3" name="文本框 2">
             <a:extLst>
               <a:ext uri="{FF2B5EF4-FFF2-40B4-BE49-F238E27FC236}">
-                <a16:creationId xmlns:a16="http://schemas.microsoft.com/office/drawing/2014/main" id="{9EE21F9F-A9C9-FB48-8110-74A056203FD4}"/>
+                <a16:creationId xmlns:a16="http://schemas.microsoft.com/office/drawing/2014/main" id="{C8DA4A90-B371-D743-BF2C-EA7513FB0813}"/>
               </a:ext>
             </a:extLst>
           </p:cNvPr>
@@ -8000,8 +9235,8 @@
         </p:nvSpPr>
         <p:spPr>
           <a:xfrm>
-            <a:off x="2550695" y="3272589"/>
-            <a:ext cx="5250155" cy="646331"/>
+            <a:off x="466514" y="1649950"/>
+            <a:ext cx="1719547" cy="461665"/>
           </a:xfrm>
           <a:prstGeom prst="rect">
             <a:avLst/>
@@ -8009,39 +9244,143 @@
           <a:noFill/>
         </p:spPr>
         <p:txBody>
-          <a:bodyPr wrap="none" rtlCol="0">
+          <a:bodyPr wrap="square" rtlCol="0">
             <a:spAutoFit/>
           </a:bodyPr>
           <a:lstStyle/>
           <a:p>
             <a:r>
-              <a:rPr kumimoji="1" lang="en-US" altLang="zh-CN" dirty="0"/>
-              <a:t>Links</a:t>
-            </a:r>
-            <a:r>
-              <a:rPr kumimoji="1" lang="zh-CN" altLang="en-US" dirty="0"/>
-              <a:t>：</a:t>
-            </a:r>
-            <a:r>
-              <a:rPr kumimoji="1" lang="en-US" altLang="zh-CN" dirty="0">
-                <a:hlinkClick r:id="rId3"/>
-              </a:rPr>
-              <a:t>https://github.com/Freakwill/pyparsing_ext</a:t>
-            </a:r>
-            <a:endParaRPr kumimoji="1" lang="en-US" altLang="zh-CN" dirty="0"/>
-          </a:p>
-          <a:p>
-            <a:r>
-              <a:rPr lang="en-US" altLang="zh-CN" dirty="0">
-                <a:hlinkClick r:id="rId4"/>
-              </a:rPr>
-              <a:t>https://github.com/Freakwill/texparsing</a:t>
-            </a:r>
-            <a:r>
-              <a:rPr lang="zh-CN" altLang="zh-CN" dirty="0"/>
-              <a:t> </a:t>
-            </a:r>
-            <a:endParaRPr kumimoji="1" lang="zh-CN" altLang="en-US" dirty="0"/>
+              <a:rPr kumimoji="1" lang="en-US" altLang="zh-CN" sz="2400" dirty="0">
+                <a:solidFill>
+                  <a:srgbClr val="00B0F0"/>
+                </a:solidFill>
+              </a:rPr>
+              <a:t>Cascading</a:t>
+            </a:r>
+            <a:endParaRPr kumimoji="1" lang="zh-CN" altLang="en-US" sz="2400" dirty="0">
+              <a:solidFill>
+                <a:srgbClr val="00B0F0"/>
+              </a:solidFill>
+            </a:endParaRPr>
+          </a:p>
+        </p:txBody>
+      </p:sp>
+      <p:pic>
+        <p:nvPicPr>
+          <p:cNvPr id="5" name="图片 4">
+            <a:extLst>
+              <a:ext uri="{FF2B5EF4-FFF2-40B4-BE49-F238E27FC236}">
+                <a16:creationId xmlns:a16="http://schemas.microsoft.com/office/drawing/2014/main" id="{D89F069D-C044-ED46-B62C-DAE3C818AAAE}"/>
+              </a:ext>
+            </a:extLst>
+          </p:cNvPr>
+          <p:cNvPicPr/>
+          <p:nvPr/>
+        </p:nvPicPr>
+        <p:blipFill>
+          <a:blip r:embed="rId3">
+            <a:extLst>
+              <a:ext uri="{28A0092B-C50C-407E-A947-70E740481C1C}">
+                <a14:useLocalDpi xmlns:a14="http://schemas.microsoft.com/office/drawing/2010/main" val="0"/>
+              </a:ext>
+            </a:extLst>
+          </a:blip>
+          <a:srcRect/>
+          <a:stretch>
+            <a:fillRect/>
+          </a:stretch>
+        </p:blipFill>
+        <p:spPr bwMode="auto">
+          <a:xfrm>
+            <a:off x="2826328" y="1795820"/>
+            <a:ext cx="4066842" cy="1682930"/>
+          </a:xfrm>
+          <a:prstGeom prst="rect">
+            <a:avLst/>
+          </a:prstGeom>
+          <a:noFill/>
+          <a:ln>
+            <a:noFill/>
+          </a:ln>
+        </p:spPr>
+      </p:pic>
+      <p:pic>
+        <p:nvPicPr>
+          <p:cNvPr id="7" name="图片 6">
+            <a:extLst>
+              <a:ext uri="{FF2B5EF4-FFF2-40B4-BE49-F238E27FC236}">
+                <a16:creationId xmlns:a16="http://schemas.microsoft.com/office/drawing/2014/main" id="{C9D7AFB0-9764-C046-94BF-B6C519853714}"/>
+              </a:ext>
+            </a:extLst>
+          </p:cNvPr>
+          <p:cNvPicPr>
+            <a:picLocks noChangeAspect="1"/>
+          </p:cNvPicPr>
+          <p:nvPr/>
+        </p:nvPicPr>
+        <p:blipFill>
+          <a:blip r:embed="rId4">
+            <a:extLst>
+              <a:ext uri="{28A0092B-C50C-407E-A947-70E740481C1C}">
+                <a14:useLocalDpi xmlns:a14="http://schemas.microsoft.com/office/drawing/2010/main" val="0"/>
+              </a:ext>
+            </a:extLst>
+          </a:blip>
+          <a:stretch>
+            <a:fillRect/>
+          </a:stretch>
+        </p:blipFill>
+        <p:spPr>
+          <a:xfrm>
+            <a:off x="2458697" y="4191290"/>
+            <a:ext cx="8336374" cy="1682930"/>
+          </a:xfrm>
+          <a:prstGeom prst="rect">
+            <a:avLst/>
+          </a:prstGeom>
+        </p:spPr>
+      </p:pic>
+      <p:sp>
+        <p:nvSpPr>
+          <p:cNvPr id="8" name="文本框 7">
+            <a:extLst>
+              <a:ext uri="{FF2B5EF4-FFF2-40B4-BE49-F238E27FC236}">
+                <a16:creationId xmlns:a16="http://schemas.microsoft.com/office/drawing/2014/main" id="{BA7AC00F-1822-1D4E-A1F4-D4BED9E5A62E}"/>
+              </a:ext>
+            </a:extLst>
+          </p:cNvPr>
+          <p:cNvSpPr txBox="1"/>
+          <p:nvPr/>
+        </p:nvSpPr>
+        <p:spPr>
+          <a:xfrm>
+            <a:off x="542624" y="4191290"/>
+            <a:ext cx="1708610" cy="461665"/>
+          </a:xfrm>
+          <a:prstGeom prst="rect">
+            <a:avLst/>
+          </a:prstGeom>
+          <a:noFill/>
+        </p:spPr>
+        <p:txBody>
+          <a:bodyPr wrap="square" rtlCol="0">
+            <a:spAutoFit/>
+          </a:bodyPr>
+          <a:lstStyle/>
+          <a:p>
+            <a:r>
+              <a:rPr kumimoji="1" lang="en-US" altLang="zh-CN" sz="2400" dirty="0">
+                <a:solidFill>
+                  <a:srgbClr val="00B0F0"/>
+                </a:solidFill>
+              </a:rPr>
+              <a:t>Code</a:t>
+            </a:r>
+            <a:endParaRPr kumimoji="1" lang="zh-CN" altLang="en-US" sz="2400" dirty="0">
+              <a:solidFill>
+                <a:srgbClr val="00B0F0"/>
+              </a:solidFill>
+            </a:endParaRPr>
           </a:p>
         </p:txBody>
       </p:sp>
@@ -8051,7 +9390,7 @@
     </p:custDataLst>
     <p:extLst>
       <p:ext uri="{BB962C8B-B14F-4D97-AF65-F5344CB8AC3E}">
-        <p14:creationId xmlns:p14="http://schemas.microsoft.com/office/powerpoint/2010/main" val="634231174"/>
+        <p14:creationId xmlns:p14="http://schemas.microsoft.com/office/powerpoint/2010/main" val="435689227"/>
       </p:ext>
     </p:extLst>
   </p:cSld>
@@ -8936,6 +10275,22 @@
 </p:tagLst>
 </file>
 
+<file path=ppt/tags/tag74.xml><?xml version="1.0" encoding="utf-8"?>
+<p:tagLst xmlns:a="http://schemas.openxmlformats.org/drawingml/2006/main" xmlns:r="http://schemas.openxmlformats.org/officeDocument/2006/relationships" xmlns:p="http://schemas.openxmlformats.org/presentationml/2006/main">
+  <p:tag name="KSO_WM_BEAUTIFY_FLAG" val="#wm#"/>
+  <p:tag name="KSO_WM_TEMPLATE_CATEGORY" val="custom"/>
+  <p:tag name="KSO_WM_TEMPLATE_INDEX" val="20187308"/>
+</p:tagLst>
+</file>
+
+<file path=ppt/tags/tag75.xml><?xml version="1.0" encoding="utf-8"?>
+<p:tagLst xmlns:a="http://schemas.openxmlformats.org/drawingml/2006/main" xmlns:r="http://schemas.openxmlformats.org/officeDocument/2006/relationships" xmlns:p="http://schemas.openxmlformats.org/presentationml/2006/main">
+  <p:tag name="KSO_WM_BEAUTIFY_FLAG" val="#wm#"/>
+  <p:tag name="KSO_WM_TEMPLATE_CATEGORY" val="custom"/>
+  <p:tag name="KSO_WM_TEMPLATE_INDEX" val="20187308"/>
+</p:tagLst>
+</file>
+
 <file path=ppt/tags/tag8.xml><?xml version="1.0" encoding="utf-8"?>
 <p:tagLst xmlns:a="http://schemas.openxmlformats.org/drawingml/2006/main" xmlns:r="http://schemas.openxmlformats.org/officeDocument/2006/relationships" xmlns:p="http://schemas.openxmlformats.org/presentationml/2006/main">
   <p:tag name="KSO_WM_UNIT_HIGHLIGHT" val="0"/>

--- a/slide-light.pptx
+++ b/slide-light.pptx
@@ -12,8 +12,8 @@
   </p:handoutMasterIdLst>
   <p:sldIdLst>
     <p:sldId id="256" r:id="rId2"/>
-    <p:sldId id="258" r:id="rId3"/>
-    <p:sldId id="269" r:id="rId4"/>
+    <p:sldId id="269" r:id="rId3"/>
+    <p:sldId id="258" r:id="rId4"/>
     <p:sldId id="260" r:id="rId5"/>
     <p:sldId id="264" r:id="rId6"/>
     <p:sldId id="261" r:id="rId7"/>
@@ -6896,7 +6896,7 @@
                   <a:schemeClr val="bg1"/>
                 </a:solidFill>
               </a:rPr>
-              <a:t>Content</a:t>
+              <a:t>Prelude</a:t>
             </a:r>
             <a:endParaRPr lang="zh-CN" altLang="en-US" dirty="0">
               <a:solidFill>
@@ -6921,7 +6921,7 @@
         <p:spPr>
           <a:xfrm>
             <a:off x="1828800" y="2105525"/>
-            <a:ext cx="7427742" cy="2246769"/>
+            <a:ext cx="7427742" cy="2215991"/>
           </a:xfrm>
           <a:prstGeom prst="rect">
             <a:avLst/>
@@ -6935,225 +6935,244 @@
           <a:lstStyle/>
           <a:p>
             <a:r>
-              <a:rPr kumimoji="1" lang="en-US" altLang="zh-CN" sz="2000" b="1" dirty="0">
-                <a:solidFill>
-                  <a:schemeClr val="accent6">
-                    <a:lumMod val="75000"/>
-                  </a:schemeClr>
-                </a:solidFill>
-              </a:rPr>
-              <a:t>Introduction</a:t>
-            </a:r>
-            <a:r>
-              <a:rPr kumimoji="1" lang="zh-CN" altLang="en-US" sz="2000" b="1" dirty="0">
-                <a:solidFill>
-                  <a:schemeClr val="accent6">
-                    <a:lumMod val="75000"/>
-                  </a:schemeClr>
-                </a:solidFill>
-              </a:rPr>
-              <a:t> </a:t>
-            </a:r>
-            <a:r>
-              <a:rPr kumimoji="1" lang="en-US" altLang="zh-CN" sz="2000" b="1" dirty="0">
-                <a:solidFill>
-                  <a:schemeClr val="accent6">
-                    <a:lumMod val="75000"/>
-                  </a:schemeClr>
-                </a:solidFill>
-              </a:rPr>
+              <a:rPr kumimoji="1" lang="en-US" altLang="zh-CN" sz="2000" dirty="0"/>
+              <a:t>Motivate</a:t>
+            </a:r>
+            <a:r>
+              <a:rPr kumimoji="1" lang="zh-CN" altLang="en-US" sz="2000" dirty="0"/>
+              <a:t>：</a:t>
+            </a:r>
+            <a:r>
+              <a:rPr kumimoji="1" lang="en-US" altLang="zh-CN" sz="2000" dirty="0"/>
+              <a:t>invent</a:t>
+            </a:r>
+            <a:r>
+              <a:rPr kumimoji="1" lang="zh-CN" altLang="en-US" sz="2000" dirty="0"/>
+              <a:t> </a:t>
+            </a:r>
+            <a:r>
+              <a:rPr kumimoji="1" lang="en-US" altLang="zh-CN" sz="2000" dirty="0"/>
+              <a:t>DSL</a:t>
+            </a:r>
+            <a:r>
+              <a:rPr kumimoji="1" lang="zh-CN" altLang="en-US" sz="2000" dirty="0"/>
+              <a:t> </a:t>
+            </a:r>
+            <a:r>
+              <a:rPr kumimoji="1" lang="en-US" altLang="zh-CN" sz="2000" dirty="0"/>
               <a:t>to</a:t>
             </a:r>
             <a:r>
-              <a:rPr kumimoji="1" lang="zh-CN" altLang="en-US" sz="2000" b="1" dirty="0">
-                <a:solidFill>
-                  <a:schemeClr val="accent6">
-                    <a:lumMod val="75000"/>
-                  </a:schemeClr>
-                </a:solidFill>
-              </a:rPr>
-              <a:t> </a:t>
-            </a:r>
-            <a:r>
-              <a:rPr kumimoji="1" lang="en-US" altLang="zh-CN" sz="2000" b="1" dirty="0">
-                <a:solidFill>
-                  <a:schemeClr val="accent6">
-                    <a:lumMod val="75000"/>
-                  </a:schemeClr>
-                </a:solidFill>
-              </a:rPr>
+              <a:rPr kumimoji="1" lang="zh-CN" altLang="en-US" sz="2000" dirty="0"/>
+              <a:t> </a:t>
+            </a:r>
+            <a:r>
+              <a:rPr kumimoji="1" lang="en-US" altLang="zh-CN" sz="2000" dirty="0"/>
+              <a:t>make</a:t>
+            </a:r>
+            <a:r>
+              <a:rPr kumimoji="1" lang="zh-CN" altLang="en-US" sz="2000" dirty="0"/>
+              <a:t> </a:t>
+            </a:r>
+            <a:r>
+              <a:rPr kumimoji="1" lang="en-US" altLang="zh-CN" sz="2000" dirty="0"/>
+              <a:t>life</a:t>
+            </a:r>
+            <a:r>
+              <a:rPr kumimoji="1" lang="zh-CN" altLang="en-US" sz="2000" dirty="0"/>
+              <a:t>  </a:t>
+            </a:r>
+            <a:r>
+              <a:rPr kumimoji="1" lang="en-US" altLang="zh-CN" sz="2000" dirty="0"/>
+              <a:t>and</a:t>
+            </a:r>
+            <a:r>
+              <a:rPr kumimoji="1" lang="zh-CN" altLang="en-US" sz="2000" dirty="0"/>
+              <a:t> </a:t>
+            </a:r>
+            <a:r>
+              <a:rPr kumimoji="1" lang="en-US" altLang="zh-CN" sz="2000" dirty="0"/>
+              <a:t>work</a:t>
+            </a:r>
+            <a:r>
+              <a:rPr kumimoji="1" lang="zh-CN" altLang="en-US" sz="2000" dirty="0"/>
+              <a:t> </a:t>
+            </a:r>
+            <a:r>
+              <a:rPr kumimoji="1" lang="en-US" altLang="zh-CN" sz="2000" dirty="0"/>
+              <a:t>convenient,</a:t>
+            </a:r>
+            <a:r>
+              <a:rPr kumimoji="1" lang="zh-CN" altLang="en-US" sz="2000" dirty="0"/>
+              <a:t> </a:t>
+            </a:r>
+            <a:r>
+              <a:rPr kumimoji="1" lang="en-US" altLang="zh-CN" sz="2000" dirty="0"/>
+              <a:t>curious</a:t>
+            </a:r>
+            <a:r>
+              <a:rPr kumimoji="1" lang="zh-CN" altLang="en-US" sz="2000" dirty="0"/>
+              <a:t> </a:t>
+            </a:r>
+            <a:r>
+              <a:rPr kumimoji="1" lang="en-US" altLang="zh-CN" sz="2000" dirty="0"/>
+              <a:t>to</a:t>
+            </a:r>
+            <a:r>
+              <a:rPr kumimoji="1" lang="zh-CN" altLang="en-US" sz="2000" dirty="0"/>
+              <a:t> </a:t>
+            </a:r>
+            <a:r>
+              <a:rPr kumimoji="1" lang="en-US" altLang="zh-CN" sz="2000" dirty="0"/>
+              <a:t>the</a:t>
+            </a:r>
+            <a:r>
+              <a:rPr kumimoji="1" lang="zh-CN" altLang="en-US" sz="2000" dirty="0"/>
+              <a:t> </a:t>
+            </a:r>
+            <a:r>
+              <a:rPr kumimoji="1" lang="en-US" altLang="zh-CN" sz="2000" dirty="0"/>
+              <a:t>implementation</a:t>
+            </a:r>
+            <a:r>
+              <a:rPr kumimoji="1" lang="zh-CN" altLang="en-US" sz="2000" dirty="0"/>
+              <a:t> </a:t>
+            </a:r>
+            <a:r>
+              <a:rPr kumimoji="1" lang="en-US" altLang="zh-CN" sz="2000" dirty="0"/>
+              <a:t>of</a:t>
+            </a:r>
+            <a:r>
+              <a:rPr kumimoji="1" lang="zh-CN" altLang="en-US" sz="2000" dirty="0"/>
+              <a:t> </a:t>
+            </a:r>
+            <a:r>
+              <a:rPr kumimoji="1" lang="en-US" altLang="zh-CN" sz="2000" dirty="0"/>
+              <a:t>computer</a:t>
+            </a:r>
+            <a:r>
+              <a:rPr kumimoji="1" lang="zh-CN" altLang="en-US" sz="2000" dirty="0"/>
+              <a:t> </a:t>
+            </a:r>
+            <a:r>
+              <a:rPr kumimoji="1" lang="en-US" altLang="zh-CN" sz="2000" dirty="0"/>
+              <a:t>languages.</a:t>
+            </a:r>
+            <a:r>
+              <a:rPr kumimoji="1" lang="zh-CN" altLang="en-US" sz="2000" dirty="0"/>
+              <a:t> </a:t>
+            </a:r>
+            <a:r>
+              <a:rPr kumimoji="1" lang="en-US" altLang="zh-CN" sz="2000" dirty="0"/>
               <a:t>PEG</a:t>
             </a:r>
-          </a:p>
-          <a:p>
-            <a:endParaRPr kumimoji="1" lang="en-US" altLang="zh-CN" sz="2000" b="1" dirty="0">
-              <a:solidFill>
-                <a:schemeClr val="accent6">
-                  <a:lumMod val="75000"/>
-                </a:schemeClr>
-              </a:solidFill>
-            </a:endParaRPr>
-          </a:p>
-          <a:p>
-            <a:r>
-              <a:rPr kumimoji="1" lang="en-US" altLang="zh-CN" sz="2000" b="1" dirty="0">
-                <a:solidFill>
-                  <a:schemeClr val="accent6">
-                    <a:lumMod val="75000"/>
-                  </a:schemeClr>
-                </a:solidFill>
-              </a:rPr>
-              <a:t>Implement</a:t>
-            </a:r>
-            <a:r>
-              <a:rPr kumimoji="1" lang="zh-CN" altLang="en-US" sz="2000" b="1" dirty="0">
-                <a:solidFill>
-                  <a:schemeClr val="accent6">
-                    <a:lumMod val="75000"/>
-                  </a:schemeClr>
-                </a:solidFill>
-              </a:rPr>
-              <a:t> </a:t>
-            </a:r>
-            <a:r>
-              <a:rPr kumimoji="1" lang="en-US" altLang="zh-CN" sz="2000" b="1" dirty="0">
-                <a:solidFill>
-                  <a:schemeClr val="accent6">
-                    <a:lumMod val="75000"/>
-                  </a:schemeClr>
-                </a:solidFill>
-              </a:rPr>
-              <a:t>PEG</a:t>
-            </a:r>
-            <a:r>
-              <a:rPr kumimoji="1" lang="zh-CN" altLang="en-US" sz="2000" b="1" dirty="0">
-                <a:solidFill>
-                  <a:schemeClr val="accent6">
-                    <a:lumMod val="75000"/>
-                  </a:schemeClr>
-                </a:solidFill>
-              </a:rPr>
-              <a:t> </a:t>
-            </a:r>
-            <a:r>
-              <a:rPr kumimoji="1" lang="en-US" altLang="zh-CN" sz="2000" b="1" dirty="0">
-                <a:solidFill>
-                  <a:schemeClr val="accent6">
-                    <a:lumMod val="75000"/>
-                  </a:schemeClr>
-                </a:solidFill>
-              </a:rPr>
-              <a:t>by</a:t>
-            </a:r>
-            <a:r>
-              <a:rPr kumimoji="1" lang="zh-CN" altLang="en-US" sz="2000" b="1" dirty="0">
-                <a:solidFill>
-                  <a:schemeClr val="accent6">
-                    <a:lumMod val="75000"/>
-                  </a:schemeClr>
-                </a:solidFill>
-              </a:rPr>
-              <a:t> </a:t>
-            </a:r>
-            <a:r>
-              <a:rPr kumimoji="1" lang="en-US" altLang="zh-CN" sz="2000" b="1" dirty="0" err="1">
-                <a:solidFill>
-                  <a:schemeClr val="accent6">
-                    <a:lumMod val="75000"/>
-                  </a:schemeClr>
-                </a:solidFill>
-              </a:rPr>
+            <a:r>
+              <a:rPr kumimoji="1" lang="zh-CN" altLang="en-US" sz="2000" dirty="0"/>
+              <a:t> </a:t>
+            </a:r>
+            <a:r>
+              <a:rPr kumimoji="1" lang="en-US" altLang="zh-CN" sz="2000" dirty="0"/>
+              <a:t>is</a:t>
+            </a:r>
+            <a:r>
+              <a:rPr kumimoji="1" lang="zh-CN" altLang="en-US" sz="2000" dirty="0"/>
+              <a:t> </a:t>
+            </a:r>
+            <a:r>
+              <a:rPr kumimoji="1" lang="en-US" altLang="zh-CN" sz="2000" dirty="0"/>
+              <a:t>more</a:t>
+            </a:r>
+            <a:r>
+              <a:rPr kumimoji="1" lang="zh-CN" altLang="en-US" sz="2000" dirty="0"/>
+              <a:t> </a:t>
+            </a:r>
+            <a:r>
+              <a:rPr kumimoji="1" lang="en-US" altLang="zh-CN" sz="2000" dirty="0"/>
+              <a:t>easy</a:t>
+            </a:r>
+            <a:r>
+              <a:rPr kumimoji="1" lang="zh-CN" altLang="en-US" sz="2000" dirty="0"/>
+              <a:t> </a:t>
+            </a:r>
+            <a:r>
+              <a:rPr kumimoji="1" lang="en-US" altLang="zh-CN" sz="2000" dirty="0"/>
+              <a:t>to</a:t>
+            </a:r>
+            <a:r>
+              <a:rPr kumimoji="1" lang="zh-CN" altLang="en-US" sz="2000" dirty="0"/>
+              <a:t> </a:t>
+            </a:r>
+            <a:r>
+              <a:rPr kumimoji="1" lang="en-US" altLang="zh-CN" sz="2000" dirty="0"/>
+              <a:t>understand</a:t>
+            </a:r>
+            <a:r>
+              <a:rPr kumimoji="1" lang="zh-CN" altLang="en-US" sz="2000" dirty="0"/>
+              <a:t> </a:t>
+            </a:r>
+            <a:r>
+              <a:rPr kumimoji="1" lang="en-US" altLang="zh-CN" sz="2000" dirty="0"/>
+              <a:t>and</a:t>
+            </a:r>
+            <a:r>
+              <a:rPr kumimoji="1" lang="zh-CN" altLang="en-US" sz="2000" dirty="0"/>
+              <a:t> </a:t>
+            </a:r>
+            <a:r>
+              <a:rPr kumimoji="1" lang="en-US" altLang="zh-CN" sz="2000" dirty="0"/>
+              <a:t>applied</a:t>
+            </a:r>
+            <a:r>
+              <a:rPr kumimoji="1" lang="zh-CN" altLang="en-US" sz="2000" dirty="0"/>
+              <a:t> </a:t>
+            </a:r>
+            <a:r>
+              <a:rPr kumimoji="1" lang="en-US" altLang="zh-CN" sz="2000" dirty="0"/>
+              <a:t>to</a:t>
+            </a:r>
+            <a:r>
+              <a:rPr kumimoji="1" lang="zh-CN" altLang="en-US" sz="2000" dirty="0"/>
+              <a:t> </a:t>
+            </a:r>
+            <a:r>
+              <a:rPr kumimoji="1" lang="en-US" altLang="zh-CN" sz="2000" dirty="0"/>
+              <a:t>develop</a:t>
+            </a:r>
+            <a:r>
+              <a:rPr kumimoji="1" lang="zh-CN" altLang="en-US" sz="2000" dirty="0"/>
+              <a:t> </a:t>
+            </a:r>
+            <a:r>
+              <a:rPr kumimoji="1" lang="en-US" altLang="zh-CN" sz="2000" dirty="0"/>
+              <a:t>DSL</a:t>
+            </a:r>
+          </a:p>
+          <a:p>
+            <a:endParaRPr kumimoji="1" lang="en-US" altLang="zh-CN" sz="2000" dirty="0"/>
+          </a:p>
+          <a:p>
+            <a:endParaRPr kumimoji="1" lang="en-US" altLang="zh-CN" sz="2000" dirty="0"/>
+          </a:p>
+          <a:p>
+            <a:r>
+              <a:rPr kumimoji="1" lang="en-US" altLang="zh-CN" sz="2000" dirty="0"/>
+              <a:t>Tools</a:t>
+            </a:r>
+            <a:r>
+              <a:rPr kumimoji="1" lang="zh-CN" altLang="en-US" sz="2000" dirty="0"/>
+              <a:t>：</a:t>
+            </a:r>
+            <a:r>
+              <a:rPr kumimoji="1" lang="en-US" altLang="zh-CN" sz="2000" dirty="0" err="1"/>
               <a:t>pyparsing</a:t>
             </a:r>
-            <a:endParaRPr kumimoji="1" lang="en-US" altLang="zh-CN" sz="2000" b="1" dirty="0">
-              <a:solidFill>
-                <a:schemeClr val="accent6">
-                  <a:lumMod val="75000"/>
-                </a:schemeClr>
-              </a:solidFill>
-            </a:endParaRPr>
-          </a:p>
-          <a:p>
-            <a:endParaRPr kumimoji="1" lang="en-US" altLang="zh-CN" sz="2000" b="1" dirty="0">
-              <a:solidFill>
-                <a:schemeClr val="accent6">
-                  <a:lumMod val="75000"/>
-                </a:schemeClr>
-              </a:solidFill>
-            </a:endParaRPr>
-          </a:p>
-          <a:p>
-            <a:r>
-              <a:rPr kumimoji="1" lang="en-US" altLang="zh-CN" sz="2000" b="1" dirty="0">
-                <a:solidFill>
-                  <a:schemeClr val="accent6">
-                    <a:lumMod val="75000"/>
-                  </a:schemeClr>
-                </a:solidFill>
-              </a:rPr>
-              <a:t>DIY</a:t>
-            </a:r>
-          </a:p>
-          <a:p>
-            <a:endParaRPr kumimoji="1" lang="en-US" altLang="zh-CN" sz="2000" b="1" dirty="0">
-              <a:solidFill>
-                <a:schemeClr val="accent6">
-                  <a:lumMod val="75000"/>
-                </a:schemeClr>
-              </a:solidFill>
-            </a:endParaRPr>
-          </a:p>
-          <a:p>
-            <a:r>
-              <a:rPr kumimoji="1" lang="en-US" altLang="zh-CN" sz="2000" b="1" dirty="0">
-                <a:solidFill>
-                  <a:schemeClr val="accent6">
-                    <a:lumMod val="75000"/>
-                  </a:schemeClr>
-                </a:solidFill>
-              </a:rPr>
-              <a:t>Show</a:t>
-            </a:r>
-            <a:r>
-              <a:rPr kumimoji="1" lang="zh-CN" altLang="en-US" sz="2000" b="1" dirty="0">
-                <a:solidFill>
-                  <a:schemeClr val="accent6">
-                    <a:lumMod val="75000"/>
-                  </a:schemeClr>
-                </a:solidFill>
-              </a:rPr>
-              <a:t> </a:t>
-            </a:r>
-            <a:r>
-              <a:rPr kumimoji="1" lang="en-US" altLang="zh-CN" sz="2000" b="1" dirty="0">
-                <a:solidFill>
-                  <a:schemeClr val="accent6">
-                    <a:lumMod val="75000"/>
-                  </a:schemeClr>
-                </a:solidFill>
-              </a:rPr>
-              <a:t>my</a:t>
-            </a:r>
-            <a:r>
-              <a:rPr kumimoji="1" lang="zh-CN" altLang="en-US" sz="2000" b="1" dirty="0">
-                <a:solidFill>
-                  <a:schemeClr val="accent6">
-                    <a:lumMod val="75000"/>
-                  </a:schemeClr>
-                </a:solidFill>
-              </a:rPr>
-              <a:t> </a:t>
-            </a:r>
-            <a:r>
-              <a:rPr kumimoji="1" lang="en-US" altLang="zh-CN" sz="2000" b="1" dirty="0">
-                <a:solidFill>
-                  <a:schemeClr val="accent6">
-                    <a:lumMod val="75000"/>
-                  </a:schemeClr>
-                </a:solidFill>
-              </a:rPr>
-              <a:t>works</a:t>
-            </a:r>
+            <a:r>
+              <a:rPr kumimoji="1" lang="en-US" altLang="zh-CN" sz="2000" dirty="0"/>
+              <a:t>/Python</a:t>
+            </a:r>
+          </a:p>
+          <a:p>
+            <a:endParaRPr kumimoji="1" lang="en-US" altLang="zh-CN" dirty="0"/>
           </a:p>
         </p:txBody>
       </p:sp>
@@ -7161,6 +7180,11 @@
     <p:custDataLst>
       <p:tags r:id="rId1"/>
     </p:custDataLst>
+    <p:extLst>
+      <p:ext uri="{BB962C8B-B14F-4D97-AF65-F5344CB8AC3E}">
+        <p14:creationId xmlns:p14="http://schemas.microsoft.com/office/powerpoint/2010/main" val="356486293"/>
+      </p:ext>
+    </p:extLst>
   </p:cSld>
   <p:clrMapOvr>
     <a:masterClrMapping/>
@@ -7211,7 +7235,7 @@
                   <a:schemeClr val="bg1"/>
                 </a:solidFill>
               </a:rPr>
-              <a:t>Introduction</a:t>
+              <a:t>Content</a:t>
             </a:r>
             <a:endParaRPr lang="zh-CN" altLang="en-US" dirty="0">
               <a:solidFill>
@@ -7236,7 +7260,7 @@
         <p:spPr>
           <a:xfrm>
             <a:off x="1828800" y="2105525"/>
-            <a:ext cx="7427742" cy="2215991"/>
+            <a:ext cx="7427742" cy="2246769"/>
           </a:xfrm>
           <a:prstGeom prst="rect">
             <a:avLst/>
@@ -7250,244 +7274,225 @@
           <a:lstStyle/>
           <a:p>
             <a:r>
-              <a:rPr kumimoji="1" lang="en-US" altLang="zh-CN" sz="2000" dirty="0"/>
-              <a:t>Motivate</a:t>
-            </a:r>
-            <a:r>
-              <a:rPr kumimoji="1" lang="zh-CN" altLang="en-US" sz="2000" dirty="0"/>
-              <a:t>：</a:t>
-            </a:r>
-            <a:r>
-              <a:rPr kumimoji="1" lang="en-US" altLang="zh-CN" sz="2000" dirty="0"/>
-              <a:t>invent</a:t>
-            </a:r>
-            <a:r>
-              <a:rPr kumimoji="1" lang="zh-CN" altLang="en-US" sz="2000" dirty="0"/>
-              <a:t> </a:t>
-            </a:r>
-            <a:r>
-              <a:rPr kumimoji="1" lang="en-US" altLang="zh-CN" sz="2000" dirty="0"/>
-              <a:t>DSL</a:t>
-            </a:r>
-            <a:r>
-              <a:rPr kumimoji="1" lang="zh-CN" altLang="en-US" sz="2000" dirty="0"/>
-              <a:t> </a:t>
-            </a:r>
-            <a:r>
-              <a:rPr kumimoji="1" lang="en-US" altLang="zh-CN" sz="2000" dirty="0"/>
+              <a:rPr kumimoji="1" lang="en-US" altLang="zh-CN" sz="2000" b="1" dirty="0">
+                <a:solidFill>
+                  <a:schemeClr val="accent6">
+                    <a:lumMod val="75000"/>
+                  </a:schemeClr>
+                </a:solidFill>
+              </a:rPr>
+              <a:t>Introduction</a:t>
+            </a:r>
+            <a:r>
+              <a:rPr kumimoji="1" lang="zh-CN" altLang="en-US" sz="2000" b="1" dirty="0">
+                <a:solidFill>
+                  <a:schemeClr val="accent6">
+                    <a:lumMod val="75000"/>
+                  </a:schemeClr>
+                </a:solidFill>
+              </a:rPr>
+              <a:t> </a:t>
+            </a:r>
+            <a:r>
+              <a:rPr kumimoji="1" lang="en-US" altLang="zh-CN" sz="2000" b="1" dirty="0">
+                <a:solidFill>
+                  <a:schemeClr val="accent6">
+                    <a:lumMod val="75000"/>
+                  </a:schemeClr>
+                </a:solidFill>
+              </a:rPr>
               <a:t>to</a:t>
             </a:r>
             <a:r>
-              <a:rPr kumimoji="1" lang="zh-CN" altLang="en-US" sz="2000" dirty="0"/>
-              <a:t> </a:t>
-            </a:r>
-            <a:r>
-              <a:rPr kumimoji="1" lang="en-US" altLang="zh-CN" sz="2000" dirty="0"/>
-              <a:t>make</a:t>
-            </a:r>
-            <a:r>
-              <a:rPr kumimoji="1" lang="zh-CN" altLang="en-US" sz="2000" dirty="0"/>
-              <a:t> </a:t>
-            </a:r>
-            <a:r>
-              <a:rPr kumimoji="1" lang="en-US" altLang="zh-CN" sz="2000" dirty="0"/>
-              <a:t>life</a:t>
-            </a:r>
-            <a:r>
-              <a:rPr kumimoji="1" lang="zh-CN" altLang="en-US" sz="2000" dirty="0"/>
-              <a:t>  </a:t>
-            </a:r>
-            <a:r>
-              <a:rPr kumimoji="1" lang="en-US" altLang="zh-CN" sz="2000" dirty="0"/>
-              <a:t>and</a:t>
-            </a:r>
-            <a:r>
-              <a:rPr kumimoji="1" lang="zh-CN" altLang="en-US" sz="2000" dirty="0"/>
-              <a:t> </a:t>
-            </a:r>
-            <a:r>
-              <a:rPr kumimoji="1" lang="en-US" altLang="zh-CN" sz="2000" dirty="0"/>
-              <a:t>work</a:t>
-            </a:r>
-            <a:r>
-              <a:rPr kumimoji="1" lang="zh-CN" altLang="en-US" sz="2000" dirty="0"/>
-              <a:t> </a:t>
-            </a:r>
-            <a:r>
-              <a:rPr kumimoji="1" lang="en-US" altLang="zh-CN" sz="2000" dirty="0"/>
-              <a:t>convenient,</a:t>
-            </a:r>
-            <a:r>
-              <a:rPr kumimoji="1" lang="zh-CN" altLang="en-US" sz="2000" dirty="0"/>
-              <a:t> </a:t>
-            </a:r>
-            <a:r>
-              <a:rPr kumimoji="1" lang="en-US" altLang="zh-CN" sz="2000" dirty="0"/>
-              <a:t>curious</a:t>
-            </a:r>
-            <a:r>
-              <a:rPr kumimoji="1" lang="zh-CN" altLang="en-US" sz="2000" dirty="0"/>
-              <a:t> </a:t>
-            </a:r>
-            <a:r>
-              <a:rPr kumimoji="1" lang="en-US" altLang="zh-CN" sz="2000" dirty="0"/>
-              <a:t>to</a:t>
-            </a:r>
-            <a:r>
-              <a:rPr kumimoji="1" lang="zh-CN" altLang="en-US" sz="2000" dirty="0"/>
-              <a:t> </a:t>
-            </a:r>
-            <a:r>
-              <a:rPr kumimoji="1" lang="en-US" altLang="zh-CN" sz="2000" dirty="0"/>
-              <a:t>the</a:t>
-            </a:r>
-            <a:r>
-              <a:rPr kumimoji="1" lang="zh-CN" altLang="en-US" sz="2000" dirty="0"/>
-              <a:t> </a:t>
-            </a:r>
-            <a:r>
-              <a:rPr kumimoji="1" lang="en-US" altLang="zh-CN" sz="2000" dirty="0"/>
-              <a:t>implementation</a:t>
-            </a:r>
-            <a:r>
-              <a:rPr kumimoji="1" lang="zh-CN" altLang="en-US" sz="2000" dirty="0"/>
-              <a:t> </a:t>
-            </a:r>
-            <a:r>
-              <a:rPr kumimoji="1" lang="en-US" altLang="zh-CN" sz="2000" dirty="0"/>
-              <a:t>of</a:t>
-            </a:r>
-            <a:r>
-              <a:rPr kumimoji="1" lang="zh-CN" altLang="en-US" sz="2000" dirty="0"/>
-              <a:t> </a:t>
-            </a:r>
-            <a:r>
-              <a:rPr kumimoji="1" lang="en-US" altLang="zh-CN" sz="2000" dirty="0"/>
-              <a:t>computer</a:t>
-            </a:r>
-            <a:r>
-              <a:rPr kumimoji="1" lang="zh-CN" altLang="en-US" sz="2000" dirty="0"/>
-              <a:t> </a:t>
-            </a:r>
-            <a:r>
-              <a:rPr kumimoji="1" lang="en-US" altLang="zh-CN" sz="2000" dirty="0"/>
-              <a:t>languages.</a:t>
-            </a:r>
-            <a:r>
-              <a:rPr kumimoji="1" lang="zh-CN" altLang="en-US" sz="2000" dirty="0"/>
-              <a:t> </a:t>
-            </a:r>
-            <a:r>
-              <a:rPr kumimoji="1" lang="en-US" altLang="zh-CN" sz="2000" dirty="0"/>
+              <a:rPr kumimoji="1" lang="zh-CN" altLang="en-US" sz="2000" b="1" dirty="0">
+                <a:solidFill>
+                  <a:schemeClr val="accent6">
+                    <a:lumMod val="75000"/>
+                  </a:schemeClr>
+                </a:solidFill>
+              </a:rPr>
+              <a:t> </a:t>
+            </a:r>
+            <a:r>
+              <a:rPr kumimoji="1" lang="en-US" altLang="zh-CN" sz="2000" b="1" dirty="0">
+                <a:solidFill>
+                  <a:schemeClr val="accent6">
+                    <a:lumMod val="75000"/>
+                  </a:schemeClr>
+                </a:solidFill>
+              </a:rPr>
               <a:t>PEG</a:t>
             </a:r>
-            <a:r>
-              <a:rPr kumimoji="1" lang="zh-CN" altLang="en-US" sz="2000" dirty="0"/>
-              <a:t> </a:t>
-            </a:r>
-            <a:r>
-              <a:rPr kumimoji="1" lang="en-US" altLang="zh-CN" sz="2000" dirty="0"/>
-              <a:t>is</a:t>
-            </a:r>
-            <a:r>
-              <a:rPr kumimoji="1" lang="zh-CN" altLang="en-US" sz="2000" dirty="0"/>
-              <a:t> </a:t>
-            </a:r>
-            <a:r>
-              <a:rPr kumimoji="1" lang="en-US" altLang="zh-CN" sz="2000" dirty="0"/>
-              <a:t>more</a:t>
-            </a:r>
-            <a:r>
-              <a:rPr kumimoji="1" lang="zh-CN" altLang="en-US" sz="2000" dirty="0"/>
-              <a:t> </a:t>
-            </a:r>
-            <a:r>
-              <a:rPr kumimoji="1" lang="en-US" altLang="zh-CN" sz="2000" dirty="0"/>
-              <a:t>easy</a:t>
-            </a:r>
-            <a:r>
-              <a:rPr kumimoji="1" lang="zh-CN" altLang="en-US" sz="2000" dirty="0"/>
-              <a:t> </a:t>
-            </a:r>
-            <a:r>
-              <a:rPr kumimoji="1" lang="en-US" altLang="zh-CN" sz="2000" dirty="0"/>
-              <a:t>to</a:t>
-            </a:r>
-            <a:r>
-              <a:rPr kumimoji="1" lang="zh-CN" altLang="en-US" sz="2000" dirty="0"/>
-              <a:t> </a:t>
-            </a:r>
-            <a:r>
-              <a:rPr kumimoji="1" lang="en-US" altLang="zh-CN" sz="2000" dirty="0"/>
-              <a:t>understand</a:t>
-            </a:r>
-            <a:r>
-              <a:rPr kumimoji="1" lang="zh-CN" altLang="en-US" sz="2000" dirty="0"/>
-              <a:t> </a:t>
-            </a:r>
-            <a:r>
-              <a:rPr kumimoji="1" lang="en-US" altLang="zh-CN" sz="2000" dirty="0"/>
-              <a:t>and</a:t>
-            </a:r>
-            <a:r>
-              <a:rPr kumimoji="1" lang="zh-CN" altLang="en-US" sz="2000" dirty="0"/>
-              <a:t> </a:t>
-            </a:r>
-            <a:r>
-              <a:rPr kumimoji="1" lang="en-US" altLang="zh-CN" sz="2000" dirty="0"/>
-              <a:t>applied</a:t>
-            </a:r>
-            <a:r>
-              <a:rPr kumimoji="1" lang="zh-CN" altLang="en-US" sz="2000" dirty="0"/>
-              <a:t> </a:t>
-            </a:r>
-            <a:r>
-              <a:rPr kumimoji="1" lang="en-US" altLang="zh-CN" sz="2000" dirty="0"/>
-              <a:t>to</a:t>
-            </a:r>
-            <a:r>
-              <a:rPr kumimoji="1" lang="zh-CN" altLang="en-US" sz="2000" dirty="0"/>
-              <a:t> </a:t>
-            </a:r>
-            <a:r>
-              <a:rPr kumimoji="1" lang="en-US" altLang="zh-CN" sz="2000" dirty="0"/>
-              <a:t>develop</a:t>
-            </a:r>
-            <a:r>
-              <a:rPr kumimoji="1" lang="zh-CN" altLang="en-US" sz="2000" dirty="0"/>
-              <a:t> </a:t>
-            </a:r>
-            <a:r>
-              <a:rPr kumimoji="1" lang="en-US" altLang="zh-CN" sz="2000" dirty="0"/>
-              <a:t>DSL</a:t>
-            </a:r>
-          </a:p>
-          <a:p>
-            <a:endParaRPr kumimoji="1" lang="en-US" altLang="zh-CN" sz="2000" dirty="0"/>
-          </a:p>
-          <a:p>
-            <a:endParaRPr kumimoji="1" lang="en-US" altLang="zh-CN" sz="2000" dirty="0"/>
-          </a:p>
-          <a:p>
-            <a:r>
-              <a:rPr kumimoji="1" lang="en-US" altLang="zh-CN" sz="2000" dirty="0"/>
-              <a:t>Tools</a:t>
-            </a:r>
-            <a:r>
-              <a:rPr kumimoji="1" lang="zh-CN" altLang="en-US" sz="2000" dirty="0"/>
-              <a:t>：</a:t>
-            </a:r>
-            <a:r>
-              <a:rPr kumimoji="1" lang="en-US" altLang="zh-CN" sz="2000" dirty="0" err="1"/>
+          </a:p>
+          <a:p>
+            <a:endParaRPr kumimoji="1" lang="en-US" altLang="zh-CN" sz="2000" b="1" dirty="0">
+              <a:solidFill>
+                <a:schemeClr val="accent6">
+                  <a:lumMod val="75000"/>
+                </a:schemeClr>
+              </a:solidFill>
+            </a:endParaRPr>
+          </a:p>
+          <a:p>
+            <a:r>
+              <a:rPr kumimoji="1" lang="en-US" altLang="zh-CN" sz="2000" b="1" dirty="0">
+                <a:solidFill>
+                  <a:schemeClr val="accent6">
+                    <a:lumMod val="75000"/>
+                  </a:schemeClr>
+                </a:solidFill>
+              </a:rPr>
+              <a:t>Implement</a:t>
+            </a:r>
+            <a:r>
+              <a:rPr kumimoji="1" lang="zh-CN" altLang="en-US" sz="2000" b="1" dirty="0">
+                <a:solidFill>
+                  <a:schemeClr val="accent6">
+                    <a:lumMod val="75000"/>
+                  </a:schemeClr>
+                </a:solidFill>
+              </a:rPr>
+              <a:t> </a:t>
+            </a:r>
+            <a:r>
+              <a:rPr kumimoji="1" lang="en-US" altLang="zh-CN" sz="2000" b="1" dirty="0">
+                <a:solidFill>
+                  <a:schemeClr val="accent6">
+                    <a:lumMod val="75000"/>
+                  </a:schemeClr>
+                </a:solidFill>
+              </a:rPr>
+              <a:t>PEG</a:t>
+            </a:r>
+            <a:r>
+              <a:rPr kumimoji="1" lang="zh-CN" altLang="en-US" sz="2000" b="1" dirty="0">
+                <a:solidFill>
+                  <a:schemeClr val="accent6">
+                    <a:lumMod val="75000"/>
+                  </a:schemeClr>
+                </a:solidFill>
+              </a:rPr>
+              <a:t> </a:t>
+            </a:r>
+            <a:r>
+              <a:rPr kumimoji="1" lang="en-US" altLang="zh-CN" sz="2000" b="1" dirty="0">
+                <a:solidFill>
+                  <a:schemeClr val="accent6">
+                    <a:lumMod val="75000"/>
+                  </a:schemeClr>
+                </a:solidFill>
+              </a:rPr>
+              <a:t>by</a:t>
+            </a:r>
+            <a:r>
+              <a:rPr kumimoji="1" lang="zh-CN" altLang="en-US" sz="2000" b="1" dirty="0">
+                <a:solidFill>
+                  <a:schemeClr val="accent6">
+                    <a:lumMod val="75000"/>
+                  </a:schemeClr>
+                </a:solidFill>
+              </a:rPr>
+              <a:t> </a:t>
+            </a:r>
+            <a:r>
+              <a:rPr kumimoji="1" lang="en-US" altLang="zh-CN" sz="2000" b="1" dirty="0" err="1">
+                <a:solidFill>
+                  <a:schemeClr val="accent6">
+                    <a:lumMod val="75000"/>
+                  </a:schemeClr>
+                </a:solidFill>
+              </a:rPr>
               <a:t>pyparsing</a:t>
             </a:r>
-            <a:r>
-              <a:rPr kumimoji="1" lang="en-US" altLang="zh-CN" sz="2000" dirty="0"/>
-              <a:t>/Python</a:t>
-            </a:r>
-          </a:p>
-          <a:p>
-            <a:endParaRPr kumimoji="1" lang="en-US" altLang="zh-CN" dirty="0"/>
+            <a:endParaRPr kumimoji="1" lang="en-US" altLang="zh-CN" sz="2000" b="1" dirty="0">
+              <a:solidFill>
+                <a:schemeClr val="accent6">
+                  <a:lumMod val="75000"/>
+                </a:schemeClr>
+              </a:solidFill>
+            </a:endParaRPr>
+          </a:p>
+          <a:p>
+            <a:endParaRPr kumimoji="1" lang="en-US" altLang="zh-CN" sz="2000" b="1" dirty="0">
+              <a:solidFill>
+                <a:schemeClr val="accent6">
+                  <a:lumMod val="75000"/>
+                </a:schemeClr>
+              </a:solidFill>
+            </a:endParaRPr>
+          </a:p>
+          <a:p>
+            <a:r>
+              <a:rPr kumimoji="1" lang="en-US" altLang="zh-CN" sz="2000" b="1" dirty="0">
+                <a:solidFill>
+                  <a:schemeClr val="accent6">
+                    <a:lumMod val="75000"/>
+                  </a:schemeClr>
+                </a:solidFill>
+              </a:rPr>
+              <a:t>DIY</a:t>
+            </a:r>
+          </a:p>
+          <a:p>
+            <a:endParaRPr kumimoji="1" lang="en-US" altLang="zh-CN" sz="2000" b="1" dirty="0">
+              <a:solidFill>
+                <a:schemeClr val="accent6">
+                  <a:lumMod val="75000"/>
+                </a:schemeClr>
+              </a:solidFill>
+            </a:endParaRPr>
+          </a:p>
+          <a:p>
+            <a:r>
+              <a:rPr kumimoji="1" lang="en-US" altLang="zh-CN" sz="2000" b="1" dirty="0">
+                <a:solidFill>
+                  <a:schemeClr val="accent6">
+                    <a:lumMod val="75000"/>
+                  </a:schemeClr>
+                </a:solidFill>
+              </a:rPr>
+              <a:t>Show</a:t>
+            </a:r>
+            <a:r>
+              <a:rPr kumimoji="1" lang="zh-CN" altLang="en-US" sz="2000" b="1" dirty="0">
+                <a:solidFill>
+                  <a:schemeClr val="accent6">
+                    <a:lumMod val="75000"/>
+                  </a:schemeClr>
+                </a:solidFill>
+              </a:rPr>
+              <a:t> </a:t>
+            </a:r>
+            <a:r>
+              <a:rPr kumimoji="1" lang="en-US" altLang="zh-CN" sz="2000" b="1" dirty="0">
+                <a:solidFill>
+                  <a:schemeClr val="accent6">
+                    <a:lumMod val="75000"/>
+                  </a:schemeClr>
+                </a:solidFill>
+              </a:rPr>
+              <a:t>my</a:t>
+            </a:r>
+            <a:r>
+              <a:rPr kumimoji="1" lang="zh-CN" altLang="en-US" sz="2000" b="1" dirty="0">
+                <a:solidFill>
+                  <a:schemeClr val="accent6">
+                    <a:lumMod val="75000"/>
+                  </a:schemeClr>
+                </a:solidFill>
+              </a:rPr>
+              <a:t> </a:t>
+            </a:r>
+            <a:r>
+              <a:rPr kumimoji="1" lang="en-US" altLang="zh-CN" sz="2000" b="1" dirty="0">
+                <a:solidFill>
+                  <a:schemeClr val="accent6">
+                    <a:lumMod val="75000"/>
+                  </a:schemeClr>
+                </a:solidFill>
+              </a:rPr>
+              <a:t>works</a:t>
+            </a:r>
           </a:p>
         </p:txBody>
       </p:sp>
@@ -7495,11 +7500,6 @@
     <p:custDataLst>
       <p:tags r:id="rId1"/>
     </p:custDataLst>
-    <p:extLst>
-      <p:ext uri="{BB962C8B-B14F-4D97-AF65-F5344CB8AC3E}">
-        <p14:creationId xmlns:p14="http://schemas.microsoft.com/office/powerpoint/2010/main" val="356486293"/>
-      </p:ext>
-    </p:extLst>
   </p:cSld>
   <p:clrMapOvr>
     <a:masterClrMapping/>

--- a/slide-light.pptx
+++ b/slide-light.pptx
@@ -8171,7 +8171,7 @@
         </p:blipFill>
         <p:spPr>
           <a:xfrm>
-            <a:off x="2902889" y="1755758"/>
+            <a:off x="2902889" y="1616697"/>
             <a:ext cx="5977148" cy="3935516"/>
           </a:xfrm>
           <a:prstGeom prst="rect">
@@ -8179,6 +8179,334 @@
           </a:prstGeom>
         </p:spPr>
       </p:pic>
+      <p:sp>
+        <p:nvSpPr>
+          <p:cNvPr id="5" name="文本框 4">
+            <a:extLst>
+              <a:ext uri="{FF2B5EF4-FFF2-40B4-BE49-F238E27FC236}">
+                <a16:creationId xmlns:a16="http://schemas.microsoft.com/office/drawing/2014/main" id="{675A700D-3FBD-8847-B873-C3A515FA0A2F}"/>
+              </a:ext>
+            </a:extLst>
+          </p:cNvPr>
+          <p:cNvSpPr txBox="1"/>
+          <p:nvPr/>
+        </p:nvSpPr>
+        <p:spPr>
+          <a:xfrm>
+            <a:off x="2583657" y="5697889"/>
+            <a:ext cx="6126795" cy="707886"/>
+          </a:xfrm>
+          <a:prstGeom prst="rect">
+            <a:avLst/>
+          </a:prstGeom>
+          <a:noFill/>
+        </p:spPr>
+        <p:txBody>
+          <a:bodyPr wrap="square" rtlCol="0">
+            <a:spAutoFit/>
+          </a:bodyPr>
+          <a:lstStyle/>
+          <a:p>
+            <a:r>
+              <a:rPr kumimoji="1" lang="en-US" altLang="zh-CN" sz="2000" dirty="0">
+                <a:solidFill>
+                  <a:schemeClr val="tx1">
+                    <a:lumMod val="50000"/>
+                    <a:lumOff val="50000"/>
+                  </a:schemeClr>
+                </a:solidFill>
+              </a:rPr>
+              <a:t>Comment:</a:t>
+            </a:r>
+            <a:r>
+              <a:rPr kumimoji="1" lang="zh-CN" altLang="en-US" sz="2000" dirty="0">
+                <a:solidFill>
+                  <a:schemeClr val="tx1">
+                    <a:lumMod val="50000"/>
+                    <a:lumOff val="50000"/>
+                  </a:schemeClr>
+                </a:solidFill>
+              </a:rPr>
+              <a:t> </a:t>
+            </a:r>
+            <a:r>
+              <a:rPr kumimoji="1" lang="en-US" altLang="zh-CN" sz="2000" dirty="0">
+                <a:solidFill>
+                  <a:schemeClr val="tx1">
+                    <a:lumMod val="50000"/>
+                    <a:lumOff val="50000"/>
+                  </a:schemeClr>
+                </a:solidFill>
+              </a:rPr>
+              <a:t>the</a:t>
+            </a:r>
+            <a:r>
+              <a:rPr kumimoji="1" lang="zh-CN" altLang="en-US" sz="2000" dirty="0">
+                <a:solidFill>
+                  <a:schemeClr val="tx1">
+                    <a:lumMod val="50000"/>
+                    <a:lumOff val="50000"/>
+                  </a:schemeClr>
+                </a:solidFill>
+              </a:rPr>
+              <a:t> </a:t>
+            </a:r>
+            <a:r>
+              <a:rPr kumimoji="1" lang="en-US" altLang="zh-CN" sz="2000" dirty="0">
+                <a:solidFill>
+                  <a:schemeClr val="tx1">
+                    <a:lumMod val="50000"/>
+                    <a:lumOff val="50000"/>
+                  </a:schemeClr>
+                </a:solidFill>
+              </a:rPr>
+              <a:t>mappings</a:t>
+            </a:r>
+            <a:r>
+              <a:rPr kumimoji="1" lang="zh-CN" altLang="en-US" sz="2000" dirty="0">
+                <a:solidFill>
+                  <a:schemeClr val="tx1">
+                    <a:lumMod val="50000"/>
+                    <a:lumOff val="50000"/>
+                  </a:schemeClr>
+                </a:solidFill>
+              </a:rPr>
+              <a:t> </a:t>
+            </a:r>
+            <a:r>
+              <a:rPr kumimoji="1" lang="en-US" altLang="zh-CN" sz="2000" dirty="0">
+                <a:solidFill>
+                  <a:schemeClr val="tx1">
+                    <a:lumMod val="50000"/>
+                    <a:lumOff val="50000"/>
+                  </a:schemeClr>
+                </a:solidFill>
+              </a:rPr>
+              <a:t>could</a:t>
+            </a:r>
+            <a:r>
+              <a:rPr kumimoji="1" lang="zh-CN" altLang="en-US" sz="2000" dirty="0">
+                <a:solidFill>
+                  <a:schemeClr val="tx1">
+                    <a:lumMod val="50000"/>
+                    <a:lumOff val="50000"/>
+                  </a:schemeClr>
+                </a:solidFill>
+              </a:rPr>
+              <a:t> </a:t>
+            </a:r>
+            <a:r>
+              <a:rPr kumimoji="1" lang="en-US" altLang="zh-CN" sz="2000" dirty="0">
+                <a:solidFill>
+                  <a:schemeClr val="tx1">
+                    <a:lumMod val="50000"/>
+                    <a:lumOff val="50000"/>
+                  </a:schemeClr>
+                </a:solidFill>
+              </a:rPr>
+              <a:t>be</a:t>
+            </a:r>
+            <a:r>
+              <a:rPr kumimoji="1" lang="zh-CN" altLang="en-US" sz="2000" dirty="0">
+                <a:solidFill>
+                  <a:schemeClr val="tx1">
+                    <a:lumMod val="50000"/>
+                    <a:lumOff val="50000"/>
+                  </a:schemeClr>
+                </a:solidFill>
+              </a:rPr>
+              <a:t> </a:t>
+            </a:r>
+            <a:r>
+              <a:rPr kumimoji="1" lang="en-US" altLang="zh-CN" sz="2000" dirty="0">
+                <a:solidFill>
+                  <a:schemeClr val="tx1">
+                    <a:lumMod val="50000"/>
+                    <a:lumOff val="50000"/>
+                  </a:schemeClr>
+                </a:solidFill>
+              </a:rPr>
+              <a:t>regarded</a:t>
+            </a:r>
+            <a:r>
+              <a:rPr kumimoji="1" lang="zh-CN" altLang="en-US" sz="2000" dirty="0">
+                <a:solidFill>
+                  <a:schemeClr val="tx1">
+                    <a:lumMod val="50000"/>
+                    <a:lumOff val="50000"/>
+                  </a:schemeClr>
+                </a:solidFill>
+              </a:rPr>
+              <a:t> </a:t>
+            </a:r>
+            <a:r>
+              <a:rPr kumimoji="1" lang="en-US" altLang="zh-CN" sz="2000" dirty="0">
+                <a:solidFill>
+                  <a:schemeClr val="tx1">
+                    <a:lumMod val="50000"/>
+                    <a:lumOff val="50000"/>
+                  </a:schemeClr>
+                </a:solidFill>
+              </a:rPr>
+              <a:t>as</a:t>
+            </a:r>
+            <a:r>
+              <a:rPr kumimoji="1" lang="zh-CN" altLang="en-US" sz="2000" dirty="0">
+                <a:solidFill>
+                  <a:schemeClr val="tx1">
+                    <a:lumMod val="50000"/>
+                    <a:lumOff val="50000"/>
+                  </a:schemeClr>
+                </a:solidFill>
+              </a:rPr>
+              <a:t> </a:t>
+            </a:r>
+            <a:r>
+              <a:rPr kumimoji="1" lang="en-US" altLang="zh-CN" sz="2000" dirty="0">
+                <a:solidFill>
+                  <a:schemeClr val="tx1">
+                    <a:lumMod val="50000"/>
+                    <a:lumOff val="50000"/>
+                  </a:schemeClr>
+                </a:solidFill>
+              </a:rPr>
+              <a:t>Monoid,</a:t>
+            </a:r>
+            <a:r>
+              <a:rPr kumimoji="1" lang="zh-CN" altLang="en-US" sz="2000" dirty="0">
+                <a:solidFill>
+                  <a:schemeClr val="tx1">
+                    <a:lumMod val="50000"/>
+                    <a:lumOff val="50000"/>
+                  </a:schemeClr>
+                </a:solidFill>
+              </a:rPr>
+              <a:t> </a:t>
+            </a:r>
+            <a:r>
+              <a:rPr kumimoji="1" lang="en-US" altLang="zh-CN" sz="2000" dirty="0">
+                <a:solidFill>
+                  <a:schemeClr val="tx1">
+                    <a:lumMod val="50000"/>
+                    <a:lumOff val="50000"/>
+                  </a:schemeClr>
+                </a:solidFill>
+              </a:rPr>
+              <a:t>adapted</a:t>
+            </a:r>
+            <a:r>
+              <a:rPr kumimoji="1" lang="zh-CN" altLang="en-US" sz="2000" dirty="0">
+                <a:solidFill>
+                  <a:schemeClr val="tx1">
+                    <a:lumMod val="50000"/>
+                    <a:lumOff val="50000"/>
+                  </a:schemeClr>
+                </a:solidFill>
+              </a:rPr>
+              <a:t> </a:t>
+            </a:r>
+            <a:r>
+              <a:rPr kumimoji="1" lang="en-US" altLang="zh-CN" sz="2000" dirty="0">
+                <a:solidFill>
+                  <a:schemeClr val="tx1">
+                    <a:lumMod val="50000"/>
+                    <a:lumOff val="50000"/>
+                  </a:schemeClr>
+                </a:solidFill>
+              </a:rPr>
+              <a:t>to</a:t>
+            </a:r>
+            <a:r>
+              <a:rPr kumimoji="1" lang="zh-CN" altLang="en-US" sz="2000" dirty="0">
+                <a:solidFill>
+                  <a:schemeClr val="tx1">
+                    <a:lumMod val="50000"/>
+                    <a:lumOff val="50000"/>
+                  </a:schemeClr>
+                </a:solidFill>
+              </a:rPr>
+              <a:t> </a:t>
+            </a:r>
+            <a:r>
+              <a:rPr kumimoji="1" lang="en-US" altLang="zh-CN" sz="2000" dirty="0">
+                <a:solidFill>
+                  <a:schemeClr val="tx1">
+                    <a:lumMod val="50000"/>
+                    <a:lumOff val="50000"/>
+                  </a:schemeClr>
+                </a:solidFill>
+              </a:rPr>
+              <a:t>be</a:t>
+            </a:r>
+            <a:r>
+              <a:rPr kumimoji="1" lang="zh-CN" altLang="en-US" sz="2000" dirty="0">
+                <a:solidFill>
+                  <a:schemeClr val="tx1">
+                    <a:lumMod val="50000"/>
+                    <a:lumOff val="50000"/>
+                  </a:schemeClr>
+                </a:solidFill>
+              </a:rPr>
+              <a:t> </a:t>
+            </a:r>
+            <a:r>
+              <a:rPr kumimoji="1" lang="en-US" altLang="zh-CN" sz="2000" dirty="0">
+                <a:solidFill>
+                  <a:schemeClr val="tx1">
+                    <a:lumMod val="50000"/>
+                    <a:lumOff val="50000"/>
+                  </a:schemeClr>
+                </a:solidFill>
+              </a:rPr>
+              <a:t>implemented</a:t>
+            </a:r>
+            <a:r>
+              <a:rPr kumimoji="1" lang="zh-CN" altLang="en-US" sz="2000" dirty="0">
+                <a:solidFill>
+                  <a:schemeClr val="tx1">
+                    <a:lumMod val="50000"/>
+                    <a:lumOff val="50000"/>
+                  </a:schemeClr>
+                </a:solidFill>
+              </a:rPr>
+              <a:t> </a:t>
+            </a:r>
+            <a:r>
+              <a:rPr kumimoji="1" lang="en-US" altLang="zh-CN" sz="2000" dirty="0">
+                <a:solidFill>
+                  <a:schemeClr val="tx1">
+                    <a:lumMod val="50000"/>
+                    <a:lumOff val="50000"/>
+                  </a:schemeClr>
+                </a:solidFill>
+              </a:rPr>
+              <a:t>by</a:t>
+            </a:r>
+            <a:r>
+              <a:rPr kumimoji="1" lang="zh-CN" altLang="en-US" sz="2000" dirty="0">
+                <a:solidFill>
+                  <a:schemeClr val="tx1">
+                    <a:lumMod val="50000"/>
+                    <a:lumOff val="50000"/>
+                  </a:schemeClr>
+                </a:solidFill>
+              </a:rPr>
+              <a:t> </a:t>
+            </a:r>
+            <a:r>
+              <a:rPr kumimoji="1" lang="en-US" altLang="zh-CN" sz="2000" dirty="0">
+                <a:solidFill>
+                  <a:schemeClr val="tx1">
+                    <a:lumMod val="50000"/>
+                    <a:lumOff val="50000"/>
+                  </a:schemeClr>
+                </a:solidFill>
+              </a:rPr>
+              <a:t>Haskell</a:t>
+            </a:r>
+          </a:p>
+        </p:txBody>
+      </p:sp>
     </p:spTree>
     <p:custDataLst>
       <p:tags r:id="rId1"/>

--- a/slide-light.pptx
+++ b/slide-light.pptx
@@ -7651,7 +7651,7 @@
         <p:spPr>
           <a:xfrm>
             <a:off x="2259590" y="1961722"/>
-            <a:ext cx="6468773" cy="3170099"/>
+            <a:ext cx="6468773" cy="2862322"/>
           </a:xfrm>
           <a:prstGeom prst="rect">
             <a:avLst/>
@@ -7756,24 +7756,8 @@
               <a:t> </a:t>
             </a:r>
             <a:r>
-              <a:rPr lang="en-US" altLang="zh-CN" sz="2000" dirty="0"/>
-              <a:t>language(such</a:t>
-            </a:r>
-            <a:r>
-              <a:rPr lang="zh-CN" altLang="en-US" sz="2000" dirty="0"/>
-              <a:t> </a:t>
-            </a:r>
-            <a:r>
-              <a:rPr lang="en-US" altLang="zh-CN" sz="2000" dirty="0"/>
-              <a:t>as</a:t>
-            </a:r>
-            <a:r>
-              <a:rPr lang="zh-CN" altLang="en-US" sz="2000" dirty="0"/>
-              <a:t> </a:t>
-            </a:r>
-            <a:r>
-              <a:rPr lang="en-US" altLang="zh-CN" sz="2000" dirty="0"/>
-              <a:t>Haskell)</a:t>
+              <a:rPr lang="en-US" altLang="zh-CN" sz="2000"/>
+              <a:t>language</a:t>
             </a:r>
           </a:p>
           <a:p>
@@ -7781,8 +7765,12 @@
               <a:buAutoNum type="arabicPeriod"/>
             </a:pPr>
             <a:r>
+              <a:rPr lang="en-US" altLang="zh-CN" sz="2000"/>
+              <a:t>Definition</a:t>
+            </a:r>
+            <a:r>
               <a:rPr lang="en-US" altLang="zh-CN" sz="2000" dirty="0"/>
-              <a:t>Definition:</a:t>
+              <a:t>:</a:t>
             </a:r>
             <a:r>
               <a:rPr lang="zh-CN" altLang="en-US" sz="2000" dirty="0"/>
@@ -8370,7 +8358,7 @@
                   </a:schemeClr>
                 </a:solidFill>
               </a:rPr>
-              <a:t>Monoid,</a:t>
+              <a:t>a</a:t>
             </a:r>
             <a:r>
               <a:rPr kumimoji="1" lang="zh-CN" altLang="en-US" sz="2000" dirty="0">
@@ -8392,117 +8380,7 @@
                   </a:schemeClr>
                 </a:solidFill>
               </a:rPr>
-              <a:t>adapted</a:t>
-            </a:r>
-            <a:r>
-              <a:rPr kumimoji="1" lang="zh-CN" altLang="en-US" sz="2000" dirty="0">
-                <a:solidFill>
-                  <a:schemeClr val="tx1">
-                    <a:lumMod val="50000"/>
-                    <a:lumOff val="50000"/>
-                  </a:schemeClr>
-                </a:solidFill>
-              </a:rPr>
-              <a:t> </a:t>
-            </a:r>
-            <a:r>
-              <a:rPr kumimoji="1" lang="en-US" altLang="zh-CN" sz="2000" dirty="0">
-                <a:solidFill>
-                  <a:schemeClr val="tx1">
-                    <a:lumMod val="50000"/>
-                    <a:lumOff val="50000"/>
-                  </a:schemeClr>
-                </a:solidFill>
-              </a:rPr>
-              <a:t>to</a:t>
-            </a:r>
-            <a:r>
-              <a:rPr kumimoji="1" lang="zh-CN" altLang="en-US" sz="2000" dirty="0">
-                <a:solidFill>
-                  <a:schemeClr val="tx1">
-                    <a:lumMod val="50000"/>
-                    <a:lumOff val="50000"/>
-                  </a:schemeClr>
-                </a:solidFill>
-              </a:rPr>
-              <a:t> </a:t>
-            </a:r>
-            <a:r>
-              <a:rPr kumimoji="1" lang="en-US" altLang="zh-CN" sz="2000" dirty="0">
-                <a:solidFill>
-                  <a:schemeClr val="tx1">
-                    <a:lumMod val="50000"/>
-                    <a:lumOff val="50000"/>
-                  </a:schemeClr>
-                </a:solidFill>
-              </a:rPr>
-              <a:t>be</a:t>
-            </a:r>
-            <a:r>
-              <a:rPr kumimoji="1" lang="zh-CN" altLang="en-US" sz="2000" dirty="0">
-                <a:solidFill>
-                  <a:schemeClr val="tx1">
-                    <a:lumMod val="50000"/>
-                    <a:lumOff val="50000"/>
-                  </a:schemeClr>
-                </a:solidFill>
-              </a:rPr>
-              <a:t> </a:t>
-            </a:r>
-            <a:r>
-              <a:rPr kumimoji="1" lang="en-US" altLang="zh-CN" sz="2000" dirty="0">
-                <a:solidFill>
-                  <a:schemeClr val="tx1">
-                    <a:lumMod val="50000"/>
-                    <a:lumOff val="50000"/>
-                  </a:schemeClr>
-                </a:solidFill>
-              </a:rPr>
-              <a:t>implemented</a:t>
-            </a:r>
-            <a:r>
-              <a:rPr kumimoji="1" lang="zh-CN" altLang="en-US" sz="2000" dirty="0">
-                <a:solidFill>
-                  <a:schemeClr val="tx1">
-                    <a:lumMod val="50000"/>
-                    <a:lumOff val="50000"/>
-                  </a:schemeClr>
-                </a:solidFill>
-              </a:rPr>
-              <a:t> </a:t>
-            </a:r>
-            <a:r>
-              <a:rPr kumimoji="1" lang="en-US" altLang="zh-CN" sz="2000" dirty="0">
-                <a:solidFill>
-                  <a:schemeClr val="tx1">
-                    <a:lumMod val="50000"/>
-                    <a:lumOff val="50000"/>
-                  </a:schemeClr>
-                </a:solidFill>
-              </a:rPr>
-              <a:t>by</a:t>
-            </a:r>
-            <a:r>
-              <a:rPr kumimoji="1" lang="zh-CN" altLang="en-US" sz="2000" dirty="0">
-                <a:solidFill>
-                  <a:schemeClr val="tx1">
-                    <a:lumMod val="50000"/>
-                    <a:lumOff val="50000"/>
-                  </a:schemeClr>
-                </a:solidFill>
-              </a:rPr>
-              <a:t> </a:t>
-            </a:r>
-            <a:r>
-              <a:rPr kumimoji="1" lang="en-US" altLang="zh-CN" sz="2000" dirty="0">
-                <a:solidFill>
-                  <a:schemeClr val="tx1">
-                    <a:lumMod val="50000"/>
-                    <a:lumOff val="50000"/>
-                  </a:schemeClr>
-                </a:solidFill>
-              </a:rPr>
-              <a:t>Haskell</a:t>
+              <a:t>Monoid.</a:t>
             </a:r>
           </a:p>
         </p:txBody>

--- a/slide-light.pptx
+++ b/slide-light.pptx
@@ -230,7 +230,7 @@
                 <a:latin typeface="微软雅黑" panose="020B0503020204020204" charset="-122"/>
                 <a:ea typeface="微软雅黑" panose="020B0503020204020204" charset="-122"/>
               </a:rPr>
-              <a:t>2021/10/15</a:t>
+              <a:t>2021/10/16</a:t>
             </a:fld>
             <a:endParaRPr lang="zh-CN" altLang="en-US">
               <a:latin typeface="微软雅黑" panose="020B0503020204020204" charset="-122"/>
@@ -408,7 +408,7 @@
           <a:p>
             <a:fld id="{1AC49D05-6128-4D0D-A32A-06A5E73B386C}" type="datetimeFigureOut">
               <a:rPr lang="zh-CN" altLang="en-US" smtClean="0"/>
-              <a:t>2021/10/15</a:t>
+              <a:t>2021/10/16</a:t>
             </a:fld>
             <a:endParaRPr lang="zh-CN" altLang="en-US"/>
           </a:p>
@@ -913,7 +913,7 @@
           <a:p>
             <a:fld id="{760FBDFE-C587-4B4C-A407-44438C67B59E}" type="datetimeFigureOut">
               <a:rPr lang="zh-CN" altLang="en-US" smtClean="0"/>
-              <a:t>2021/10/15</a:t>
+              <a:t>2021/10/16</a:t>
             </a:fld>
             <a:endParaRPr lang="zh-CN" altLang="en-US"/>
           </a:p>
@@ -1012,7 +1012,7 @@
           <a:p>
             <a:fld id="{760FBDFE-C587-4B4C-A407-44438C67B59E}" type="datetimeFigureOut">
               <a:rPr lang="zh-CN" altLang="en-US" smtClean="0"/>
-              <a:t>2021/10/15</a:t>
+              <a:t>2021/10/16</a:t>
             </a:fld>
             <a:endParaRPr lang="zh-CN" altLang="en-US"/>
           </a:p>
@@ -1221,7 +1221,7 @@
           <a:p>
             <a:fld id="{760FBDFE-C587-4B4C-A407-44438C67B59E}" type="datetimeFigureOut">
               <a:rPr lang="zh-CN" altLang="en-US" smtClean="0"/>
-              <a:t>2021/10/15</a:t>
+              <a:t>2021/10/16</a:t>
             </a:fld>
             <a:endParaRPr lang="zh-CN" altLang="en-US"/>
           </a:p>
@@ -1636,7 +1636,7 @@
           <a:p>
             <a:fld id="{760FBDFE-C587-4B4C-A407-44438C67B59E}" type="datetimeFigureOut">
               <a:rPr lang="zh-CN" altLang="en-US" smtClean="0"/>
-              <a:t>2021/10/15</a:t>
+              <a:t>2021/10/16</a:t>
             </a:fld>
             <a:endParaRPr lang="zh-CN" altLang="en-US"/>
           </a:p>
@@ -1910,7 +1910,7 @@
           <a:p>
             <a:fld id="{760FBDFE-C587-4B4C-A407-44438C67B59E}" type="datetimeFigureOut">
               <a:rPr lang="zh-CN" altLang="en-US" smtClean="0"/>
-              <a:t>2021/10/15</a:t>
+              <a:t>2021/10/16</a:t>
             </a:fld>
             <a:endParaRPr lang="zh-CN" altLang="en-US"/>
           </a:p>
@@ -2378,7 +2378,7 @@
           <a:p>
             <a:fld id="{760FBDFE-C587-4B4C-A407-44438C67B59E}" type="datetimeFigureOut">
               <a:rPr lang="zh-CN" altLang="en-US" smtClean="0"/>
-              <a:t>2021/10/15</a:t>
+              <a:t>2021/10/16</a:t>
             </a:fld>
             <a:endParaRPr lang="zh-CN" altLang="en-US"/>
           </a:p>
@@ -3111,7 +3111,7 @@
           <a:p>
             <a:fld id="{760FBDFE-C587-4B4C-A407-44438C67B59E}" type="datetimeFigureOut">
               <a:rPr lang="zh-CN" altLang="en-US" smtClean="0"/>
-              <a:t>2021/10/15</a:t>
+              <a:t>2021/10/16</a:t>
             </a:fld>
             <a:endParaRPr lang="zh-CN" altLang="en-US"/>
           </a:p>
@@ -3257,7 +3257,7 @@
           <a:p>
             <a:fld id="{760FBDFE-C587-4B4C-A407-44438C67B59E}" type="datetimeFigureOut">
               <a:rPr lang="zh-CN" altLang="en-US" smtClean="0"/>
-              <a:t>2021/10/15</a:t>
+              <a:t>2021/10/16</a:t>
             </a:fld>
             <a:endParaRPr lang="zh-CN" altLang="en-US"/>
           </a:p>
@@ -3356,7 +3356,7 @@
           <a:p>
             <a:fld id="{760FBDFE-C587-4B4C-A407-44438C67B59E}" type="datetimeFigureOut">
               <a:rPr lang="zh-CN" altLang="en-US" smtClean="0"/>
-              <a:t>2021/10/15</a:t>
+              <a:t>2021/10/16</a:t>
             </a:fld>
             <a:endParaRPr lang="zh-CN" altLang="en-US"/>
           </a:p>
@@ -3671,7 +3671,7 @@
           <a:p>
             <a:fld id="{9EFD9D74-47D9-4702-A33C-335B63B48DBF}" type="datetimeFigureOut">
               <a:rPr lang="zh-CN" altLang="en-US" smtClean="0"/>
-              <a:t>2021/10/15</a:t>
+              <a:t>2021/10/16</a:t>
             </a:fld>
             <a:endParaRPr lang="zh-CN" altLang="en-US" dirty="0"/>
           </a:p>
@@ -3960,7 +3960,7 @@
           <a:p>
             <a:fld id="{760FBDFE-C587-4B4C-A407-44438C67B59E}" type="datetimeFigureOut">
               <a:rPr lang="zh-CN" altLang="en-US" smtClean="0"/>
-              <a:t>2021/10/15</a:t>
+              <a:t>2021/10/16</a:t>
             </a:fld>
             <a:endParaRPr lang="zh-CN" altLang="en-US"/>
           </a:p>
@@ -4189,7 +4189,7 @@
           <a:p>
             <a:fld id="{760FBDFE-C587-4B4C-A407-44438C67B59E}" type="datetimeFigureOut">
               <a:rPr lang="zh-CN" altLang="en-US" smtClean="0"/>
-              <a:t>2021/10/15</a:t>
+              <a:t>2021/10/16</a:t>
             </a:fld>
             <a:endParaRPr lang="zh-CN" altLang="en-US"/>
           </a:p>
@@ -6936,7 +6936,7 @@
           <a:p>
             <a:r>
               <a:rPr kumimoji="1" lang="en-US" altLang="zh-CN" sz="2000" dirty="0"/>
-              <a:t>Motivate</a:t>
+              <a:t>Motivation</a:t>
             </a:r>
             <a:r>
               <a:rPr kumimoji="1" lang="zh-CN" altLang="en-US" sz="2000" dirty="0"/>
@@ -8248,7 +8248,7 @@
                   </a:schemeClr>
                 </a:solidFill>
               </a:rPr>
-              <a:t>mappings</a:t>
+              <a:t>mapping</a:t>
             </a:r>
             <a:r>
               <a:rPr kumimoji="1" lang="zh-CN" altLang="en-US" sz="2000" dirty="0">
